--- a/presentation/dwdm_op.pptx
+++ b/presentation/dwdm_op.pptx
@@ -27,6 +27,11 @@
     <p:sldId id="271" r:id="rId20"/>
     <p:sldId id="272" r:id="rId21"/>
     <p:sldId id="273" r:id="rId22"/>
+    <p:sldId id="274" r:id="rId23"/>
+    <p:sldId id="275" r:id="rId24"/>
+    <p:sldId id="276" r:id="rId25"/>
+    <p:sldId id="277" r:id="rId26"/>
+    <p:sldId id="278" r:id="rId27"/>
   </p:sldIdLst>
   <p:sldSz cx="9144000" cy="6858000"/>
   <p:notesSz cx="6858000" cy="9144000"/>
@@ -52,7 +57,7 @@
       </p:grpSpPr>
       <p:sp>
         <p:nvSpPr>
-          <p:cNvPr id="74" name="PlaceHolder 1"/>
+          <p:cNvPr id="68" name="PlaceHolder 1"/>
           <p:cNvSpPr>
             <a:spLocks noGrp="1"/>
           </p:cNvSpPr>
@@ -82,7 +87,7 @@
       </p:sp>
       <p:sp>
         <p:nvSpPr>
-          <p:cNvPr id="75" name="PlaceHolder 2"/>
+          <p:cNvPr id="69" name="PlaceHolder 2"/>
           <p:cNvSpPr>
             <a:spLocks noGrp="1"/>
           </p:cNvSpPr>
@@ -112,7 +117,7 @@
       </p:sp>
       <p:sp>
         <p:nvSpPr>
-          <p:cNvPr id="76" name="PlaceHolder 3"/>
+          <p:cNvPr id="70" name="PlaceHolder 3"/>
           <p:cNvSpPr>
             <a:spLocks noGrp="1"/>
           </p:cNvSpPr>
@@ -143,7 +148,7 @@
       </p:sp>
       <p:sp>
         <p:nvSpPr>
-          <p:cNvPr id="77" name="PlaceHolder 4"/>
+          <p:cNvPr id="71" name="PlaceHolder 4"/>
           <p:cNvSpPr>
             <a:spLocks noGrp="1"/>
           </p:cNvSpPr>
@@ -173,7 +178,7 @@
       </p:sp>
       <p:sp>
         <p:nvSpPr>
-          <p:cNvPr id="78" name="PlaceHolder 5"/>
+          <p:cNvPr id="72" name="PlaceHolder 5"/>
           <p:cNvSpPr>
             <a:spLocks noGrp="1"/>
           </p:cNvSpPr>
@@ -194,7 +199,7 @@
           <a:bodyPr anchor="b" bIns="0" lIns="0" rIns="0" tIns="0" wrap="none"/>
           <a:p>
             <a:pPr algn="r"/>
-            <a:fld id="{11313181-A131-41E1-81A1-415181211171}" type="slidenum">
+            <a:fld id="{A171C161-11E1-41B1-91D1-9171813171C1}" type="slidenum">
               <a:rPr lang="en-US"/>
               <a:t>&lt;number&gt;</a:t>
             </a:fld>
@@ -227,7 +232,7 @@
       </p:grpSpPr>
       <p:sp>
         <p:nvSpPr>
-          <p:cNvPr id="136" name="PlaceHolder 1"/>
+          <p:cNvPr id="140" name="PlaceHolder 1"/>
           <p:cNvSpPr>
             <a:spLocks noGrp="1"/>
           </p:cNvSpPr>
@@ -360,8 +365,8 @@
       </p:sp>
       <p:sp>
         <p:nvSpPr>
-          <p:cNvPr id="137" name="TextShape 2"/>
-          <p:cNvSpPr txBox="1"/>
+          <p:cNvPr id="141" name="CustomShape 2"/>
+          <p:cNvSpPr/>
           <p:nvPr/>
         </p:nvSpPr>
         <p:spPr>
@@ -376,7 +381,7 @@
         <p:txBody>
           <a:bodyPr bIns="45000" lIns="90000" rIns="90000" tIns="45000"/>
           <a:p>
-            <a:fld id="{D1110121-81E1-4171-91C1-41514121C1B1}" type="slidenum">
+            <a:fld id="{11A1D151-D1B1-4191-B1C1-51F1E1C1E161}" type="slidenum">
               <a:rPr lang="en-US">
                 <a:solidFill>
                   <a:srgbClr val="000000"/>
@@ -414,7 +419,7 @@
       </p:grpSpPr>
       <p:sp>
         <p:nvSpPr>
-          <p:cNvPr id="138" name="PlaceHolder 1"/>
+          <p:cNvPr id="142" name="PlaceHolder 1"/>
           <p:cNvSpPr>
             <a:spLocks noGrp="1"/>
           </p:cNvSpPr>
@@ -476,8 +481,8 @@
       </p:sp>
       <p:sp>
         <p:nvSpPr>
-          <p:cNvPr id="139" name="TextShape 2"/>
-          <p:cNvSpPr txBox="1"/>
+          <p:cNvPr id="143" name="CustomShape 2"/>
+          <p:cNvSpPr/>
           <p:nvPr/>
         </p:nvSpPr>
         <p:spPr>
@@ -492,7 +497,7 @@
         <p:txBody>
           <a:bodyPr bIns="45000" lIns="90000" rIns="90000" tIns="45000"/>
           <a:p>
-            <a:fld id="{B1314181-C151-41C1-A191-61F181015191}" type="slidenum">
+            <a:fld id="{E1413151-61A1-41E1-9131-D14181D1F1C1}" type="slidenum">
               <a:rPr lang="en-US">
                 <a:solidFill>
                   <a:srgbClr val="000000"/>
@@ -530,7 +535,7 @@
       </p:grpSpPr>
       <p:sp>
         <p:nvSpPr>
-          <p:cNvPr id="140" name="PlaceHolder 1"/>
+          <p:cNvPr id="144" name="PlaceHolder 1"/>
           <p:cNvSpPr>
             <a:spLocks noGrp="1"/>
           </p:cNvSpPr>
@@ -621,8 +626,8 @@
       </p:sp>
       <p:sp>
         <p:nvSpPr>
-          <p:cNvPr id="141" name="TextShape 2"/>
-          <p:cNvSpPr txBox="1"/>
+          <p:cNvPr id="145" name="CustomShape 2"/>
+          <p:cNvSpPr/>
           <p:nvPr/>
         </p:nvSpPr>
         <p:spPr>
@@ -637,7 +642,7 @@
         <p:txBody>
           <a:bodyPr bIns="45000" lIns="90000" rIns="90000" tIns="45000"/>
           <a:p>
-            <a:fld id="{D111A121-4121-41E1-8141-612101E1C151}" type="slidenum">
+            <a:fld id="{71614111-C101-4191-B121-5171C1E17111}" type="slidenum">
               <a:rPr lang="en-US">
                 <a:solidFill>
                   <a:srgbClr val="000000"/>
@@ -675,7 +680,7 @@
       </p:grpSpPr>
       <p:sp>
         <p:nvSpPr>
-          <p:cNvPr id="142" name="PlaceHolder 1"/>
+          <p:cNvPr id="146" name="PlaceHolder 1"/>
           <p:cNvSpPr>
             <a:spLocks noGrp="1"/>
           </p:cNvSpPr>
@@ -863,8 +868,8 @@
       </p:sp>
       <p:sp>
         <p:nvSpPr>
-          <p:cNvPr id="143" name="TextShape 2"/>
-          <p:cNvSpPr txBox="1"/>
+          <p:cNvPr id="147" name="CustomShape 2"/>
+          <p:cNvSpPr/>
           <p:nvPr/>
         </p:nvSpPr>
         <p:spPr>
@@ -879,7 +884,7 @@
         <p:txBody>
           <a:bodyPr bIns="45000" lIns="90000" rIns="90000" tIns="45000"/>
           <a:p>
-            <a:fld id="{D1C13131-3191-4101-A1D1-D171F1616111}" type="slidenum">
+            <a:fld id="{71D17151-51F1-4181-91D1-31A121D17101}" type="slidenum">
               <a:rPr lang="en-US">
                 <a:solidFill>
                   <a:srgbClr val="000000"/>
@@ -939,7 +944,7 @@
       </p:grpSpPr>
       <p:sp>
         <p:nvSpPr>
-          <p:cNvPr id="26" name="PlaceHolder 1"/>
+          <p:cNvPr id="23" name="PlaceHolder 1"/>
           <p:cNvSpPr>
             <a:spLocks noGrp="1"/>
           </p:cNvSpPr>
@@ -949,8 +954,8 @@
         </p:nvSpPr>
         <p:spPr>
           <a:xfrm>
-            <a:off x="457200" y="274680"/>
-            <a:ext cx="8229240" cy="1143000"/>
+            <a:off x="457200" y="273600"/>
+            <a:ext cx="8229240" cy="1145160"/>
           </a:xfrm>
           <a:prstGeom prst="rect">
             <a:avLst/>
@@ -959,13 +964,14 @@
         <p:txBody>
           <a:bodyPr anchor="ctr" bIns="0" lIns="0" rIns="0" tIns="0" wrap="none"/>
           <a:p>
-            <a:endParaRPr/>
-          </a:p>
-        </p:txBody>
-      </p:sp>
-      <p:sp>
-        <p:nvSpPr>
-          <p:cNvPr id="27" name="PlaceHolder 2"/>
+            <a:pPr algn="ctr"/>
+            <a:endParaRPr/>
+          </a:p>
+        </p:txBody>
+      </p:sp>
+      <p:sp>
+        <p:nvSpPr>
+          <p:cNvPr id="24" name="PlaceHolder 2"/>
           <p:cNvSpPr>
             <a:spLocks noGrp="1"/>
           </p:cNvSpPr>
@@ -975,8 +981,8 @@
         </p:nvSpPr>
         <p:spPr>
           <a:xfrm>
-            <a:off x="457200" y="1600200"/>
-            <a:ext cx="8229240" cy="2158200"/>
+            <a:off x="457200" y="1604520"/>
+            <a:ext cx="8229240" cy="2158560"/>
           </a:xfrm>
           <a:prstGeom prst="rect">
             <a:avLst/>
@@ -991,7 +997,7 @@
       </p:sp>
       <p:sp>
         <p:nvSpPr>
-          <p:cNvPr id="28" name="PlaceHolder 3"/>
+          <p:cNvPr id="25" name="PlaceHolder 3"/>
           <p:cNvSpPr>
             <a:spLocks noGrp="1"/>
           </p:cNvSpPr>
@@ -1001,8 +1007,8 @@
         </p:nvSpPr>
         <p:spPr>
           <a:xfrm>
-            <a:off x="457200" y="3963600"/>
-            <a:ext cx="8229240" cy="2158200"/>
+            <a:off x="457200" y="3968280"/>
+            <a:ext cx="8229240" cy="2158560"/>
           </a:xfrm>
           <a:prstGeom prst="rect">
             <a:avLst/>
@@ -1039,7 +1045,7 @@
       </p:grpSpPr>
       <p:sp>
         <p:nvSpPr>
-          <p:cNvPr id="29" name="PlaceHolder 1"/>
+          <p:cNvPr id="26" name="PlaceHolder 1"/>
           <p:cNvSpPr>
             <a:spLocks noGrp="1"/>
           </p:cNvSpPr>
@@ -1049,8 +1055,8 @@
         </p:nvSpPr>
         <p:spPr>
           <a:xfrm>
-            <a:off x="457200" y="274680"/>
-            <a:ext cx="8229240" cy="1143000"/>
+            <a:off x="457200" y="273600"/>
+            <a:ext cx="8229240" cy="1145160"/>
           </a:xfrm>
           <a:prstGeom prst="rect">
             <a:avLst/>
@@ -1059,13 +1065,14 @@
         <p:txBody>
           <a:bodyPr anchor="ctr" bIns="0" lIns="0" rIns="0" tIns="0" wrap="none"/>
           <a:p>
-            <a:endParaRPr/>
-          </a:p>
-        </p:txBody>
-      </p:sp>
-      <p:sp>
-        <p:nvSpPr>
-          <p:cNvPr id="30" name="PlaceHolder 2"/>
+            <a:pPr algn="ctr"/>
+            <a:endParaRPr/>
+          </a:p>
+        </p:txBody>
+      </p:sp>
+      <p:sp>
+        <p:nvSpPr>
+          <p:cNvPr id="27" name="PlaceHolder 2"/>
           <p:cNvSpPr>
             <a:spLocks noGrp="1"/>
           </p:cNvSpPr>
@@ -1075,8 +1082,8 @@
         </p:nvSpPr>
         <p:spPr>
           <a:xfrm>
-            <a:off x="457200" y="1600200"/>
-            <a:ext cx="4015440" cy="2158200"/>
+            <a:off x="457200" y="1604520"/>
+            <a:ext cx="4015440" cy="2158560"/>
           </a:xfrm>
           <a:prstGeom prst="rect">
             <a:avLst/>
@@ -1091,7 +1098,7 @@
       </p:sp>
       <p:sp>
         <p:nvSpPr>
-          <p:cNvPr id="31" name="PlaceHolder 3"/>
+          <p:cNvPr id="28" name="PlaceHolder 3"/>
           <p:cNvSpPr>
             <a:spLocks noGrp="1"/>
           </p:cNvSpPr>
@@ -1101,8 +1108,8 @@
         </p:nvSpPr>
         <p:spPr>
           <a:xfrm>
-            <a:off x="4673520" y="1600200"/>
-            <a:ext cx="4015440" cy="2158200"/>
+            <a:off x="4673520" y="1604520"/>
+            <a:ext cx="4015440" cy="2158560"/>
           </a:xfrm>
           <a:prstGeom prst="rect">
             <a:avLst/>
@@ -1117,7 +1124,7 @@
       </p:sp>
       <p:sp>
         <p:nvSpPr>
-          <p:cNvPr id="32" name="PlaceHolder 4"/>
+          <p:cNvPr id="29" name="PlaceHolder 4"/>
           <p:cNvSpPr>
             <a:spLocks noGrp="1"/>
           </p:cNvSpPr>
@@ -1127,8 +1134,8 @@
         </p:nvSpPr>
         <p:spPr>
           <a:xfrm>
-            <a:off x="4673520" y="3963600"/>
-            <a:ext cx="4015440" cy="2158200"/>
+            <a:off x="4673520" y="3968280"/>
+            <a:ext cx="4015440" cy="2158560"/>
           </a:xfrm>
           <a:prstGeom prst="rect">
             <a:avLst/>
@@ -1143,7 +1150,7 @@
       </p:sp>
       <p:sp>
         <p:nvSpPr>
-          <p:cNvPr id="33" name="PlaceHolder 5"/>
+          <p:cNvPr id="30" name="PlaceHolder 5"/>
           <p:cNvSpPr>
             <a:spLocks noGrp="1"/>
           </p:cNvSpPr>
@@ -1153,8 +1160,8 @@
         </p:nvSpPr>
         <p:spPr>
           <a:xfrm>
-            <a:off x="457200" y="3963600"/>
-            <a:ext cx="4015440" cy="2158200"/>
+            <a:off x="457200" y="3968280"/>
+            <a:ext cx="4015440" cy="2158560"/>
           </a:xfrm>
           <a:prstGeom prst="rect">
             <a:avLst/>
@@ -1191,7 +1198,7 @@
       </p:grpSpPr>
       <p:sp>
         <p:nvSpPr>
-          <p:cNvPr id="34" name="PlaceHolder 1"/>
+          <p:cNvPr id="31" name="PlaceHolder 1"/>
           <p:cNvSpPr>
             <a:spLocks noGrp="1"/>
           </p:cNvSpPr>
@@ -1201,8 +1208,8 @@
         </p:nvSpPr>
         <p:spPr>
           <a:xfrm>
-            <a:off x="457200" y="274680"/>
-            <a:ext cx="8229240" cy="1143000"/>
+            <a:off x="457200" y="273600"/>
+            <a:ext cx="8229240" cy="1145160"/>
           </a:xfrm>
           <a:prstGeom prst="rect">
             <a:avLst/>
@@ -1211,13 +1218,14 @@
         <p:txBody>
           <a:bodyPr anchor="ctr" bIns="0" lIns="0" rIns="0" tIns="0" wrap="none"/>
           <a:p>
-            <a:endParaRPr/>
-          </a:p>
-        </p:txBody>
-      </p:sp>
-      <p:sp>
-        <p:nvSpPr>
-          <p:cNvPr id="35" name="PlaceHolder 2"/>
+            <a:pPr algn="ctr"/>
+            <a:endParaRPr/>
+          </a:p>
+        </p:txBody>
+      </p:sp>
+      <p:sp>
+        <p:nvSpPr>
+          <p:cNvPr id="32" name="PlaceHolder 2"/>
           <p:cNvSpPr>
             <a:spLocks noGrp="1"/>
           </p:cNvSpPr>
@@ -1227,8 +1235,8 @@
         </p:nvSpPr>
         <p:spPr>
           <a:xfrm>
-            <a:off x="457200" y="1600200"/>
-            <a:ext cx="4015440" cy="2158200"/>
+            <a:off x="457200" y="1604520"/>
+            <a:ext cx="4015440" cy="2158560"/>
           </a:xfrm>
           <a:prstGeom prst="rect">
             <a:avLst/>
@@ -1243,7 +1251,7 @@
       </p:sp>
       <p:sp>
         <p:nvSpPr>
-          <p:cNvPr id="36" name="PlaceHolder 3"/>
+          <p:cNvPr id="33" name="PlaceHolder 3"/>
           <p:cNvSpPr>
             <a:spLocks noGrp="1"/>
           </p:cNvSpPr>
@@ -1253,8 +1261,8 @@
         </p:nvSpPr>
         <p:spPr>
           <a:xfrm>
-            <a:off x="4673520" y="1600200"/>
-            <a:ext cx="4015440" cy="2158200"/>
+            <a:off x="4673520" y="1604520"/>
+            <a:ext cx="4015440" cy="2158560"/>
           </a:xfrm>
           <a:prstGeom prst="rect">
             <a:avLst/>
@@ -1313,7 +1321,7 @@
       </p:grpSpPr>
       <p:sp>
         <p:nvSpPr>
-          <p:cNvPr id="42" name="PlaceHolder 1"/>
+          <p:cNvPr id="36" name="PlaceHolder 1"/>
           <p:cNvSpPr>
             <a:spLocks noGrp="1"/>
           </p:cNvSpPr>
@@ -1323,8 +1331,8 @@
         </p:nvSpPr>
         <p:spPr>
           <a:xfrm>
-            <a:off x="457200" y="274680"/>
-            <a:ext cx="8229240" cy="1143000"/>
+            <a:off x="457200" y="273600"/>
+            <a:ext cx="8229240" cy="1145160"/>
           </a:xfrm>
           <a:prstGeom prst="rect">
             <a:avLst/>
@@ -1333,13 +1341,14 @@
         <p:txBody>
           <a:bodyPr anchor="ctr" bIns="0" lIns="0" rIns="0" tIns="0" wrap="none"/>
           <a:p>
-            <a:endParaRPr/>
-          </a:p>
-        </p:txBody>
-      </p:sp>
-      <p:sp>
-        <p:nvSpPr>
-          <p:cNvPr id="43" name="PlaceHolder 2"/>
+            <a:pPr algn="ctr"/>
+            <a:endParaRPr/>
+          </a:p>
+        </p:txBody>
+      </p:sp>
+      <p:sp>
+        <p:nvSpPr>
+          <p:cNvPr id="37" name="PlaceHolder 2"/>
           <p:cNvSpPr>
             <a:spLocks noGrp="1"/>
           </p:cNvSpPr>
@@ -1349,8 +1358,8 @@
         </p:nvSpPr>
         <p:spPr>
           <a:xfrm>
-            <a:off x="457200" y="1600200"/>
-            <a:ext cx="8229240" cy="4525920"/>
+            <a:off x="457200" y="1604520"/>
+            <a:ext cx="8229240" cy="4526280"/>
           </a:xfrm>
           <a:prstGeom prst="rect">
             <a:avLst/>
@@ -1388,7 +1397,7 @@
       </p:grpSpPr>
       <p:sp>
         <p:nvSpPr>
-          <p:cNvPr id="44" name="PlaceHolder 1"/>
+          <p:cNvPr id="38" name="PlaceHolder 1"/>
           <p:cNvSpPr>
             <a:spLocks noGrp="1"/>
           </p:cNvSpPr>
@@ -1398,8 +1407,8 @@
         </p:nvSpPr>
         <p:spPr>
           <a:xfrm>
-            <a:off x="457200" y="274680"/>
-            <a:ext cx="8229240" cy="1143000"/>
+            <a:off x="457200" y="273600"/>
+            <a:ext cx="8229240" cy="1145160"/>
           </a:xfrm>
           <a:prstGeom prst="rect">
             <a:avLst/>
@@ -1408,13 +1417,14 @@
         <p:txBody>
           <a:bodyPr anchor="ctr" bIns="0" lIns="0" rIns="0" tIns="0" wrap="none"/>
           <a:p>
-            <a:endParaRPr/>
-          </a:p>
-        </p:txBody>
-      </p:sp>
-      <p:sp>
-        <p:nvSpPr>
-          <p:cNvPr id="45" name="PlaceHolder 2"/>
+            <a:pPr algn="ctr"/>
+            <a:endParaRPr/>
+          </a:p>
+        </p:txBody>
+      </p:sp>
+      <p:sp>
+        <p:nvSpPr>
+          <p:cNvPr id="39" name="PlaceHolder 2"/>
           <p:cNvSpPr>
             <a:spLocks noGrp="1"/>
           </p:cNvSpPr>
@@ -1424,8 +1434,8 @@
         </p:nvSpPr>
         <p:spPr>
           <a:xfrm>
-            <a:off x="457200" y="1600200"/>
-            <a:ext cx="8229240" cy="4525560"/>
+            <a:off x="457200" y="1604520"/>
+            <a:ext cx="8229240" cy="4525920"/>
           </a:xfrm>
           <a:prstGeom prst="rect">
             <a:avLst/>
@@ -1462,7 +1472,7 @@
       </p:grpSpPr>
       <p:sp>
         <p:nvSpPr>
-          <p:cNvPr id="46" name="PlaceHolder 1"/>
+          <p:cNvPr id="40" name="PlaceHolder 1"/>
           <p:cNvSpPr>
             <a:spLocks noGrp="1"/>
           </p:cNvSpPr>
@@ -1472,8 +1482,8 @@
         </p:nvSpPr>
         <p:spPr>
           <a:xfrm>
-            <a:off x="457200" y="274680"/>
-            <a:ext cx="8229240" cy="1143000"/>
+            <a:off x="457200" y="273600"/>
+            <a:ext cx="8229240" cy="1145160"/>
           </a:xfrm>
           <a:prstGeom prst="rect">
             <a:avLst/>
@@ -1482,13 +1492,14 @@
         <p:txBody>
           <a:bodyPr anchor="ctr" bIns="0" lIns="0" rIns="0" tIns="0" wrap="none"/>
           <a:p>
-            <a:endParaRPr/>
-          </a:p>
-        </p:txBody>
-      </p:sp>
-      <p:sp>
-        <p:nvSpPr>
-          <p:cNvPr id="47" name="PlaceHolder 2"/>
+            <a:pPr algn="ctr"/>
+            <a:endParaRPr/>
+          </a:p>
+        </p:txBody>
+      </p:sp>
+      <p:sp>
+        <p:nvSpPr>
+          <p:cNvPr id="41" name="PlaceHolder 2"/>
           <p:cNvSpPr>
             <a:spLocks noGrp="1"/>
           </p:cNvSpPr>
@@ -1498,8 +1509,8 @@
         </p:nvSpPr>
         <p:spPr>
           <a:xfrm>
-            <a:off x="457200" y="1600200"/>
-            <a:ext cx="4015440" cy="4525560"/>
+            <a:off x="457200" y="1604520"/>
+            <a:ext cx="4015440" cy="4525920"/>
           </a:xfrm>
           <a:prstGeom prst="rect">
             <a:avLst/>
@@ -1514,7 +1525,7 @@
       </p:sp>
       <p:sp>
         <p:nvSpPr>
-          <p:cNvPr id="48" name="PlaceHolder 3"/>
+          <p:cNvPr id="42" name="PlaceHolder 3"/>
           <p:cNvSpPr>
             <a:spLocks noGrp="1"/>
           </p:cNvSpPr>
@@ -1524,8 +1535,8 @@
         </p:nvSpPr>
         <p:spPr>
           <a:xfrm>
-            <a:off x="4673520" y="1600200"/>
-            <a:ext cx="4015440" cy="4525560"/>
+            <a:off x="4673520" y="1604520"/>
+            <a:ext cx="4015440" cy="4525920"/>
           </a:xfrm>
           <a:prstGeom prst="rect">
             <a:avLst/>
@@ -1562,7 +1573,7 @@
       </p:grpSpPr>
       <p:sp>
         <p:nvSpPr>
-          <p:cNvPr id="49" name="PlaceHolder 1"/>
+          <p:cNvPr id="43" name="PlaceHolder 1"/>
           <p:cNvSpPr>
             <a:spLocks noGrp="1"/>
           </p:cNvSpPr>
@@ -1572,8 +1583,8 @@
         </p:nvSpPr>
         <p:spPr>
           <a:xfrm>
-            <a:off x="457200" y="274680"/>
-            <a:ext cx="8229240" cy="1143000"/>
+            <a:off x="457200" y="273600"/>
+            <a:ext cx="8229240" cy="1145160"/>
           </a:xfrm>
           <a:prstGeom prst="rect">
             <a:avLst/>
@@ -1582,6 +1593,7 @@
         <p:txBody>
           <a:bodyPr anchor="ctr" bIns="0" lIns="0" rIns="0" tIns="0" wrap="none"/>
           <a:p>
+            <a:pPr algn="ctr"/>
             <a:endParaRPr/>
           </a:p>
         </p:txBody>
@@ -1610,7 +1622,7 @@
       </p:grpSpPr>
       <p:sp>
         <p:nvSpPr>
-          <p:cNvPr id="50" name="PlaceHolder 1"/>
+          <p:cNvPr id="44" name="PlaceHolder 1"/>
           <p:cNvSpPr>
             <a:spLocks noGrp="1"/>
           </p:cNvSpPr>
@@ -1620,8 +1632,8 @@
         </p:nvSpPr>
         <p:spPr>
           <a:xfrm>
-            <a:off x="457200" y="274680"/>
-            <a:ext cx="8229240" cy="5851080"/>
+            <a:off x="457200" y="273600"/>
+            <a:ext cx="8229240" cy="5856840"/>
           </a:xfrm>
           <a:prstGeom prst="rect">
             <a:avLst/>
@@ -1659,7 +1671,7 @@
       </p:grpSpPr>
       <p:sp>
         <p:nvSpPr>
-          <p:cNvPr id="51" name="PlaceHolder 1"/>
+          <p:cNvPr id="45" name="PlaceHolder 1"/>
           <p:cNvSpPr>
             <a:spLocks noGrp="1"/>
           </p:cNvSpPr>
@@ -1669,8 +1681,8 @@
         </p:nvSpPr>
         <p:spPr>
           <a:xfrm>
-            <a:off x="457200" y="274680"/>
-            <a:ext cx="8229240" cy="1143000"/>
+            <a:off x="457200" y="273600"/>
+            <a:ext cx="8229240" cy="1145160"/>
           </a:xfrm>
           <a:prstGeom prst="rect">
             <a:avLst/>
@@ -1679,13 +1691,14 @@
         <p:txBody>
           <a:bodyPr anchor="ctr" bIns="0" lIns="0" rIns="0" tIns="0" wrap="none"/>
           <a:p>
-            <a:endParaRPr/>
-          </a:p>
-        </p:txBody>
-      </p:sp>
-      <p:sp>
-        <p:nvSpPr>
-          <p:cNvPr id="52" name="PlaceHolder 2"/>
+            <a:pPr algn="ctr"/>
+            <a:endParaRPr/>
+          </a:p>
+        </p:txBody>
+      </p:sp>
+      <p:sp>
+        <p:nvSpPr>
+          <p:cNvPr id="46" name="PlaceHolder 2"/>
           <p:cNvSpPr>
             <a:spLocks noGrp="1"/>
           </p:cNvSpPr>
@@ -1695,8 +1708,8 @@
         </p:nvSpPr>
         <p:spPr>
           <a:xfrm>
-            <a:off x="457200" y="1600200"/>
-            <a:ext cx="4015440" cy="2158200"/>
+            <a:off x="457200" y="1604520"/>
+            <a:ext cx="4015440" cy="2158560"/>
           </a:xfrm>
           <a:prstGeom prst="rect">
             <a:avLst/>
@@ -1711,7 +1724,7 @@
       </p:sp>
       <p:sp>
         <p:nvSpPr>
-          <p:cNvPr id="53" name="PlaceHolder 3"/>
+          <p:cNvPr id="47" name="PlaceHolder 3"/>
           <p:cNvSpPr>
             <a:spLocks noGrp="1"/>
           </p:cNvSpPr>
@@ -1721,8 +1734,8 @@
         </p:nvSpPr>
         <p:spPr>
           <a:xfrm>
-            <a:off x="457200" y="3963600"/>
-            <a:ext cx="4015440" cy="2158200"/>
+            <a:off x="457200" y="3968280"/>
+            <a:ext cx="4015440" cy="2158560"/>
           </a:xfrm>
           <a:prstGeom prst="rect">
             <a:avLst/>
@@ -1737,7 +1750,7 @@
       </p:sp>
       <p:sp>
         <p:nvSpPr>
-          <p:cNvPr id="54" name="PlaceHolder 4"/>
+          <p:cNvPr id="48" name="PlaceHolder 4"/>
           <p:cNvSpPr>
             <a:spLocks noGrp="1"/>
           </p:cNvSpPr>
@@ -1747,8 +1760,8 @@
         </p:nvSpPr>
         <p:spPr>
           <a:xfrm>
-            <a:off x="4673520" y="1600200"/>
-            <a:ext cx="4015440" cy="4525560"/>
+            <a:off x="4673520" y="1604520"/>
+            <a:ext cx="4015440" cy="4525920"/>
           </a:xfrm>
           <a:prstGeom prst="rect">
             <a:avLst/>
@@ -1785,7 +1798,7 @@
       </p:grpSpPr>
       <p:sp>
         <p:nvSpPr>
-          <p:cNvPr id="5" name="PlaceHolder 1"/>
+          <p:cNvPr id="2" name="PlaceHolder 1"/>
           <p:cNvSpPr>
             <a:spLocks noGrp="1"/>
           </p:cNvSpPr>
@@ -1795,8 +1808,8 @@
         </p:nvSpPr>
         <p:spPr>
           <a:xfrm>
-            <a:off x="457200" y="274680"/>
-            <a:ext cx="8229240" cy="1143000"/>
+            <a:off x="457200" y="273600"/>
+            <a:ext cx="8229240" cy="1145160"/>
           </a:xfrm>
           <a:prstGeom prst="rect">
             <a:avLst/>
@@ -1805,13 +1818,14 @@
         <p:txBody>
           <a:bodyPr anchor="ctr" bIns="0" lIns="0" rIns="0" tIns="0" wrap="none"/>
           <a:p>
-            <a:endParaRPr/>
-          </a:p>
-        </p:txBody>
-      </p:sp>
-      <p:sp>
-        <p:nvSpPr>
-          <p:cNvPr id="6" name="PlaceHolder 2"/>
+            <a:pPr algn="ctr"/>
+            <a:endParaRPr/>
+          </a:p>
+        </p:txBody>
+      </p:sp>
+      <p:sp>
+        <p:nvSpPr>
+          <p:cNvPr id="3" name="PlaceHolder 2"/>
           <p:cNvSpPr>
             <a:spLocks noGrp="1"/>
           </p:cNvSpPr>
@@ -1821,8 +1835,8 @@
         </p:nvSpPr>
         <p:spPr>
           <a:xfrm>
-            <a:off x="457200" y="1600200"/>
-            <a:ext cx="8229240" cy="4525920"/>
+            <a:off x="457200" y="1604520"/>
+            <a:ext cx="8229240" cy="4526280"/>
           </a:xfrm>
           <a:prstGeom prst="rect">
             <a:avLst/>
@@ -1860,7 +1874,7 @@
       </p:grpSpPr>
       <p:sp>
         <p:nvSpPr>
-          <p:cNvPr id="55" name="PlaceHolder 1"/>
+          <p:cNvPr id="49" name="PlaceHolder 1"/>
           <p:cNvSpPr>
             <a:spLocks noGrp="1"/>
           </p:cNvSpPr>
@@ -1870,8 +1884,8 @@
         </p:nvSpPr>
         <p:spPr>
           <a:xfrm>
-            <a:off x="457200" y="274680"/>
-            <a:ext cx="8229240" cy="1143000"/>
+            <a:off x="457200" y="273600"/>
+            <a:ext cx="8229240" cy="1145160"/>
           </a:xfrm>
           <a:prstGeom prst="rect">
             <a:avLst/>
@@ -1880,13 +1894,14 @@
         <p:txBody>
           <a:bodyPr anchor="ctr" bIns="0" lIns="0" rIns="0" tIns="0" wrap="none"/>
           <a:p>
-            <a:endParaRPr/>
-          </a:p>
-        </p:txBody>
-      </p:sp>
-      <p:sp>
-        <p:nvSpPr>
-          <p:cNvPr id="56" name="PlaceHolder 2"/>
+            <a:pPr algn="ctr"/>
+            <a:endParaRPr/>
+          </a:p>
+        </p:txBody>
+      </p:sp>
+      <p:sp>
+        <p:nvSpPr>
+          <p:cNvPr id="50" name="PlaceHolder 2"/>
           <p:cNvSpPr>
             <a:spLocks noGrp="1"/>
           </p:cNvSpPr>
@@ -1896,8 +1911,8 @@
         </p:nvSpPr>
         <p:spPr>
           <a:xfrm>
-            <a:off x="457200" y="1600200"/>
-            <a:ext cx="4015440" cy="4525560"/>
+            <a:off x="457200" y="1604520"/>
+            <a:ext cx="4015440" cy="4525920"/>
           </a:xfrm>
           <a:prstGeom prst="rect">
             <a:avLst/>
@@ -1912,7 +1927,7 @@
       </p:sp>
       <p:sp>
         <p:nvSpPr>
-          <p:cNvPr id="57" name="PlaceHolder 3"/>
+          <p:cNvPr id="51" name="PlaceHolder 3"/>
           <p:cNvSpPr>
             <a:spLocks noGrp="1"/>
           </p:cNvSpPr>
@@ -1922,8 +1937,8 @@
         </p:nvSpPr>
         <p:spPr>
           <a:xfrm>
-            <a:off x="4673520" y="1600200"/>
-            <a:ext cx="4015440" cy="2158200"/>
+            <a:off x="4673520" y="1604520"/>
+            <a:ext cx="4015440" cy="2158560"/>
           </a:xfrm>
           <a:prstGeom prst="rect">
             <a:avLst/>
@@ -1938,7 +1953,7 @@
       </p:sp>
       <p:sp>
         <p:nvSpPr>
-          <p:cNvPr id="58" name="PlaceHolder 4"/>
+          <p:cNvPr id="52" name="PlaceHolder 4"/>
           <p:cNvSpPr>
             <a:spLocks noGrp="1"/>
           </p:cNvSpPr>
@@ -1948,8 +1963,8 @@
         </p:nvSpPr>
         <p:spPr>
           <a:xfrm>
-            <a:off x="4673520" y="3963600"/>
-            <a:ext cx="4015440" cy="2158200"/>
+            <a:off x="4673520" y="3968280"/>
+            <a:ext cx="4015440" cy="2158560"/>
           </a:xfrm>
           <a:prstGeom prst="rect">
             <a:avLst/>
@@ -1986,7 +2001,7 @@
       </p:grpSpPr>
       <p:sp>
         <p:nvSpPr>
-          <p:cNvPr id="59" name="PlaceHolder 1"/>
+          <p:cNvPr id="53" name="PlaceHolder 1"/>
           <p:cNvSpPr>
             <a:spLocks noGrp="1"/>
           </p:cNvSpPr>
@@ -1996,8 +2011,8 @@
         </p:nvSpPr>
         <p:spPr>
           <a:xfrm>
-            <a:off x="457200" y="274680"/>
-            <a:ext cx="8229240" cy="1143000"/>
+            <a:off x="457200" y="273600"/>
+            <a:ext cx="8229240" cy="1145160"/>
           </a:xfrm>
           <a:prstGeom prst="rect">
             <a:avLst/>
@@ -2006,13 +2021,14 @@
         <p:txBody>
           <a:bodyPr anchor="ctr" bIns="0" lIns="0" rIns="0" tIns="0" wrap="none"/>
           <a:p>
-            <a:endParaRPr/>
-          </a:p>
-        </p:txBody>
-      </p:sp>
-      <p:sp>
-        <p:nvSpPr>
-          <p:cNvPr id="60" name="PlaceHolder 2"/>
+            <a:pPr algn="ctr"/>
+            <a:endParaRPr/>
+          </a:p>
+        </p:txBody>
+      </p:sp>
+      <p:sp>
+        <p:nvSpPr>
+          <p:cNvPr id="54" name="PlaceHolder 2"/>
           <p:cNvSpPr>
             <a:spLocks noGrp="1"/>
           </p:cNvSpPr>
@@ -2022,8 +2038,8 @@
         </p:nvSpPr>
         <p:spPr>
           <a:xfrm>
-            <a:off x="457200" y="1600200"/>
-            <a:ext cx="4015440" cy="2158200"/>
+            <a:off x="457200" y="1604520"/>
+            <a:ext cx="4015440" cy="2158560"/>
           </a:xfrm>
           <a:prstGeom prst="rect">
             <a:avLst/>
@@ -2038,7 +2054,7 @@
       </p:sp>
       <p:sp>
         <p:nvSpPr>
-          <p:cNvPr id="61" name="PlaceHolder 3"/>
+          <p:cNvPr id="55" name="PlaceHolder 3"/>
           <p:cNvSpPr>
             <a:spLocks noGrp="1"/>
           </p:cNvSpPr>
@@ -2048,8 +2064,8 @@
         </p:nvSpPr>
         <p:spPr>
           <a:xfrm>
-            <a:off x="4673520" y="1600200"/>
-            <a:ext cx="4015440" cy="2158200"/>
+            <a:off x="4673520" y="1604520"/>
+            <a:ext cx="4015440" cy="2158560"/>
           </a:xfrm>
           <a:prstGeom prst="rect">
             <a:avLst/>
@@ -2064,7 +2080,7 @@
       </p:sp>
       <p:sp>
         <p:nvSpPr>
-          <p:cNvPr id="62" name="PlaceHolder 4"/>
+          <p:cNvPr id="56" name="PlaceHolder 4"/>
           <p:cNvSpPr>
             <a:spLocks noGrp="1"/>
           </p:cNvSpPr>
@@ -2074,8 +2090,8 @@
         </p:nvSpPr>
         <p:spPr>
           <a:xfrm>
-            <a:off x="457200" y="3963600"/>
-            <a:ext cx="8228520" cy="2158200"/>
+            <a:off x="457200" y="3968280"/>
+            <a:ext cx="8228520" cy="2158560"/>
           </a:xfrm>
           <a:prstGeom prst="rect">
             <a:avLst/>
@@ -2112,7 +2128,7 @@
       </p:grpSpPr>
       <p:sp>
         <p:nvSpPr>
-          <p:cNvPr id="63" name="PlaceHolder 1"/>
+          <p:cNvPr id="57" name="PlaceHolder 1"/>
           <p:cNvSpPr>
             <a:spLocks noGrp="1"/>
           </p:cNvSpPr>
@@ -2122,8 +2138,8 @@
         </p:nvSpPr>
         <p:spPr>
           <a:xfrm>
-            <a:off x="457200" y="274680"/>
-            <a:ext cx="8229240" cy="1143000"/>
+            <a:off x="457200" y="273600"/>
+            <a:ext cx="8229240" cy="1145160"/>
           </a:xfrm>
           <a:prstGeom prst="rect">
             <a:avLst/>
@@ -2132,13 +2148,14 @@
         <p:txBody>
           <a:bodyPr anchor="ctr" bIns="0" lIns="0" rIns="0" tIns="0" wrap="none"/>
           <a:p>
-            <a:endParaRPr/>
-          </a:p>
-        </p:txBody>
-      </p:sp>
-      <p:sp>
-        <p:nvSpPr>
-          <p:cNvPr id="64" name="PlaceHolder 2"/>
+            <a:pPr algn="ctr"/>
+            <a:endParaRPr/>
+          </a:p>
+        </p:txBody>
+      </p:sp>
+      <p:sp>
+        <p:nvSpPr>
+          <p:cNvPr id="58" name="PlaceHolder 2"/>
           <p:cNvSpPr>
             <a:spLocks noGrp="1"/>
           </p:cNvSpPr>
@@ -2148,8 +2165,8 @@
         </p:nvSpPr>
         <p:spPr>
           <a:xfrm>
-            <a:off x="457200" y="1600200"/>
-            <a:ext cx="8229240" cy="2158200"/>
+            <a:off x="457200" y="1604520"/>
+            <a:ext cx="8229240" cy="2158560"/>
           </a:xfrm>
           <a:prstGeom prst="rect">
             <a:avLst/>
@@ -2164,7 +2181,7 @@
       </p:sp>
       <p:sp>
         <p:nvSpPr>
-          <p:cNvPr id="65" name="PlaceHolder 3"/>
+          <p:cNvPr id="59" name="PlaceHolder 3"/>
           <p:cNvSpPr>
             <a:spLocks noGrp="1"/>
           </p:cNvSpPr>
@@ -2174,8 +2191,8 @@
         </p:nvSpPr>
         <p:spPr>
           <a:xfrm>
-            <a:off x="457200" y="3963600"/>
-            <a:ext cx="8229240" cy="2158200"/>
+            <a:off x="457200" y="3968280"/>
+            <a:ext cx="8229240" cy="2158560"/>
           </a:xfrm>
           <a:prstGeom prst="rect">
             <a:avLst/>
@@ -2212,7 +2229,7 @@
       </p:grpSpPr>
       <p:sp>
         <p:nvSpPr>
-          <p:cNvPr id="66" name="PlaceHolder 1"/>
+          <p:cNvPr id="60" name="PlaceHolder 1"/>
           <p:cNvSpPr>
             <a:spLocks noGrp="1"/>
           </p:cNvSpPr>
@@ -2222,8 +2239,8 @@
         </p:nvSpPr>
         <p:spPr>
           <a:xfrm>
-            <a:off x="457200" y="274680"/>
-            <a:ext cx="8229240" cy="1143000"/>
+            <a:off x="457200" y="273600"/>
+            <a:ext cx="8229240" cy="1145160"/>
           </a:xfrm>
           <a:prstGeom prst="rect">
             <a:avLst/>
@@ -2232,13 +2249,14 @@
         <p:txBody>
           <a:bodyPr anchor="ctr" bIns="0" lIns="0" rIns="0" tIns="0" wrap="none"/>
           <a:p>
-            <a:endParaRPr/>
-          </a:p>
-        </p:txBody>
-      </p:sp>
-      <p:sp>
-        <p:nvSpPr>
-          <p:cNvPr id="67" name="PlaceHolder 2"/>
+            <a:pPr algn="ctr"/>
+            <a:endParaRPr/>
+          </a:p>
+        </p:txBody>
+      </p:sp>
+      <p:sp>
+        <p:nvSpPr>
+          <p:cNvPr id="61" name="PlaceHolder 2"/>
           <p:cNvSpPr>
             <a:spLocks noGrp="1"/>
           </p:cNvSpPr>
@@ -2248,8 +2266,8 @@
         </p:nvSpPr>
         <p:spPr>
           <a:xfrm>
-            <a:off x="457200" y="1600200"/>
-            <a:ext cx="4015440" cy="2158200"/>
+            <a:off x="457200" y="1604520"/>
+            <a:ext cx="4015440" cy="2158560"/>
           </a:xfrm>
           <a:prstGeom prst="rect">
             <a:avLst/>
@@ -2264,7 +2282,7 @@
       </p:sp>
       <p:sp>
         <p:nvSpPr>
-          <p:cNvPr id="68" name="PlaceHolder 3"/>
+          <p:cNvPr id="62" name="PlaceHolder 3"/>
           <p:cNvSpPr>
             <a:spLocks noGrp="1"/>
           </p:cNvSpPr>
@@ -2274,8 +2292,8 @@
         </p:nvSpPr>
         <p:spPr>
           <a:xfrm>
-            <a:off x="4673520" y="1600200"/>
-            <a:ext cx="4015440" cy="2158200"/>
+            <a:off x="4673520" y="1604520"/>
+            <a:ext cx="4015440" cy="2158560"/>
           </a:xfrm>
           <a:prstGeom prst="rect">
             <a:avLst/>
@@ -2290,7 +2308,7 @@
       </p:sp>
       <p:sp>
         <p:nvSpPr>
-          <p:cNvPr id="69" name="PlaceHolder 4"/>
+          <p:cNvPr id="63" name="PlaceHolder 4"/>
           <p:cNvSpPr>
             <a:spLocks noGrp="1"/>
           </p:cNvSpPr>
@@ -2300,8 +2318,8 @@
         </p:nvSpPr>
         <p:spPr>
           <a:xfrm>
-            <a:off x="4673520" y="3963600"/>
-            <a:ext cx="4015440" cy="2158200"/>
+            <a:off x="4673520" y="3968280"/>
+            <a:ext cx="4015440" cy="2158560"/>
           </a:xfrm>
           <a:prstGeom prst="rect">
             <a:avLst/>
@@ -2316,7 +2334,7 @@
       </p:sp>
       <p:sp>
         <p:nvSpPr>
-          <p:cNvPr id="70" name="PlaceHolder 5"/>
+          <p:cNvPr id="64" name="PlaceHolder 5"/>
           <p:cNvSpPr>
             <a:spLocks noGrp="1"/>
           </p:cNvSpPr>
@@ -2326,8 +2344,8 @@
         </p:nvSpPr>
         <p:spPr>
           <a:xfrm>
-            <a:off x="457200" y="3963600"/>
-            <a:ext cx="4015440" cy="2158200"/>
+            <a:off x="457200" y="3968280"/>
+            <a:ext cx="4015440" cy="2158560"/>
           </a:xfrm>
           <a:prstGeom prst="rect">
             <a:avLst/>
@@ -2364,7 +2382,7 @@
       </p:grpSpPr>
       <p:sp>
         <p:nvSpPr>
-          <p:cNvPr id="71" name="PlaceHolder 1"/>
+          <p:cNvPr id="65" name="PlaceHolder 1"/>
           <p:cNvSpPr>
             <a:spLocks noGrp="1"/>
           </p:cNvSpPr>
@@ -2374,8 +2392,8 @@
         </p:nvSpPr>
         <p:spPr>
           <a:xfrm>
-            <a:off x="457200" y="274680"/>
-            <a:ext cx="8229240" cy="1143000"/>
+            <a:off x="457200" y="273600"/>
+            <a:ext cx="8229240" cy="1145160"/>
           </a:xfrm>
           <a:prstGeom prst="rect">
             <a:avLst/>
@@ -2384,13 +2402,14 @@
         <p:txBody>
           <a:bodyPr anchor="ctr" bIns="0" lIns="0" rIns="0" tIns="0" wrap="none"/>
           <a:p>
-            <a:endParaRPr/>
-          </a:p>
-        </p:txBody>
-      </p:sp>
-      <p:sp>
-        <p:nvSpPr>
-          <p:cNvPr id="72" name="PlaceHolder 2"/>
+            <a:pPr algn="ctr"/>
+            <a:endParaRPr/>
+          </a:p>
+        </p:txBody>
+      </p:sp>
+      <p:sp>
+        <p:nvSpPr>
+          <p:cNvPr id="66" name="PlaceHolder 2"/>
           <p:cNvSpPr>
             <a:spLocks noGrp="1"/>
           </p:cNvSpPr>
@@ -2400,8 +2419,8 @@
         </p:nvSpPr>
         <p:spPr>
           <a:xfrm>
-            <a:off x="457200" y="1600200"/>
-            <a:ext cx="4015440" cy="2158200"/>
+            <a:off x="457200" y="1604520"/>
+            <a:ext cx="4015440" cy="2158560"/>
           </a:xfrm>
           <a:prstGeom prst="rect">
             <a:avLst/>
@@ -2416,7 +2435,7 @@
       </p:sp>
       <p:sp>
         <p:nvSpPr>
-          <p:cNvPr id="73" name="PlaceHolder 3"/>
+          <p:cNvPr id="67" name="PlaceHolder 3"/>
           <p:cNvSpPr>
             <a:spLocks noGrp="1"/>
           </p:cNvSpPr>
@@ -2426,8 +2445,8 @@
         </p:nvSpPr>
         <p:spPr>
           <a:xfrm>
-            <a:off x="4673520" y="1600200"/>
-            <a:ext cx="4015440" cy="2158200"/>
+            <a:off x="4673520" y="1604520"/>
+            <a:ext cx="4015440" cy="2158560"/>
           </a:xfrm>
           <a:prstGeom prst="rect">
             <a:avLst/>
@@ -2464,7 +2483,7 @@
       </p:grpSpPr>
       <p:sp>
         <p:nvSpPr>
-          <p:cNvPr id="7" name="PlaceHolder 1"/>
+          <p:cNvPr id="4" name="PlaceHolder 1"/>
           <p:cNvSpPr>
             <a:spLocks noGrp="1"/>
           </p:cNvSpPr>
@@ -2474,8 +2493,8 @@
         </p:nvSpPr>
         <p:spPr>
           <a:xfrm>
-            <a:off x="457200" y="274680"/>
-            <a:ext cx="8229240" cy="1143000"/>
+            <a:off x="457200" y="273600"/>
+            <a:ext cx="8229240" cy="1145160"/>
           </a:xfrm>
           <a:prstGeom prst="rect">
             <a:avLst/>
@@ -2484,13 +2503,14 @@
         <p:txBody>
           <a:bodyPr anchor="ctr" bIns="0" lIns="0" rIns="0" tIns="0" wrap="none"/>
           <a:p>
-            <a:endParaRPr/>
-          </a:p>
-        </p:txBody>
-      </p:sp>
-      <p:sp>
-        <p:nvSpPr>
-          <p:cNvPr id="8" name="PlaceHolder 2"/>
+            <a:pPr algn="ctr"/>
+            <a:endParaRPr/>
+          </a:p>
+        </p:txBody>
+      </p:sp>
+      <p:sp>
+        <p:nvSpPr>
+          <p:cNvPr id="5" name="PlaceHolder 2"/>
           <p:cNvSpPr>
             <a:spLocks noGrp="1"/>
           </p:cNvSpPr>
@@ -2500,8 +2520,8 @@
         </p:nvSpPr>
         <p:spPr>
           <a:xfrm>
-            <a:off x="457200" y="1600200"/>
-            <a:ext cx="8229240" cy="4525560"/>
+            <a:off x="457200" y="1604520"/>
+            <a:ext cx="8229240" cy="4525920"/>
           </a:xfrm>
           <a:prstGeom prst="rect">
             <a:avLst/>
@@ -2538,7 +2558,7 @@
       </p:grpSpPr>
       <p:sp>
         <p:nvSpPr>
-          <p:cNvPr id="9" name="PlaceHolder 1"/>
+          <p:cNvPr id="6" name="PlaceHolder 1"/>
           <p:cNvSpPr>
             <a:spLocks noGrp="1"/>
           </p:cNvSpPr>
@@ -2548,8 +2568,8 @@
         </p:nvSpPr>
         <p:spPr>
           <a:xfrm>
-            <a:off x="457200" y="274680"/>
-            <a:ext cx="8229240" cy="1143000"/>
+            <a:off x="457200" y="273600"/>
+            <a:ext cx="8229240" cy="1145160"/>
           </a:xfrm>
           <a:prstGeom prst="rect">
             <a:avLst/>
@@ -2558,13 +2578,14 @@
         <p:txBody>
           <a:bodyPr anchor="ctr" bIns="0" lIns="0" rIns="0" tIns="0" wrap="none"/>
           <a:p>
-            <a:endParaRPr/>
-          </a:p>
-        </p:txBody>
-      </p:sp>
-      <p:sp>
-        <p:nvSpPr>
-          <p:cNvPr id="10" name="PlaceHolder 2"/>
+            <a:pPr algn="ctr"/>
+            <a:endParaRPr/>
+          </a:p>
+        </p:txBody>
+      </p:sp>
+      <p:sp>
+        <p:nvSpPr>
+          <p:cNvPr id="7" name="PlaceHolder 2"/>
           <p:cNvSpPr>
             <a:spLocks noGrp="1"/>
           </p:cNvSpPr>
@@ -2574,8 +2595,8 @@
         </p:nvSpPr>
         <p:spPr>
           <a:xfrm>
-            <a:off x="457200" y="1600200"/>
-            <a:ext cx="4015440" cy="4525560"/>
+            <a:off x="457200" y="1604520"/>
+            <a:ext cx="4015440" cy="4525920"/>
           </a:xfrm>
           <a:prstGeom prst="rect">
             <a:avLst/>
@@ -2590,7 +2611,7 @@
       </p:sp>
       <p:sp>
         <p:nvSpPr>
-          <p:cNvPr id="11" name="PlaceHolder 3"/>
+          <p:cNvPr id="8" name="PlaceHolder 3"/>
           <p:cNvSpPr>
             <a:spLocks noGrp="1"/>
           </p:cNvSpPr>
@@ -2600,8 +2621,8 @@
         </p:nvSpPr>
         <p:spPr>
           <a:xfrm>
-            <a:off x="4673520" y="1600200"/>
-            <a:ext cx="4015440" cy="4525560"/>
+            <a:off x="4673520" y="1604520"/>
+            <a:ext cx="4015440" cy="4525920"/>
           </a:xfrm>
           <a:prstGeom prst="rect">
             <a:avLst/>
@@ -2638,7 +2659,7 @@
       </p:grpSpPr>
       <p:sp>
         <p:nvSpPr>
-          <p:cNvPr id="12" name="PlaceHolder 1"/>
+          <p:cNvPr id="9" name="PlaceHolder 1"/>
           <p:cNvSpPr>
             <a:spLocks noGrp="1"/>
           </p:cNvSpPr>
@@ -2648,8 +2669,8 @@
         </p:nvSpPr>
         <p:spPr>
           <a:xfrm>
-            <a:off x="457200" y="274680"/>
-            <a:ext cx="8229240" cy="1143000"/>
+            <a:off x="457200" y="273600"/>
+            <a:ext cx="8229240" cy="1145160"/>
           </a:xfrm>
           <a:prstGeom prst="rect">
             <a:avLst/>
@@ -2658,6 +2679,7 @@
         <p:txBody>
           <a:bodyPr anchor="ctr" bIns="0" lIns="0" rIns="0" tIns="0" wrap="none"/>
           <a:p>
+            <a:pPr algn="ctr"/>
             <a:endParaRPr/>
           </a:p>
         </p:txBody>
@@ -2686,7 +2708,7 @@
       </p:grpSpPr>
       <p:sp>
         <p:nvSpPr>
-          <p:cNvPr id="13" name="PlaceHolder 1"/>
+          <p:cNvPr id="10" name="PlaceHolder 1"/>
           <p:cNvSpPr>
             <a:spLocks noGrp="1"/>
           </p:cNvSpPr>
@@ -2696,8 +2718,8 @@
         </p:nvSpPr>
         <p:spPr>
           <a:xfrm>
-            <a:off x="457200" y="274680"/>
-            <a:ext cx="8229240" cy="5851080"/>
+            <a:off x="457200" y="273600"/>
+            <a:ext cx="8229240" cy="5856840"/>
           </a:xfrm>
           <a:prstGeom prst="rect">
             <a:avLst/>
@@ -2735,7 +2757,7 @@
       </p:grpSpPr>
       <p:sp>
         <p:nvSpPr>
-          <p:cNvPr id="14" name="PlaceHolder 1"/>
+          <p:cNvPr id="11" name="PlaceHolder 1"/>
           <p:cNvSpPr>
             <a:spLocks noGrp="1"/>
           </p:cNvSpPr>
@@ -2745,8 +2767,8 @@
         </p:nvSpPr>
         <p:spPr>
           <a:xfrm>
-            <a:off x="457200" y="274680"/>
-            <a:ext cx="8229240" cy="1143000"/>
+            <a:off x="457200" y="273600"/>
+            <a:ext cx="8229240" cy="1145160"/>
           </a:xfrm>
           <a:prstGeom prst="rect">
             <a:avLst/>
@@ -2755,13 +2777,14 @@
         <p:txBody>
           <a:bodyPr anchor="ctr" bIns="0" lIns="0" rIns="0" tIns="0" wrap="none"/>
           <a:p>
-            <a:endParaRPr/>
-          </a:p>
-        </p:txBody>
-      </p:sp>
-      <p:sp>
-        <p:nvSpPr>
-          <p:cNvPr id="15" name="PlaceHolder 2"/>
+            <a:pPr algn="ctr"/>
+            <a:endParaRPr/>
+          </a:p>
+        </p:txBody>
+      </p:sp>
+      <p:sp>
+        <p:nvSpPr>
+          <p:cNvPr id="12" name="PlaceHolder 2"/>
           <p:cNvSpPr>
             <a:spLocks noGrp="1"/>
           </p:cNvSpPr>
@@ -2771,8 +2794,8 @@
         </p:nvSpPr>
         <p:spPr>
           <a:xfrm>
-            <a:off x="457200" y="1600200"/>
-            <a:ext cx="4015440" cy="2158200"/>
+            <a:off x="457200" y="1604520"/>
+            <a:ext cx="4015440" cy="2158560"/>
           </a:xfrm>
           <a:prstGeom prst="rect">
             <a:avLst/>
@@ -2787,7 +2810,7 @@
       </p:sp>
       <p:sp>
         <p:nvSpPr>
-          <p:cNvPr id="16" name="PlaceHolder 3"/>
+          <p:cNvPr id="13" name="PlaceHolder 3"/>
           <p:cNvSpPr>
             <a:spLocks noGrp="1"/>
           </p:cNvSpPr>
@@ -2797,8 +2820,8 @@
         </p:nvSpPr>
         <p:spPr>
           <a:xfrm>
-            <a:off x="457200" y="3963600"/>
-            <a:ext cx="4015440" cy="2158200"/>
+            <a:off x="457200" y="3968280"/>
+            <a:ext cx="4015440" cy="2158560"/>
           </a:xfrm>
           <a:prstGeom prst="rect">
             <a:avLst/>
@@ -2813,7 +2836,7 @@
       </p:sp>
       <p:sp>
         <p:nvSpPr>
-          <p:cNvPr id="17" name="PlaceHolder 4"/>
+          <p:cNvPr id="14" name="PlaceHolder 4"/>
           <p:cNvSpPr>
             <a:spLocks noGrp="1"/>
           </p:cNvSpPr>
@@ -2823,8 +2846,8 @@
         </p:nvSpPr>
         <p:spPr>
           <a:xfrm>
-            <a:off x="4673520" y="1600200"/>
-            <a:ext cx="4015440" cy="4525560"/>
+            <a:off x="4673520" y="1604520"/>
+            <a:ext cx="4015440" cy="4525920"/>
           </a:xfrm>
           <a:prstGeom prst="rect">
             <a:avLst/>
@@ -2861,7 +2884,7 @@
       </p:grpSpPr>
       <p:sp>
         <p:nvSpPr>
-          <p:cNvPr id="18" name="PlaceHolder 1"/>
+          <p:cNvPr id="15" name="PlaceHolder 1"/>
           <p:cNvSpPr>
             <a:spLocks noGrp="1"/>
           </p:cNvSpPr>
@@ -2871,8 +2894,8 @@
         </p:nvSpPr>
         <p:spPr>
           <a:xfrm>
-            <a:off x="457200" y="274680"/>
-            <a:ext cx="8229240" cy="1143000"/>
+            <a:off x="457200" y="273600"/>
+            <a:ext cx="8229240" cy="1145160"/>
           </a:xfrm>
           <a:prstGeom prst="rect">
             <a:avLst/>
@@ -2881,13 +2904,14 @@
         <p:txBody>
           <a:bodyPr anchor="ctr" bIns="0" lIns="0" rIns="0" tIns="0" wrap="none"/>
           <a:p>
-            <a:endParaRPr/>
-          </a:p>
-        </p:txBody>
-      </p:sp>
-      <p:sp>
-        <p:nvSpPr>
-          <p:cNvPr id="19" name="PlaceHolder 2"/>
+            <a:pPr algn="ctr"/>
+            <a:endParaRPr/>
+          </a:p>
+        </p:txBody>
+      </p:sp>
+      <p:sp>
+        <p:nvSpPr>
+          <p:cNvPr id="16" name="PlaceHolder 2"/>
           <p:cNvSpPr>
             <a:spLocks noGrp="1"/>
           </p:cNvSpPr>
@@ -2897,8 +2921,8 @@
         </p:nvSpPr>
         <p:spPr>
           <a:xfrm>
-            <a:off x="457200" y="1600200"/>
-            <a:ext cx="4015440" cy="4525560"/>
+            <a:off x="457200" y="1604520"/>
+            <a:ext cx="4015440" cy="4525920"/>
           </a:xfrm>
           <a:prstGeom prst="rect">
             <a:avLst/>
@@ -2913,7 +2937,7 @@
       </p:sp>
       <p:sp>
         <p:nvSpPr>
-          <p:cNvPr id="20" name="PlaceHolder 3"/>
+          <p:cNvPr id="17" name="PlaceHolder 3"/>
           <p:cNvSpPr>
             <a:spLocks noGrp="1"/>
           </p:cNvSpPr>
@@ -2923,8 +2947,8 @@
         </p:nvSpPr>
         <p:spPr>
           <a:xfrm>
-            <a:off x="4673520" y="1600200"/>
-            <a:ext cx="4015440" cy="2158200"/>
+            <a:off x="4673520" y="1604520"/>
+            <a:ext cx="4015440" cy="2158560"/>
           </a:xfrm>
           <a:prstGeom prst="rect">
             <a:avLst/>
@@ -2939,7 +2963,7 @@
       </p:sp>
       <p:sp>
         <p:nvSpPr>
-          <p:cNvPr id="21" name="PlaceHolder 4"/>
+          <p:cNvPr id="18" name="PlaceHolder 4"/>
           <p:cNvSpPr>
             <a:spLocks noGrp="1"/>
           </p:cNvSpPr>
@@ -2949,8 +2973,8 @@
         </p:nvSpPr>
         <p:spPr>
           <a:xfrm>
-            <a:off x="4673520" y="3963600"/>
-            <a:ext cx="4015440" cy="2158200"/>
+            <a:off x="4673520" y="3968280"/>
+            <a:ext cx="4015440" cy="2158560"/>
           </a:xfrm>
           <a:prstGeom prst="rect">
             <a:avLst/>
@@ -2987,7 +3011,7 @@
       </p:grpSpPr>
       <p:sp>
         <p:nvSpPr>
-          <p:cNvPr id="22" name="PlaceHolder 1"/>
+          <p:cNvPr id="19" name="PlaceHolder 1"/>
           <p:cNvSpPr>
             <a:spLocks noGrp="1"/>
           </p:cNvSpPr>
@@ -2997,8 +3021,8 @@
         </p:nvSpPr>
         <p:spPr>
           <a:xfrm>
-            <a:off x="457200" y="274680"/>
-            <a:ext cx="8229240" cy="1143000"/>
+            <a:off x="457200" y="273600"/>
+            <a:ext cx="8229240" cy="1145160"/>
           </a:xfrm>
           <a:prstGeom prst="rect">
             <a:avLst/>
@@ -3007,13 +3031,14 @@
         <p:txBody>
           <a:bodyPr anchor="ctr" bIns="0" lIns="0" rIns="0" tIns="0" wrap="none"/>
           <a:p>
-            <a:endParaRPr/>
-          </a:p>
-        </p:txBody>
-      </p:sp>
-      <p:sp>
-        <p:nvSpPr>
-          <p:cNvPr id="23" name="PlaceHolder 2"/>
+            <a:pPr algn="ctr"/>
+            <a:endParaRPr/>
+          </a:p>
+        </p:txBody>
+      </p:sp>
+      <p:sp>
+        <p:nvSpPr>
+          <p:cNvPr id="20" name="PlaceHolder 2"/>
           <p:cNvSpPr>
             <a:spLocks noGrp="1"/>
           </p:cNvSpPr>
@@ -3023,8 +3048,8 @@
         </p:nvSpPr>
         <p:spPr>
           <a:xfrm>
-            <a:off x="457200" y="1600200"/>
-            <a:ext cx="4015440" cy="2158200"/>
+            <a:off x="457200" y="1604520"/>
+            <a:ext cx="4015440" cy="2158560"/>
           </a:xfrm>
           <a:prstGeom prst="rect">
             <a:avLst/>
@@ -3039,7 +3064,7 @@
       </p:sp>
       <p:sp>
         <p:nvSpPr>
-          <p:cNvPr id="24" name="PlaceHolder 3"/>
+          <p:cNvPr id="21" name="PlaceHolder 3"/>
           <p:cNvSpPr>
             <a:spLocks noGrp="1"/>
           </p:cNvSpPr>
@@ -3049,8 +3074,8 @@
         </p:nvSpPr>
         <p:spPr>
           <a:xfrm>
-            <a:off x="4673520" y="1600200"/>
-            <a:ext cx="4015440" cy="2158200"/>
+            <a:off x="4673520" y="1604520"/>
+            <a:ext cx="4015440" cy="2158560"/>
           </a:xfrm>
           <a:prstGeom prst="rect">
             <a:avLst/>
@@ -3065,7 +3090,7 @@
       </p:sp>
       <p:sp>
         <p:nvSpPr>
-          <p:cNvPr id="25" name="PlaceHolder 4"/>
+          <p:cNvPr id="22" name="PlaceHolder 4"/>
           <p:cNvSpPr>
             <a:spLocks noGrp="1"/>
           </p:cNvSpPr>
@@ -3075,8 +3100,8 @@
         </p:nvSpPr>
         <p:spPr>
           <a:xfrm>
-            <a:off x="457200" y="3963600"/>
-            <a:ext cx="8228520" cy="2158200"/>
+            <a:off x="457200" y="3968280"/>
+            <a:ext cx="8228520" cy="2158560"/>
           </a:xfrm>
           <a:prstGeom prst="rect">
             <a:avLst/>
@@ -3130,25 +3155,19 @@
         </p:nvSpPr>
         <p:spPr>
           <a:xfrm>
-            <a:off x="685800" y="2130480"/>
-            <a:ext cx="7772040" cy="1469520"/>
-          </a:xfrm>
-          <a:prstGeom prst="rect">
-            <a:avLst/>
-          </a:prstGeom>
-        </p:spPr>
-        <p:txBody>
-          <a:bodyPr anchor="ctr"/>
-          <a:p>
-            <a:pPr algn="ctr"/>
-            <a:r>
-              <a:rPr lang="lv-LV" sz="4400">
-                <a:solidFill>
-                  <a:srgbClr val="000000"/>
-                </a:solidFill>
-                <a:latin typeface="Calibri"/>
-              </a:rPr>
-              <a:t>Click to edit the title text formatClick to edit Master title style</a:t>
+            <a:off x="457200" y="274680"/>
+            <a:ext cx="8228880" cy="1142640"/>
+          </a:xfrm>
+          <a:prstGeom prst="rect">
+            <a:avLst/>
+          </a:prstGeom>
+        </p:spPr>
+        <p:txBody>
+          <a:bodyPr anchor="ctr" bIns="0" lIns="0" rIns="0" tIns="0" wrap="none"/>
+          <a:p>
+            <a:r>
+              <a:rPr lang="en-US"/>
+              <a:t>Click to edit the title text format</a:t>
             </a:r>
             <a:endParaRPr/>
           </a:p>
@@ -3157,102 +3176,6 @@
       <p:sp>
         <p:nvSpPr>
           <p:cNvPr id="1" name="PlaceHolder 2"/>
-          <p:cNvSpPr>
-            <a:spLocks noGrp="1"/>
-          </p:cNvSpPr>
-          <p:nvPr>
-            <p:ph type="dt"/>
-          </p:nvPr>
-        </p:nvSpPr>
-        <p:spPr>
-          <a:xfrm>
-            <a:off x="0" y="0"/>
-            <a:ext cx="360" cy="360"/>
-          </a:xfrm>
-          <a:prstGeom prst="rect">
-            <a:avLst/>
-          </a:prstGeom>
-        </p:spPr>
-        <p:txBody>
-          <a:bodyPr bIns="45000" lIns="90000" rIns="90000" tIns="45000"/>
-          <a:p>
-            <a:r>
-              <a:rPr lang="en-US">
-                <a:solidFill>
-                  <a:srgbClr val="000000"/>
-                </a:solidFill>
-                <a:latin typeface="Calibri"/>
-              </a:rPr>
-              <a:t>1/18/12</a:t>
-            </a:r>
-            <a:endParaRPr/>
-          </a:p>
-        </p:txBody>
-      </p:sp>
-      <p:sp>
-        <p:nvSpPr>
-          <p:cNvPr id="2" name="PlaceHolder 3"/>
-          <p:cNvSpPr>
-            <a:spLocks noGrp="1"/>
-          </p:cNvSpPr>
-          <p:nvPr>
-            <p:ph type="ftr"/>
-          </p:nvPr>
-        </p:nvSpPr>
-        <p:spPr>
-          <a:xfrm>
-            <a:off x="0" y="0"/>
-            <a:ext cx="360" cy="360"/>
-          </a:xfrm>
-          <a:prstGeom prst="rect">
-            <a:avLst/>
-          </a:prstGeom>
-        </p:spPr>
-        <p:txBody>
-          <a:bodyPr bIns="45000" lIns="90000" rIns="90000" tIns="45000"/>
-          <a:p>
-            <a:endParaRPr/>
-          </a:p>
-        </p:txBody>
-      </p:sp>
-      <p:sp>
-        <p:nvSpPr>
-          <p:cNvPr id="3" name="PlaceHolder 4"/>
-          <p:cNvSpPr>
-            <a:spLocks noGrp="1"/>
-          </p:cNvSpPr>
-          <p:nvPr>
-            <p:ph type="sldNum"/>
-          </p:nvPr>
-        </p:nvSpPr>
-        <p:spPr>
-          <a:xfrm>
-            <a:off x="0" y="0"/>
-            <a:ext cx="360" cy="360"/>
-          </a:xfrm>
-          <a:prstGeom prst="rect">
-            <a:avLst/>
-          </a:prstGeom>
-        </p:spPr>
-        <p:txBody>
-          <a:bodyPr bIns="45000" lIns="90000" rIns="90000" tIns="45000"/>
-          <a:p>
-            <a:fld id="{C1A10131-B1C1-4191-81A1-D111A1E12141}" type="slidenum">
-              <a:rPr lang="en-US">
-                <a:solidFill>
-                  <a:srgbClr val="000000"/>
-                </a:solidFill>
-                <a:latin typeface="Calibri"/>
-              </a:rPr>
-              <a:t>&lt;number&gt;</a:t>
-            </a:fld>
-            <a:endParaRPr/>
-          </a:p>
-        </p:txBody>
-      </p:sp>
-      <p:sp>
-        <p:nvSpPr>
-          <p:cNvPr id="4" name="PlaceHolder 5"/>
           <p:cNvSpPr>
             <a:spLocks noGrp="1"/>
           </p:cNvSpPr>
@@ -3278,7 +3201,7 @@
               <a:buChar char=""/>
             </a:pPr>
             <a:r>
-              <a:rPr lang="lv-LV"/>
+              <a:rPr lang="en-US"/>
               <a:t>Click to edit the outline text format</a:t>
             </a:r>
             <a:endParaRPr/>
@@ -3290,7 +3213,7 @@
               <a:buChar char=""/>
             </a:pPr>
             <a:r>
-              <a:rPr lang="lv-LV"/>
+              <a:rPr lang="en-US"/>
               <a:t>Second Outline Level</a:t>
             </a:r>
             <a:endParaRPr/>
@@ -3302,7 +3225,7 @@
               <a:buChar char=""/>
             </a:pPr>
             <a:r>
-              <a:rPr lang="lv-LV"/>
+              <a:rPr lang="en-US"/>
               <a:t>Third Outline Level</a:t>
             </a:r>
             <a:endParaRPr/>
@@ -3314,7 +3237,7 @@
               <a:buChar char=""/>
             </a:pPr>
             <a:r>
-              <a:rPr lang="lv-LV"/>
+              <a:rPr lang="en-US"/>
               <a:t>Fourth Outline Level</a:t>
             </a:r>
             <a:endParaRPr/>
@@ -3326,7 +3249,7 @@
               <a:buChar char=""/>
             </a:pPr>
             <a:r>
-              <a:rPr lang="lv-LV"/>
+              <a:rPr lang="en-US"/>
               <a:t>Fifth Outline Level</a:t>
             </a:r>
             <a:endParaRPr/>
@@ -3338,7 +3261,7 @@
               <a:buChar char=""/>
             </a:pPr>
             <a:r>
-              <a:rPr lang="lv-LV"/>
+              <a:rPr lang="en-US"/>
               <a:t>Sixth Outline Level</a:t>
             </a:r>
             <a:endParaRPr/>
@@ -3350,7 +3273,7 @@
               <a:buChar char=""/>
             </a:pPr>
             <a:r>
-              <a:rPr lang="lv-LV"/>
+              <a:rPr lang="en-US"/>
               <a:t>Seventh Outline Level</a:t>
             </a:r>
             <a:endParaRPr/>
@@ -3362,7 +3285,7 @@
               <a:buChar char=""/>
             </a:pPr>
             <a:r>
-              <a:rPr lang="lv-LV"/>
+              <a:rPr lang="en-US"/>
               <a:t>Eighth Outline Level</a:t>
             </a:r>
             <a:endParaRPr/>
@@ -3374,7 +3297,7 @@
               <a:buChar char=""/>
             </a:pPr>
             <a:r>
-              <a:rPr lang="lv-LV"/>
+              <a:rPr lang="en-US"/>
               <a:t>Ninth Outline Level</a:t>
             </a:r>
             <a:endParaRPr/>
@@ -3427,7 +3350,7 @@
       </p:grpSpPr>
       <p:sp>
         <p:nvSpPr>
-          <p:cNvPr id="37" name="PlaceHolder 1"/>
+          <p:cNvPr id="34" name="PlaceHolder 1"/>
           <p:cNvSpPr>
             <a:spLocks noGrp="1"/>
           </p:cNvSpPr>
@@ -3437,33 +3360,28 @@
         </p:nvSpPr>
         <p:spPr>
           <a:xfrm>
-            <a:off x="457200" y="274680"/>
-            <a:ext cx="8229240" cy="1142640"/>
-          </a:xfrm>
-          <a:prstGeom prst="rect">
-            <a:avLst/>
-          </a:prstGeom>
-        </p:spPr>
-        <p:txBody>
-          <a:bodyPr anchor="ctr"/>
+            <a:off x="457200" y="273600"/>
+            <a:ext cx="8229240" cy="1144800"/>
+          </a:xfrm>
+          <a:prstGeom prst="rect">
+            <a:avLst/>
+          </a:prstGeom>
+        </p:spPr>
+        <p:txBody>
+          <a:bodyPr anchor="ctr" bIns="0" lIns="0" rIns="0" tIns="0" wrap="none"/>
           <a:p>
             <a:pPr algn="ctr"/>
             <a:r>
-              <a:rPr lang="lv-LV" sz="4400">
-                <a:solidFill>
-                  <a:srgbClr val="000000"/>
-                </a:solidFill>
-                <a:latin typeface="Calibri"/>
-              </a:rPr>
-              <a:t>Click to edit the title text formatClick to edit Master title style</a:t>
-            </a:r>
-            <a:endParaRPr/>
-          </a:p>
-        </p:txBody>
-      </p:sp>
-      <p:sp>
-        <p:nvSpPr>
-          <p:cNvPr id="38" name="PlaceHolder 2"/>
+              <a:rPr lang="en-US"/>
+              <a:t>Click to edit the title text format</a:t>
+            </a:r>
+            <a:endParaRPr/>
+          </a:p>
+        </p:txBody>
+      </p:sp>
+      <p:sp>
+        <p:nvSpPr>
+          <p:cNvPr id="35" name="PlaceHolder 2"/>
           <p:cNvSpPr>
             <a:spLocks noGrp="1"/>
           </p:cNvSpPr>
@@ -3473,15 +3391,15 @@
         </p:nvSpPr>
         <p:spPr>
           <a:xfrm>
-            <a:off x="457200" y="1600200"/>
-            <a:ext cx="8229240" cy="4525560"/>
-          </a:xfrm>
-          <a:prstGeom prst="rect">
-            <a:avLst/>
-          </a:prstGeom>
-        </p:spPr>
-        <p:txBody>
-          <a:bodyPr/>
+            <a:off x="457200" y="1604520"/>
+            <a:ext cx="8229240" cy="4525920"/>
+          </a:xfrm>
+          <a:prstGeom prst="rect">
+            <a:avLst/>
+          </a:prstGeom>
+        </p:spPr>
+        <p:txBody>
+          <a:bodyPr bIns="0" lIns="0" rIns="0" tIns="0" wrap="none"/>
           <a:p>
             <a:pPr>
               <a:buSzPct val="45000"/>
@@ -3489,12 +3407,7 @@
               <a:buChar char=""/>
             </a:pPr>
             <a:r>
-              <a:rPr lang="lv-LV">
-                <a:solidFill>
-                  <a:srgbClr val="000000"/>
-                </a:solidFill>
-                <a:latin typeface="Calibri"/>
-              </a:rPr>
+              <a:rPr lang="en-US"/>
               <a:t>Click to edit the outline text format</a:t>
             </a:r>
             <a:endParaRPr/>
@@ -3506,12 +3419,7 @@
               <a:buChar char=""/>
             </a:pPr>
             <a:r>
-              <a:rPr lang="lv-LV">
-                <a:solidFill>
-                  <a:srgbClr val="000000"/>
-                </a:solidFill>
-                <a:latin typeface="Calibri"/>
-              </a:rPr>
+              <a:rPr lang="en-US"/>
               <a:t>Second Outline Level</a:t>
             </a:r>
             <a:endParaRPr/>
@@ -3523,12 +3431,7 @@
               <a:buChar char=""/>
             </a:pPr>
             <a:r>
-              <a:rPr lang="lv-LV">
-                <a:solidFill>
-                  <a:srgbClr val="000000"/>
-                </a:solidFill>
-                <a:latin typeface="Calibri"/>
-              </a:rPr>
+              <a:rPr lang="en-US"/>
               <a:t>Third Outline Level</a:t>
             </a:r>
             <a:endParaRPr/>
@@ -3540,12 +3443,7 @@
               <a:buChar char=""/>
             </a:pPr>
             <a:r>
-              <a:rPr lang="lv-LV">
-                <a:solidFill>
-                  <a:srgbClr val="000000"/>
-                </a:solidFill>
-                <a:latin typeface="Calibri"/>
-              </a:rPr>
+              <a:rPr lang="en-US"/>
               <a:t>Fourth Outline Level</a:t>
             </a:r>
             <a:endParaRPr/>
@@ -3557,12 +3455,7 @@
               <a:buChar char=""/>
             </a:pPr>
             <a:r>
-              <a:rPr lang="lv-LV">
-                <a:solidFill>
-                  <a:srgbClr val="000000"/>
-                </a:solidFill>
-                <a:latin typeface="Calibri"/>
-              </a:rPr>
+              <a:rPr lang="en-US"/>
               <a:t>Fifth Outline Level</a:t>
             </a:r>
             <a:endParaRPr/>
@@ -3574,12 +3467,7 @@
               <a:buChar char=""/>
             </a:pPr>
             <a:r>
-              <a:rPr lang="lv-LV">
-                <a:solidFill>
-                  <a:srgbClr val="000000"/>
-                </a:solidFill>
-                <a:latin typeface="Calibri"/>
-              </a:rPr>
+              <a:rPr lang="en-US"/>
               <a:t>Sixth Outline Level</a:t>
             </a:r>
             <a:endParaRPr/>
@@ -3591,12 +3479,7 @@
               <a:buChar char=""/>
             </a:pPr>
             <a:r>
-              <a:rPr lang="lv-LV">
-                <a:solidFill>
-                  <a:srgbClr val="000000"/>
-                </a:solidFill>
-                <a:latin typeface="Calibri"/>
-              </a:rPr>
+              <a:rPr lang="en-US"/>
               <a:t>Seventh Outline Level</a:t>
             </a:r>
             <a:endParaRPr/>
@@ -3608,170 +3491,21 @@
               <a:buChar char=""/>
             </a:pPr>
             <a:r>
-              <a:rPr lang="lv-LV">
-                <a:solidFill>
-                  <a:srgbClr val="000000"/>
-                </a:solidFill>
-                <a:latin typeface="Calibri"/>
-              </a:rPr>
+              <a:rPr lang="en-US"/>
               <a:t>Eighth Outline Level</a:t>
             </a:r>
             <a:endParaRPr/>
           </a:p>
           <a:p>
-            <a:r>
-              <a:rPr lang="lv-LV">
-                <a:solidFill>
-                  <a:srgbClr val="000000"/>
-                </a:solidFill>
-                <a:latin typeface="Calibri"/>
-              </a:rPr>
-              <a:t>Ninth Outline LevelClick to edit Master text styles</a:t>
-            </a:r>
-            <a:endParaRPr/>
-          </a:p>
-          <a:p>
-            <a:r>
-              <a:rPr lang="lv-LV">
-                <a:solidFill>
-                  <a:srgbClr val="000000"/>
-                </a:solidFill>
-                <a:latin typeface="Calibri"/>
-              </a:rPr>
-              <a:t>Second level</a:t>
-            </a:r>
-            <a:endParaRPr/>
-          </a:p>
-          <a:p>
-            <a:r>
-              <a:rPr lang="lv-LV">
-                <a:solidFill>
-                  <a:srgbClr val="000000"/>
-                </a:solidFill>
-                <a:latin typeface="Calibri"/>
-              </a:rPr>
-              <a:t>Third level</a:t>
-            </a:r>
-            <a:endParaRPr/>
-          </a:p>
-          <a:p>
-            <a:r>
-              <a:rPr lang="lv-LV">
-                <a:solidFill>
-                  <a:srgbClr val="000000"/>
-                </a:solidFill>
-                <a:latin typeface="Calibri"/>
-              </a:rPr>
-              <a:t>Fourth level</a:t>
-            </a:r>
-            <a:endParaRPr/>
-          </a:p>
-          <a:p>
-            <a:r>
-              <a:rPr lang="lv-LV">
-                <a:solidFill>
-                  <a:srgbClr val="000000"/>
-                </a:solidFill>
-                <a:latin typeface="Calibri"/>
-              </a:rPr>
-              <a:t>Fifth level</a:t>
-            </a:r>
-            <a:endParaRPr/>
-          </a:p>
-        </p:txBody>
-      </p:sp>
-      <p:sp>
-        <p:nvSpPr>
-          <p:cNvPr id="39" name="PlaceHolder 3"/>
-          <p:cNvSpPr>
-            <a:spLocks noGrp="1"/>
-          </p:cNvSpPr>
-          <p:nvPr>
-            <p:ph type="dt"/>
-          </p:nvPr>
-        </p:nvSpPr>
-        <p:spPr>
-          <a:xfrm>
-            <a:off x="0" y="0"/>
-            <a:ext cx="360" cy="360"/>
-          </a:xfrm>
-          <a:prstGeom prst="rect">
-            <a:avLst/>
-          </a:prstGeom>
-        </p:spPr>
-        <p:txBody>
-          <a:bodyPr bIns="45000" lIns="90000" rIns="90000" tIns="45000"/>
-          <a:p>
-            <a:r>
-              <a:rPr lang="en-US">
-                <a:solidFill>
-                  <a:srgbClr val="000000"/>
-                </a:solidFill>
-                <a:latin typeface="Calibri"/>
-              </a:rPr>
-              <a:t>1/18/12</a:t>
-            </a:r>
-            <a:endParaRPr/>
-          </a:p>
-        </p:txBody>
-      </p:sp>
-      <p:sp>
-        <p:nvSpPr>
-          <p:cNvPr id="40" name="PlaceHolder 4"/>
-          <p:cNvSpPr>
-            <a:spLocks noGrp="1"/>
-          </p:cNvSpPr>
-          <p:nvPr>
-            <p:ph type="ftr"/>
-          </p:nvPr>
-        </p:nvSpPr>
-        <p:spPr>
-          <a:xfrm>
-            <a:off x="0" y="0"/>
-            <a:ext cx="360" cy="360"/>
-          </a:xfrm>
-          <a:prstGeom prst="rect">
-            <a:avLst/>
-          </a:prstGeom>
-        </p:spPr>
-        <p:txBody>
-          <a:bodyPr bIns="45000" lIns="90000" rIns="90000" tIns="45000"/>
-          <a:p>
-            <a:endParaRPr/>
-          </a:p>
-        </p:txBody>
-      </p:sp>
-      <p:sp>
-        <p:nvSpPr>
-          <p:cNvPr id="41" name="PlaceHolder 5"/>
-          <p:cNvSpPr>
-            <a:spLocks noGrp="1"/>
-          </p:cNvSpPr>
-          <p:nvPr>
-            <p:ph type="sldNum"/>
-          </p:nvPr>
-        </p:nvSpPr>
-        <p:spPr>
-          <a:xfrm>
-            <a:off x="0" y="0"/>
-            <a:ext cx="360" cy="360"/>
-          </a:xfrm>
-          <a:prstGeom prst="rect">
-            <a:avLst/>
-          </a:prstGeom>
-        </p:spPr>
-        <p:txBody>
-          <a:bodyPr bIns="45000" lIns="90000" rIns="90000" tIns="45000"/>
-          <a:p>
-            <a:fld id="{11E101C1-61B1-41E1-B131-61C101A15181}" type="slidenum">
-              <a:rPr lang="en-US">
-                <a:solidFill>
-                  <a:srgbClr val="000000"/>
-                </a:solidFill>
-                <a:latin typeface="Calibri"/>
-              </a:rPr>
-              <a:t>&lt;number&gt;</a:t>
-            </a:fld>
+            <a:pPr lvl="8">
+              <a:buSzPct val="45000"/>
+              <a:buFont typeface="StarSymbol"/>
+              <a:buChar char=""/>
+            </a:pPr>
+            <a:r>
+              <a:rPr lang="en-US"/>
+              <a:t>Ninth Outline Level</a:t>
+            </a:r>
             <a:endParaRPr/>
           </a:p>
         </p:txBody>
@@ -3815,49 +3549,42 @@
       </p:grpSpPr>
       <p:sp>
         <p:nvSpPr>
-          <p:cNvPr id="79" name="TextShape 1"/>
-          <p:cNvSpPr txBox="1"/>
+          <p:cNvPr id="73" name="CustomShape 1"/>
+          <p:cNvSpPr/>
           <p:nvPr/>
         </p:nvSpPr>
         <p:spPr>
           <a:xfrm>
             <a:off x="775440" y="908640"/>
-            <a:ext cx="7772040" cy="1469520"/>
-          </a:xfrm>
-          <a:prstGeom prst="rect">
-            <a:avLst/>
-          </a:prstGeom>
-        </p:spPr>
-        <p:txBody>
-          <a:bodyPr anchor="ctr"/>
+            <a:ext cx="7771680" cy="1469160"/>
+          </a:xfrm>
+          <a:prstGeom prst="rect">
+            <a:avLst/>
+          </a:prstGeom>
+        </p:spPr>
+        <p:txBody>
+          <a:bodyPr anchor="ctr" bIns="45000" lIns="90000" rIns="90000" tIns="45000"/>
+          <a:p>
+            <a:r>
+              <a:rPr b="1" lang="en-US" sz="6000">
+                <a:solidFill>
+                  <a:srgbClr val="000000"/>
+                </a:solidFill>
+                <a:latin typeface="Calibri"/>
+              </a:rPr>
+              <a:t>Data Warehousing and</a:t>
+            </a:r>
+            <a:endParaRPr/>
+          </a:p>
           <a:p>
             <a:pPr algn="ctr"/>
             <a:r>
-              <a:rPr b="1" lang="lv-LV" sz="6000">
+              <a:rPr b="1" lang="en-US" sz="6000">
                 <a:solidFill>
                   <a:srgbClr val="000000"/>
                 </a:solidFill>
                 <a:latin typeface="Calibri"/>
               </a:rPr>
-              <a:t>Data Warehousing and</a:t>
-            </a:r>
-            <a:r>
-              <a:rPr b="1" lang="lv-LV" sz="6000">
-                <a:solidFill>
-                  <a:srgbClr val="000000"/>
-                </a:solidFill>
-                <a:latin typeface="Calibri"/>
-              </a:rPr>
-              <a:t>
-</a:t>
-            </a:r>
-            <a:r>
-              <a:rPr b="1" lang="lv-LV" sz="6000">
-                <a:solidFill>
-                  <a:srgbClr val="000000"/>
-                </a:solidFill>
-                <a:latin typeface="Calibri"/>
-              </a:rPr>
               <a:t>Data Mining</a:t>
             </a:r>
             <a:endParaRPr/>
@@ -3866,21 +3593,21 @@
       </p:sp>
       <p:sp>
         <p:nvSpPr>
-          <p:cNvPr id="80" name="TextShape 2"/>
-          <p:cNvSpPr txBox="1"/>
+          <p:cNvPr id="74" name="CustomShape 2"/>
+          <p:cNvSpPr/>
           <p:nvPr/>
         </p:nvSpPr>
         <p:spPr>
           <a:xfrm>
             <a:off x="1735560" y="5105520"/>
-            <a:ext cx="6400440" cy="1752120"/>
-          </a:xfrm>
-          <a:prstGeom prst="rect">
-            <a:avLst/>
-          </a:prstGeom>
-        </p:spPr>
-        <p:txBody>
-          <a:bodyPr/>
+            <a:ext cx="6400080" cy="1751760"/>
+          </a:xfrm>
+          <a:prstGeom prst="rect">
+            <a:avLst/>
+          </a:prstGeom>
+        </p:spPr>
+        <p:txBody>
+          <a:bodyPr bIns="45000" lIns="90000" rIns="90000" tIns="45000"/>
           <a:p>
             <a:pPr algn="r"/>
             <a:r>
@@ -3911,7 +3638,7 @@
       </p:sp>
       <p:pic>
         <p:nvPicPr>
-          <p:cNvPr descr="" id="81" name="Picture 4"/>
+          <p:cNvPr descr="" id="75" name="Picture 4"/>
           <p:cNvPicPr/>
           <p:nvPr/>
         </p:nvPicPr>
@@ -3924,7 +3651,7 @@
         <p:spPr>
           <a:xfrm>
             <a:off x="8305560" y="5171760"/>
-            <a:ext cx="467640" cy="467640"/>
+            <a:ext cx="467280" cy="467280"/>
           </a:xfrm>
           <a:prstGeom prst="rect">
             <a:avLst/>
@@ -3933,7 +3660,7 @@
       </p:pic>
       <p:pic>
         <p:nvPicPr>
-          <p:cNvPr descr="" id="82" name="Picture 6"/>
+          <p:cNvPr descr="" id="76" name="Picture 6"/>
           <p:cNvPicPr/>
           <p:nvPr/>
         </p:nvPicPr>
@@ -3946,7 +3673,7 @@
         <p:spPr>
           <a:xfrm>
             <a:off x="8305560" y="5733360"/>
-            <a:ext cx="467640" cy="467640"/>
+            <a:ext cx="467280" cy="467280"/>
           </a:xfrm>
           <a:prstGeom prst="rect">
             <a:avLst/>
@@ -3955,14 +3682,14 @@
       </p:pic>
       <p:sp>
         <p:nvSpPr>
-          <p:cNvPr id="83" name="CustomShape 3"/>
+          <p:cNvPr id="77" name="CustomShape 3"/>
           <p:cNvSpPr/>
           <p:nvPr/>
         </p:nvSpPr>
         <p:spPr>
           <a:xfrm>
             <a:off x="1282680" y="3289320"/>
-            <a:ext cx="7221600" cy="577800"/>
+            <a:ext cx="7221240" cy="577440"/>
           </a:xfrm>
           <a:prstGeom prst="rect">
             <a:avLst/>
@@ -3986,7 +3713,7 @@
       </p:sp>
       <p:pic>
         <p:nvPicPr>
-          <p:cNvPr descr="" id="84" name="Picture 10"/>
+          <p:cNvPr descr="" id="78" name="Picture 10"/>
           <p:cNvPicPr/>
           <p:nvPr/>
         </p:nvPicPr>
@@ -3999,7 +3726,7 @@
         <p:spPr>
           <a:xfrm>
             <a:off x="452520" y="5126400"/>
-            <a:ext cx="3384000" cy="1213560"/>
+            <a:ext cx="3383640" cy="1213200"/>
           </a:xfrm>
           <a:prstGeom prst="rect">
             <a:avLst/>
@@ -4008,14 +3735,14 @@
       </p:pic>
       <p:sp>
         <p:nvSpPr>
-          <p:cNvPr id="85" name="CustomShape 4"/>
+          <p:cNvPr id="79" name="CustomShape 4"/>
           <p:cNvSpPr/>
           <p:nvPr/>
         </p:nvSpPr>
         <p:spPr>
           <a:xfrm>
             <a:off x="300600" y="6388560"/>
-            <a:ext cx="2135880" cy="364680"/>
+            <a:ext cx="2135520" cy="364320"/>
           </a:xfrm>
           <a:prstGeom prst="rect">
             <a:avLst/>
@@ -4061,31 +3788,31 @@
       </p:grpSpPr>
       <p:sp>
         <p:nvSpPr>
-          <p:cNvPr id="118" name="TextShape 1"/>
-          <p:cNvSpPr txBox="1"/>
+          <p:cNvPr id="108" name="CustomShape 1"/>
+          <p:cNvSpPr/>
           <p:nvPr/>
         </p:nvSpPr>
         <p:spPr>
           <a:xfrm>
             <a:off x="457200" y="274680"/>
-            <a:ext cx="8229240" cy="1142640"/>
-          </a:xfrm>
-          <a:prstGeom prst="rect">
-            <a:avLst/>
-          </a:prstGeom>
-        </p:spPr>
-        <p:txBody>
-          <a:bodyPr anchor="ctr"/>
+            <a:ext cx="8228880" cy="1142280"/>
+          </a:xfrm>
+          <a:prstGeom prst="rect">
+            <a:avLst/>
+          </a:prstGeom>
+        </p:spPr>
+        <p:txBody>
+          <a:bodyPr anchor="ctr" bIns="45000" lIns="90000" rIns="90000" tIns="45000"/>
           <a:p>
             <a:pPr algn="ctr"/>
             <a:r>
-              <a:rPr lang="lv-LV" sz="4400">
+              <a:rPr lang="en-US" sz="4400">
                 <a:solidFill>
                   <a:srgbClr val="000000"/>
                 </a:solidFill>
                 <a:latin typeface="Calibri"/>
               </a:rPr>
-              <a:t>Advertising: Fact</a:t>
+              <a:t>Advertising</a:t>
             </a:r>
             <a:endParaRPr/>
           </a:p>
@@ -4093,7 +3820,7 @@
       </p:sp>
       <p:pic>
         <p:nvPicPr>
-          <p:cNvPr descr="" id="119" name="Picture 5"/>
+          <p:cNvPr descr="" id="109" name="Picture 2"/>
           <p:cNvPicPr/>
           <p:nvPr/>
         </p:nvPicPr>
@@ -4105,8 +3832,52 @@
         </p:blipFill>
         <p:spPr>
           <a:xfrm>
-            <a:off x="752040" y="2681280"/>
-            <a:ext cx="7639920" cy="1495440"/>
+            <a:off x="5703120" y="1628640"/>
+            <a:ext cx="1799640" cy="1349280"/>
+          </a:xfrm>
+          <a:prstGeom prst="rect">
+            <a:avLst/>
+          </a:prstGeom>
+        </p:spPr>
+      </p:pic>
+      <p:pic>
+        <p:nvPicPr>
+          <p:cNvPr descr="" id="110" name="Picture 4"/>
+          <p:cNvPicPr/>
+          <p:nvPr/>
+        </p:nvPicPr>
+        <p:blipFill>
+          <a:blip r:embed="rId2"/>
+          <a:stretch>
+            <a:fillRect/>
+          </a:stretch>
+        </p:blipFill>
+        <p:spPr>
+          <a:xfrm>
+            <a:off x="4212000" y="3583800"/>
+            <a:ext cx="2111760" cy="1136520"/>
+          </a:xfrm>
+          <a:prstGeom prst="rect">
+            <a:avLst/>
+          </a:prstGeom>
+        </p:spPr>
+      </p:pic>
+      <p:pic>
+        <p:nvPicPr>
+          <p:cNvPr descr="" id="111" name="Picture 6"/>
+          <p:cNvPicPr/>
+          <p:nvPr/>
+        </p:nvPicPr>
+        <p:blipFill>
+          <a:blip r:embed="rId3"/>
+          <a:stretch>
+            <a:fillRect/>
+          </a:stretch>
+        </p:blipFill>
+        <p:spPr>
+          <a:xfrm>
+            <a:off x="6599880" y="3250080"/>
+            <a:ext cx="2481840" cy="1459440"/>
           </a:xfrm>
           <a:prstGeom prst="rect">
             <a:avLst/>
@@ -4137,115 +3908,39 @@
       </p:grpSpPr>
       <p:sp>
         <p:nvSpPr>
-          <p:cNvPr id="120" name="TextShape 1"/>
-          <p:cNvSpPr txBox="1"/>
+          <p:cNvPr id="112" name="CustomShape 1"/>
+          <p:cNvSpPr/>
           <p:nvPr/>
         </p:nvSpPr>
         <p:spPr>
           <a:xfrm>
             <a:off x="457200" y="274680"/>
-            <a:ext cx="8229240" cy="1142640"/>
-          </a:xfrm>
-          <a:prstGeom prst="rect">
-            <a:avLst/>
-          </a:prstGeom>
-        </p:spPr>
-        <p:txBody>
-          <a:bodyPr anchor="ctr"/>
+            <a:ext cx="8228880" cy="1142280"/>
+          </a:xfrm>
+          <a:prstGeom prst="rect">
+            <a:avLst/>
+          </a:prstGeom>
+        </p:spPr>
+        <p:txBody>
+          <a:bodyPr anchor="ctr" bIns="45000" lIns="90000" rIns="90000" tIns="45000"/>
           <a:p>
             <a:pPr algn="ctr"/>
             <a:r>
-              <a:rPr lang="lv-LV" sz="4400">
+              <a:rPr lang="en-US" sz="4400">
                 <a:solidFill>
                   <a:srgbClr val="000000"/>
                 </a:solidFill>
                 <a:latin typeface="Calibri"/>
               </a:rPr>
-              <a:t>Advertising: Business Queries</a:t>
-            </a:r>
-            <a:endParaRPr/>
-          </a:p>
-        </p:txBody>
-      </p:sp>
-      <p:sp>
-        <p:nvSpPr>
-          <p:cNvPr id="121" name="TextShape 2"/>
-          <p:cNvSpPr txBox="1"/>
-          <p:nvPr/>
-        </p:nvSpPr>
-        <p:spPr>
-          <a:xfrm>
-            <a:off x="457200" y="1600200"/>
-            <a:ext cx="8229240" cy="4525560"/>
-          </a:xfrm>
-          <a:prstGeom prst="rect">
-            <a:avLst/>
-          </a:prstGeom>
-        </p:spPr>
-        <p:txBody>
-          <a:bodyPr/>
-          <a:p>
-            <a:pPr>
-              <a:buFont typeface="Arial"/>
-              <a:buChar char="•"/>
-            </a:pPr>
-            <a:r>
-              <a:rPr lang="lv-LV" sz="3200">
-                <a:solidFill>
-                  <a:srgbClr val="000000"/>
-                </a:solidFill>
-                <a:latin typeface="Calibri"/>
-              </a:rPr>
-              <a:t>Revenue by advertisers from the ”Middle Fish” category who have greater revenue than the average of the ”Big Fish” bias=0.5 together with average of ”Big Fish” advertisers?</a:t>
-            </a:r>
-            <a:endParaRPr/>
-          </a:p>
-          <a:p>
-            <a:pPr>
-              <a:buFont typeface="Arial"/>
-              <a:buChar char="•"/>
-            </a:pPr>
-            <a:r>
-              <a:rPr lang="lv-LV" sz="3200">
-                <a:solidFill>
-                  <a:srgbClr val="000000"/>
-                </a:solidFill>
-                <a:latin typeface="Calibri"/>
-              </a:rPr>
-              <a:t>CPM (clicks divided by displays) for the top 10 advertisers by revenue together with the average CPM for advertisers category for the advertisers  that have at least 15 campaigns?</a:t>
-            </a:r>
-            <a:endParaRPr/>
-          </a:p>
-          <a:p>
-            <a:pPr>
-              <a:buFont typeface="Arial"/>
-              <a:buChar char="•"/>
-            </a:pPr>
-            <a:r>
-              <a:rPr lang="lv-LV" sz="3200">
-                <a:solidFill>
-                  <a:srgbClr val="000000"/>
-                </a:solidFill>
-                <a:latin typeface="Calibri"/>
-              </a:rPr>
-              <a:t>The campaigns that lasted more than 5 months with revenue bigger than 140k at least in once over the past 5 month, all in year 2011?</a:t>
-            </a:r>
-            <a:endParaRPr/>
-          </a:p>
-          <a:p>
-            <a:endParaRPr/>
-          </a:p>
-          <a:p>
-            <a:endParaRPr/>
-          </a:p>
-          <a:p>
+              <a:t>Advertising: Fact</a:t>
+            </a:r>
             <a:endParaRPr/>
           </a:p>
         </p:txBody>
       </p:sp>
       <p:pic>
         <p:nvPicPr>
-          <p:cNvPr descr="" id="122" name="Picture 5"/>
+          <p:cNvPr descr="" id="113" name="Picture 5"/>
           <p:cNvPicPr/>
           <p:nvPr/>
         </p:nvPicPr>
@@ -4257,52 +3952,8 @@
         </p:blipFill>
         <p:spPr>
           <a:xfrm>
-            <a:off x="7509240" y="5517360"/>
-            <a:ext cx="831600" cy="969480"/>
-          </a:xfrm>
-          <a:prstGeom prst="rect">
-            <a:avLst/>
-          </a:prstGeom>
-        </p:spPr>
-      </p:pic>
-      <p:pic>
-        <p:nvPicPr>
-          <p:cNvPr descr="" id="123" name="Picture 7"/>
-          <p:cNvPicPr/>
-          <p:nvPr/>
-        </p:nvPicPr>
-        <p:blipFill>
-          <a:blip r:embed="rId2"/>
-          <a:stretch>
-            <a:fillRect/>
-          </a:stretch>
-        </p:blipFill>
-        <p:spPr>
-          <a:xfrm>
-            <a:off x="8258760" y="2860200"/>
-            <a:ext cx="642240" cy="639720"/>
-          </a:xfrm>
-          <a:prstGeom prst="rect">
-            <a:avLst/>
-          </a:prstGeom>
-        </p:spPr>
-      </p:pic>
-      <p:pic>
-        <p:nvPicPr>
-          <p:cNvPr descr="" id="124" name="Picture 8"/>
-          <p:cNvPicPr/>
-          <p:nvPr/>
-        </p:nvPicPr>
-        <p:blipFill>
-          <a:blip r:embed="rId3"/>
-          <a:stretch>
-            <a:fillRect/>
-          </a:stretch>
-        </p:blipFill>
-        <p:spPr>
-          <a:xfrm>
-            <a:off x="7988040" y="1683720"/>
-            <a:ext cx="1184040" cy="845640"/>
+            <a:off x="752040" y="2681280"/>
+            <a:ext cx="7639560" cy="1495080"/>
           </a:xfrm>
           <a:prstGeom prst="rect">
             <a:avLst/>
@@ -4333,36 +3984,178 @@
       </p:grpSpPr>
       <p:sp>
         <p:nvSpPr>
-          <p:cNvPr id="125" name="TextShape 1"/>
-          <p:cNvSpPr txBox="1"/>
+          <p:cNvPr id="114" name="CustomShape 1"/>
+          <p:cNvSpPr/>
           <p:nvPr/>
         </p:nvSpPr>
         <p:spPr>
           <a:xfrm>
             <a:off x="457200" y="274680"/>
-            <a:ext cx="8229240" cy="1142640"/>
-          </a:xfrm>
-          <a:prstGeom prst="rect">
-            <a:avLst/>
-          </a:prstGeom>
-        </p:spPr>
-        <p:txBody>
-          <a:bodyPr anchor="ctr"/>
+            <a:ext cx="8228880" cy="1142280"/>
+          </a:xfrm>
+          <a:prstGeom prst="rect">
+            <a:avLst/>
+          </a:prstGeom>
+        </p:spPr>
+        <p:txBody>
+          <a:bodyPr anchor="ctr" bIns="45000" lIns="90000" rIns="90000" tIns="45000"/>
           <a:p>
             <a:pPr algn="ctr"/>
             <a:r>
-              <a:rPr lang="lv-LV" sz="4400">
+              <a:rPr lang="en-US" sz="4400">
                 <a:solidFill>
                   <a:srgbClr val="000000"/>
                 </a:solidFill>
                 <a:latin typeface="Calibri"/>
               </a:rPr>
-              <a:t>Content Analysis</a:t>
-            </a:r>
-            <a:endParaRPr/>
-          </a:p>
-        </p:txBody>
-      </p:sp>
+              <a:t>Advertising: Business Queries</a:t>
+            </a:r>
+            <a:endParaRPr/>
+          </a:p>
+        </p:txBody>
+      </p:sp>
+      <p:sp>
+        <p:nvSpPr>
+          <p:cNvPr id="115" name="CustomShape 2"/>
+          <p:cNvSpPr/>
+          <p:nvPr/>
+        </p:nvSpPr>
+        <p:spPr>
+          <a:xfrm>
+            <a:off x="457200" y="1600200"/>
+            <a:ext cx="8228880" cy="4525200"/>
+          </a:xfrm>
+          <a:prstGeom prst="rect">
+            <a:avLst/>
+          </a:prstGeom>
+        </p:spPr>
+        <p:txBody>
+          <a:bodyPr bIns="45000" lIns="90000" rIns="90000" tIns="45000"/>
+          <a:p>
+            <a:pPr>
+              <a:buFont typeface="Arial"/>
+              <a:buChar char="•"/>
+            </a:pPr>
+            <a:r>
+              <a:rPr lang="en-US" sz="3200">
+                <a:solidFill>
+                  <a:srgbClr val="000000"/>
+                </a:solidFill>
+                <a:latin typeface="Calibri"/>
+              </a:rPr>
+              <a:t>Revenue by advertisers from the ”Middle Fish” category who have greater revenue than the average of the ”Big Fish” bias=0.5 together with average of ”Big Fish” advertisers?</a:t>
+            </a:r>
+            <a:endParaRPr/>
+          </a:p>
+          <a:p>
+            <a:pPr>
+              <a:buFont typeface="Arial"/>
+              <a:buChar char="•"/>
+            </a:pPr>
+            <a:r>
+              <a:rPr lang="en-US" sz="3200">
+                <a:solidFill>
+                  <a:srgbClr val="000000"/>
+                </a:solidFill>
+                <a:latin typeface="Calibri"/>
+              </a:rPr>
+              <a:t>CPM (clicks divided by displays) for the top 10 advertisers by revenue together with the average CPM for advertisers category for the advertisers  that have at least 15 campaigns?</a:t>
+            </a:r>
+            <a:endParaRPr/>
+          </a:p>
+          <a:p>
+            <a:pPr>
+              <a:buFont typeface="Arial"/>
+              <a:buChar char="•"/>
+            </a:pPr>
+            <a:r>
+              <a:rPr lang="en-US" sz="3200">
+                <a:solidFill>
+                  <a:srgbClr val="000000"/>
+                </a:solidFill>
+                <a:latin typeface="Calibri"/>
+              </a:rPr>
+              <a:t>The campaigns that lasted more than 5 months with revenue bigger than 140k at least in once over the past 5 month, all in year 2011?</a:t>
+            </a:r>
+            <a:endParaRPr/>
+          </a:p>
+          <a:p>
+            <a:endParaRPr/>
+          </a:p>
+          <a:p>
+            <a:endParaRPr/>
+          </a:p>
+          <a:p>
+            <a:endParaRPr/>
+          </a:p>
+        </p:txBody>
+      </p:sp>
+      <p:pic>
+        <p:nvPicPr>
+          <p:cNvPr descr="" id="116" name="Picture 5"/>
+          <p:cNvPicPr/>
+          <p:nvPr/>
+        </p:nvPicPr>
+        <p:blipFill>
+          <a:blip r:embed="rId1"/>
+          <a:stretch>
+            <a:fillRect/>
+          </a:stretch>
+        </p:blipFill>
+        <p:spPr>
+          <a:xfrm>
+            <a:off x="7509240" y="5517360"/>
+            <a:ext cx="831240" cy="969120"/>
+          </a:xfrm>
+          <a:prstGeom prst="rect">
+            <a:avLst/>
+          </a:prstGeom>
+        </p:spPr>
+      </p:pic>
+      <p:pic>
+        <p:nvPicPr>
+          <p:cNvPr descr="" id="117" name="Picture 7"/>
+          <p:cNvPicPr/>
+          <p:nvPr/>
+        </p:nvPicPr>
+        <p:blipFill>
+          <a:blip r:embed="rId2"/>
+          <a:stretch>
+            <a:fillRect/>
+          </a:stretch>
+        </p:blipFill>
+        <p:spPr>
+          <a:xfrm>
+            <a:off x="8258760" y="2860200"/>
+            <a:ext cx="641880" cy="639360"/>
+          </a:xfrm>
+          <a:prstGeom prst="rect">
+            <a:avLst/>
+          </a:prstGeom>
+        </p:spPr>
+      </p:pic>
+      <p:pic>
+        <p:nvPicPr>
+          <p:cNvPr descr="" id="118" name="Picture 8"/>
+          <p:cNvPicPr/>
+          <p:nvPr/>
+        </p:nvPicPr>
+        <p:blipFill>
+          <a:blip r:embed="rId3"/>
+          <a:stretch>
+            <a:fillRect/>
+          </a:stretch>
+        </p:blipFill>
+        <p:spPr>
+          <a:xfrm>
+            <a:off x="7988040" y="1683720"/>
+            <a:ext cx="1183680" cy="845280"/>
+          </a:xfrm>
+          <a:prstGeom prst="rect">
+            <a:avLst/>
+          </a:prstGeom>
+        </p:spPr>
+      </p:pic>
     </p:spTree>
   </p:cSld>
 </p:sld>
@@ -4387,31 +4180,31 @@
       </p:grpSpPr>
       <p:sp>
         <p:nvSpPr>
-          <p:cNvPr id="126" name="TextShape 1"/>
-          <p:cNvSpPr txBox="1"/>
+          <p:cNvPr id="119" name="CustomShape 1"/>
+          <p:cNvSpPr/>
           <p:nvPr/>
         </p:nvSpPr>
         <p:spPr>
           <a:xfrm>
             <a:off x="457200" y="274680"/>
-            <a:ext cx="8229240" cy="1142640"/>
-          </a:xfrm>
-          <a:prstGeom prst="rect">
-            <a:avLst/>
-          </a:prstGeom>
-        </p:spPr>
-        <p:txBody>
-          <a:bodyPr anchor="ctr"/>
+            <a:ext cx="8228880" cy="1142280"/>
+          </a:xfrm>
+          <a:prstGeom prst="rect">
+            <a:avLst/>
+          </a:prstGeom>
+        </p:spPr>
+        <p:txBody>
+          <a:bodyPr anchor="ctr" bIns="45000" lIns="90000" rIns="90000" tIns="45000"/>
           <a:p>
             <a:pPr algn="ctr"/>
             <a:r>
-              <a:rPr lang="lv-LV" sz="4400">
+              <a:rPr lang="en-US" sz="4400">
                 <a:solidFill>
                   <a:srgbClr val="000000"/>
                 </a:solidFill>
                 <a:latin typeface="Calibri"/>
               </a:rPr>
-              <a:t>Content Analysis: Fact</a:t>
+              <a:t>Content Analysis</a:t>
             </a:r>
             <a:endParaRPr/>
           </a:p>
@@ -4441,138 +4234,32 @@
       </p:grpSpPr>
       <p:sp>
         <p:nvSpPr>
-          <p:cNvPr id="127" name="TextShape 1"/>
-          <p:cNvSpPr txBox="1"/>
+          <p:cNvPr id="120" name="CustomShape 1"/>
+          <p:cNvSpPr/>
           <p:nvPr/>
         </p:nvSpPr>
         <p:spPr>
           <a:xfrm>
             <a:off x="457200" y="274680"/>
-            <a:ext cx="8229240" cy="1142640"/>
-          </a:xfrm>
-          <a:prstGeom prst="rect">
-            <a:avLst/>
-          </a:prstGeom>
-        </p:spPr>
-        <p:txBody>
-          <a:bodyPr anchor="ctr"/>
+            <a:ext cx="8228880" cy="1142280"/>
+          </a:xfrm>
+          <a:prstGeom prst="rect">
+            <a:avLst/>
+          </a:prstGeom>
+        </p:spPr>
+        <p:txBody>
+          <a:bodyPr anchor="ctr" bIns="45000" lIns="90000" rIns="90000" tIns="45000"/>
           <a:p>
             <a:pPr algn="ctr"/>
             <a:r>
-              <a:rPr lang="lv-LV" sz="4400">
+              <a:rPr lang="en-US" sz="4400">
                 <a:solidFill>
                   <a:srgbClr val="000000"/>
                 </a:solidFill>
                 <a:latin typeface="Calibri"/>
               </a:rPr>
-              <a:t>Content Analysis: Business Queries</a:t>
-            </a:r>
-            <a:endParaRPr/>
-          </a:p>
-        </p:txBody>
-      </p:sp>
-      <p:sp>
-        <p:nvSpPr>
-          <p:cNvPr id="128" name="TextShape 2"/>
-          <p:cNvSpPr txBox="1"/>
-          <p:nvPr/>
-        </p:nvSpPr>
-        <p:spPr>
-          <a:xfrm>
-            <a:off x="457200" y="1600200"/>
-            <a:ext cx="8229240" cy="4525560"/>
-          </a:xfrm>
-          <a:prstGeom prst="rect">
-            <a:avLst/>
-          </a:prstGeom>
-        </p:spPr>
-        <p:txBody>
-          <a:bodyPr/>
-          <a:p>
-            <a:pPr>
-              <a:buFont typeface="Arial"/>
-              <a:buChar char="•"/>
-            </a:pPr>
-            <a:r>
-              <a:rPr lang="lv-LV" sz="3200">
-                <a:solidFill>
-                  <a:srgbClr val="000000"/>
-                </a:solidFill>
-                <a:latin typeface="Calibri"/>
-              </a:rPr>
-              <a:t>Top 10 read articles and their authors for every month in year 2011?</a:t>
-            </a:r>
-            <a:endParaRPr/>
-          </a:p>
-          <a:p>
-            <a:pPr>
-              <a:buFont typeface="Arial"/>
-              <a:buChar char="•"/>
-            </a:pPr>
-            <a:r>
-              <a:rPr lang="lv-LV" sz="3200">
-                <a:solidFill>
-                  <a:srgbClr val="000000"/>
-                </a:solidFill>
-                <a:latin typeface="Calibri"/>
-              </a:rPr>
-              <a:t>Compare the number of reads/shares/comments of articles tagged with tags `</a:t>
-            </a:r>
-            <a:r>
-              <a:rPr i="1" lang="lv-LV" sz="3200">
-                <a:solidFill>
-                  <a:srgbClr val="000000"/>
-                </a:solidFill>
-                <a:latin typeface="Calibri"/>
-              </a:rPr>
-              <a:t>positive</a:t>
-            </a:r>
-            <a:r>
-              <a:rPr lang="lv-LV" sz="3200">
-                <a:solidFill>
-                  <a:srgbClr val="000000"/>
-                </a:solidFill>
-                <a:latin typeface="Calibri"/>
-              </a:rPr>
-              <a:t>` and `</a:t>
-            </a:r>
-            <a:r>
-              <a:rPr i="1" lang="lv-LV" sz="3200">
-                <a:solidFill>
-                  <a:srgbClr val="000000"/>
-                </a:solidFill>
-                <a:latin typeface="Calibri"/>
-              </a:rPr>
-              <a:t>negative</a:t>
-            </a:r>
-            <a:r>
-              <a:rPr lang="lv-LV" sz="3200">
-                <a:solidFill>
-                  <a:srgbClr val="000000"/>
-                </a:solidFill>
-                <a:latin typeface="Calibri"/>
-              </a:rPr>
-              <a:t>` for each year?</a:t>
-            </a:r>
-            <a:endParaRPr/>
-          </a:p>
-          <a:p>
-            <a:pPr>
-              <a:buFont typeface="Arial"/>
-              <a:buChar char="•"/>
-            </a:pPr>
-            <a:r>
-              <a:rPr lang="lv-LV" sz="3200">
-                <a:solidFill>
-                  <a:srgbClr val="000000"/>
-                </a:solidFill>
-                <a:latin typeface="Calibri"/>
-              </a:rPr>
-              <a:t>Hours of the day when most articles are read grouped by category in year 2010 together with the average number of articles read during this hour in the same year?</a:t>
-            </a:r>
-            <a:endParaRPr/>
-          </a:p>
-          <a:p>
+              <a:t>Content Analysis: Fact</a:t>
+            </a:r>
             <a:endParaRPr/>
           </a:p>
         </p:txBody>
@@ -4601,66 +4288,66 @@
       </p:grpSpPr>
       <p:sp>
         <p:nvSpPr>
-          <p:cNvPr id="129" name="TextShape 1"/>
-          <p:cNvSpPr txBox="1"/>
+          <p:cNvPr id="121" name="CustomShape 1"/>
+          <p:cNvSpPr/>
           <p:nvPr/>
         </p:nvSpPr>
         <p:spPr>
           <a:xfrm>
             <a:off x="457200" y="274680"/>
-            <a:ext cx="8229240" cy="1142640"/>
-          </a:xfrm>
-          <a:prstGeom prst="rect">
-            <a:avLst/>
-          </a:prstGeom>
-        </p:spPr>
-        <p:txBody>
-          <a:bodyPr anchor="ctr"/>
+            <a:ext cx="8228880" cy="1142280"/>
+          </a:xfrm>
+          <a:prstGeom prst="rect">
+            <a:avLst/>
+          </a:prstGeom>
+        </p:spPr>
+        <p:txBody>
+          <a:bodyPr anchor="ctr" bIns="45000" lIns="90000" rIns="90000" tIns="45000"/>
           <a:p>
             <a:pPr algn="ctr"/>
             <a:r>
-              <a:rPr lang="lv-LV" sz="4400">
+              <a:rPr lang="en-US" sz="4400">
                 <a:solidFill>
                   <a:srgbClr val="000000"/>
                 </a:solidFill>
                 <a:latin typeface="Calibri"/>
               </a:rPr>
-              <a:t>Logical &amp; Physical Design</a:t>
-            </a:r>
-            <a:endParaRPr/>
-          </a:p>
-        </p:txBody>
-      </p:sp>
-      <p:sp>
-        <p:nvSpPr>
-          <p:cNvPr id="130" name="TextShape 2"/>
-          <p:cNvSpPr txBox="1"/>
+              <a:t>Content Analysis: Business Queries</a:t>
+            </a:r>
+            <a:endParaRPr/>
+          </a:p>
+        </p:txBody>
+      </p:sp>
+      <p:sp>
+        <p:nvSpPr>
+          <p:cNvPr id="122" name="CustomShape 2"/>
+          <p:cNvSpPr/>
           <p:nvPr/>
         </p:nvSpPr>
         <p:spPr>
           <a:xfrm>
             <a:off x="457200" y="1600200"/>
-            <a:ext cx="8229240" cy="4525560"/>
-          </a:xfrm>
-          <a:prstGeom prst="rect">
-            <a:avLst/>
-          </a:prstGeom>
-        </p:spPr>
-        <p:txBody>
-          <a:bodyPr/>
+            <a:ext cx="8228880" cy="4525200"/>
+          </a:xfrm>
+          <a:prstGeom prst="rect">
+            <a:avLst/>
+          </a:prstGeom>
+        </p:spPr>
+        <p:txBody>
+          <a:bodyPr bIns="45000" lIns="90000" rIns="90000" tIns="45000"/>
           <a:p>
             <a:pPr>
               <a:buFont typeface="Arial"/>
               <a:buChar char="•"/>
             </a:pPr>
             <a:r>
-              <a:rPr lang="lv-LV" sz="3200">
+              <a:rPr lang="en-US" sz="3200">
                 <a:solidFill>
                   <a:srgbClr val="000000"/>
                 </a:solidFill>
                 <a:latin typeface="Calibri"/>
               </a:rPr>
-              <a:t>Star schema</a:t>
+              <a:t>Top 10 read articles and their authors for every month in year 2011?</a:t>
             </a:r>
             <a:endParaRPr/>
           </a:p>
@@ -4670,62 +4357,73 @@
               <a:buChar char="•"/>
             </a:pPr>
             <a:r>
-              <a:rPr lang="lv-LV" sz="3200">
+              <a:rPr lang="en-US" sz="3200">
                 <a:solidFill>
                   <a:srgbClr val="000000"/>
                 </a:solidFill>
                 <a:latin typeface="Calibri"/>
               </a:rPr>
-              <a:t>Oracle</a:t>
-            </a:r>
-            <a:endParaRPr/>
-          </a:p>
-        </p:txBody>
-      </p:sp>
-      <p:pic>
-        <p:nvPicPr>
-          <p:cNvPr descr="" id="131" name="Picture 2"/>
-          <p:cNvPicPr/>
-          <p:nvPr/>
-        </p:nvPicPr>
-        <p:blipFill>
-          <a:blip r:embed="rId1"/>
-          <a:stretch>
-            <a:fillRect/>
-          </a:stretch>
-        </p:blipFill>
-        <p:spPr>
-          <a:xfrm>
-            <a:off x="6084000" y="1700640"/>
-            <a:ext cx="2319120" cy="2376000"/>
-          </a:xfrm>
-          <a:prstGeom prst="rect">
-            <a:avLst/>
-          </a:prstGeom>
-        </p:spPr>
-      </p:pic>
-      <p:pic>
-        <p:nvPicPr>
-          <p:cNvPr descr="" id="132" name="Picture 4"/>
-          <p:cNvPicPr/>
-          <p:nvPr/>
-        </p:nvPicPr>
-        <p:blipFill>
-          <a:blip r:embed="rId2"/>
-          <a:stretch>
-            <a:fillRect/>
-          </a:stretch>
-        </p:blipFill>
-        <p:spPr>
-          <a:xfrm>
-            <a:off x="3564000" y="3717000"/>
-            <a:ext cx="2142720" cy="2142720"/>
-          </a:xfrm>
-          <a:prstGeom prst="rect">
-            <a:avLst/>
-          </a:prstGeom>
-        </p:spPr>
-      </p:pic>
+              <a:t>Compare the number of reads/shares/comments of articles tagged with tags `</a:t>
+            </a:r>
+            <a:r>
+              <a:rPr i="1" lang="en-US" sz="3200">
+                <a:solidFill>
+                  <a:srgbClr val="000000"/>
+                </a:solidFill>
+                <a:latin typeface="Calibri"/>
+              </a:rPr>
+              <a:t>positive</a:t>
+            </a:r>
+            <a:r>
+              <a:rPr lang="en-US" sz="3200">
+                <a:solidFill>
+                  <a:srgbClr val="000000"/>
+                </a:solidFill>
+                <a:latin typeface="Calibri"/>
+              </a:rPr>
+              <a:t>` and `</a:t>
+            </a:r>
+            <a:r>
+              <a:rPr i="1" lang="en-US" sz="3200">
+                <a:solidFill>
+                  <a:srgbClr val="000000"/>
+                </a:solidFill>
+                <a:latin typeface="Calibri"/>
+              </a:rPr>
+              <a:t>negative</a:t>
+            </a:r>
+            <a:r>
+              <a:rPr lang="en-US" sz="3200">
+                <a:solidFill>
+                  <a:srgbClr val="000000"/>
+                </a:solidFill>
+                <a:latin typeface="Calibri"/>
+              </a:rPr>
+              <a:t>` for each year?</a:t>
+            </a:r>
+            <a:endParaRPr/>
+          </a:p>
+          <a:p>
+            <a:pPr>
+              <a:buFont typeface="Arial"/>
+              <a:buChar char="•"/>
+            </a:pPr>
+            <a:r>
+              <a:rPr lang="en-US" sz="3200">
+                <a:solidFill>
+                  <a:srgbClr val="000000"/>
+                </a:solidFill>
+                <a:latin typeface="Calibri"/>
+              </a:rPr>
+              <a:t>Hours of the day when most articles are read grouped by category in year 2010 together with the average number of articles read during this hour in the same year?</a:t>
+            </a:r>
+            <a:endParaRPr/>
+          </a:p>
+          <a:p>
+            <a:endParaRPr/>
+          </a:p>
+        </p:txBody>
+      </p:sp>
     </p:spTree>
   </p:cSld>
 </p:sld>
@@ -4750,30 +4448,175 @@
       </p:grpSpPr>
       <p:sp>
         <p:nvSpPr>
-          <p:cNvPr id="133" name="TextShape 1"/>
-          <p:cNvSpPr txBox="1"/>
+          <p:cNvPr id="123" name="CustomShape 1"/>
+          <p:cNvSpPr/>
           <p:nvPr/>
         </p:nvSpPr>
         <p:spPr>
           <a:xfrm>
             <a:off x="457200" y="274680"/>
-            <a:ext cx="8229240" cy="1142640"/>
-          </a:xfrm>
-          <a:prstGeom prst="rect">
-            <a:avLst/>
-          </a:prstGeom>
-        </p:spPr>
-        <p:txBody>
-          <a:bodyPr anchor="ctr" bIns="0" lIns="0" rIns="0" tIns="0" wrap="none"/>
-          <a:p>
-            <a:r>
-              <a:rPr lang="lv-LV"/>
-              <a:t>Execution plan 1/2</a:t>
-            </a:r>
-            <a:endParaRPr/>
-          </a:p>
-        </p:txBody>
-      </p:sp>
+            <a:ext cx="8228880" cy="1142280"/>
+          </a:xfrm>
+          <a:prstGeom prst="rect">
+            <a:avLst/>
+          </a:prstGeom>
+        </p:spPr>
+        <p:txBody>
+          <a:bodyPr anchor="ctr" bIns="45000" lIns="90000" rIns="90000" tIns="45000"/>
+          <a:p>
+            <a:pPr algn="ctr"/>
+            <a:r>
+              <a:rPr lang="en-US" sz="4400">
+                <a:solidFill>
+                  <a:srgbClr val="000000"/>
+                </a:solidFill>
+                <a:latin typeface="Calibri"/>
+              </a:rPr>
+              <a:t>Logical &amp; Physical Design</a:t>
+            </a:r>
+            <a:endParaRPr/>
+          </a:p>
+        </p:txBody>
+      </p:sp>
+      <p:sp>
+        <p:nvSpPr>
+          <p:cNvPr id="124" name="CustomShape 2"/>
+          <p:cNvSpPr/>
+          <p:nvPr/>
+        </p:nvSpPr>
+        <p:spPr>
+          <a:xfrm>
+            <a:off x="457200" y="1600200"/>
+            <a:ext cx="8228880" cy="4525200"/>
+          </a:xfrm>
+          <a:prstGeom prst="rect">
+            <a:avLst/>
+          </a:prstGeom>
+        </p:spPr>
+        <p:txBody>
+          <a:bodyPr bIns="45000" lIns="90000" rIns="90000" tIns="45000"/>
+          <a:p>
+            <a:pPr>
+              <a:buFont typeface="Arial"/>
+              <a:buChar char="•"/>
+            </a:pPr>
+            <a:r>
+              <a:rPr lang="en-US" sz="3200">
+                <a:solidFill>
+                  <a:srgbClr val="000000"/>
+                </a:solidFill>
+                <a:latin typeface="Calibri"/>
+              </a:rPr>
+              <a:t>Star schema</a:t>
+            </a:r>
+            <a:endParaRPr/>
+          </a:p>
+          <a:p>
+            <a:pPr>
+              <a:buFont typeface="Arial"/>
+              <a:buChar char="•"/>
+            </a:pPr>
+            <a:r>
+              <a:rPr lang="en-US" sz="3200">
+                <a:solidFill>
+                  <a:srgbClr val="000000"/>
+                </a:solidFill>
+                <a:latin typeface="Calibri"/>
+              </a:rPr>
+              <a:t>Oracle</a:t>
+            </a:r>
+            <a:endParaRPr/>
+          </a:p>
+        </p:txBody>
+      </p:sp>
+      <p:pic>
+        <p:nvPicPr>
+          <p:cNvPr descr="" id="125" name="Picture 2"/>
+          <p:cNvPicPr/>
+          <p:nvPr/>
+        </p:nvPicPr>
+        <p:blipFill>
+          <a:blip r:embed="rId1"/>
+          <a:stretch>
+            <a:fillRect/>
+          </a:stretch>
+        </p:blipFill>
+        <p:spPr>
+          <a:xfrm>
+            <a:off x="6084000" y="1700640"/>
+            <a:ext cx="2318760" cy="2375640"/>
+          </a:xfrm>
+          <a:prstGeom prst="rect">
+            <a:avLst/>
+          </a:prstGeom>
+        </p:spPr>
+      </p:pic>
+      <p:pic>
+        <p:nvPicPr>
+          <p:cNvPr descr="" id="126" name="Picture 4"/>
+          <p:cNvPicPr/>
+          <p:nvPr/>
+        </p:nvPicPr>
+        <p:blipFill>
+          <a:blip r:embed="rId2"/>
+          <a:stretch>
+            <a:fillRect/>
+          </a:stretch>
+        </p:blipFill>
+        <p:spPr>
+          <a:xfrm>
+            <a:off x="3564000" y="3717000"/>
+            <a:ext cx="2142360" cy="2142360"/>
+          </a:xfrm>
+          <a:prstGeom prst="rect">
+            <a:avLst/>
+          </a:prstGeom>
+        </p:spPr>
+      </p:pic>
+    </p:spTree>
+  </p:cSld>
+</p:sld>
+</file>
+
+<file path=ppt/slides/slide17.xml><?xml version="1.0" encoding="utf-8"?>
+<p:sld xmlns:a="http://schemas.openxmlformats.org/drawingml/2006/main" xmlns:p="http://schemas.openxmlformats.org/presentationml/2006/main" xmlns:r="http://schemas.openxmlformats.org/officeDocument/2006/relationships">
+  <p:cSld>
+    <p:spTree>
+      <p:nvGrpSpPr>
+        <p:cNvPr id="1" name=""/>
+        <p:cNvGrpSpPr/>
+        <p:nvPr/>
+      </p:nvGrpSpPr>
+      <p:grpSpPr>
+        <a:xfrm>
+          <a:off x="0" y="0"/>
+          <a:ext cx="0" cy="0"/>
+          <a:chOff x="0" y="0"/>
+          <a:chExt cx="0" cy="0"/>
+        </a:xfrm>
+      </p:grpSpPr>
+      <p:pic>
+        <p:nvPicPr>
+          <p:cNvPr descr="" id="127" name=""/>
+          <p:cNvPicPr/>
+          <p:nvPr/>
+        </p:nvPicPr>
+        <p:blipFill>
+          <a:blip r:embed="rId1"/>
+          <a:stretch>
+            <a:fillRect/>
+          </a:stretch>
+        </p:blipFill>
+        <p:spPr>
+          <a:xfrm>
+            <a:off x="1726920" y="15480"/>
+            <a:ext cx="5731200" cy="6857640"/>
+          </a:xfrm>
+          <a:prstGeom prst="rect">
+            <a:avLst/>
+          </a:prstGeom>
+        </p:spPr>
+      </p:pic>
     </p:spTree>
   </p:cSld>
   <p:timing>
@@ -4808,54 +4651,6 @@
 </p:sld>
 </file>
 
-<file path=ppt/slides/slide17.xml><?xml version="1.0" encoding="utf-8"?>
-<p:sld xmlns:a="http://schemas.openxmlformats.org/drawingml/2006/main" xmlns:p="http://schemas.openxmlformats.org/presentationml/2006/main" xmlns:r="http://schemas.openxmlformats.org/officeDocument/2006/relationships">
-  <p:cSld>
-    <p:spTree>
-      <p:nvGrpSpPr>
-        <p:cNvPr id="1" name=""/>
-        <p:cNvGrpSpPr/>
-        <p:nvPr/>
-      </p:nvGrpSpPr>
-      <p:grpSpPr>
-        <a:xfrm>
-          <a:off x="0" y="0"/>
-          <a:ext cx="0" cy="0"/>
-          <a:chOff x="0" y="0"/>
-          <a:chExt cx="0" cy="0"/>
-        </a:xfrm>
-      </p:grpSpPr>
-      <p:sp>
-        <p:nvSpPr>
-          <p:cNvPr id="134" name="TextShape 1"/>
-          <p:cNvSpPr txBox="1"/>
-          <p:nvPr/>
-        </p:nvSpPr>
-        <p:spPr>
-          <a:xfrm>
-            <a:off x="457200" y="274680"/>
-            <a:ext cx="8229240" cy="1142640"/>
-          </a:xfrm>
-          <a:prstGeom prst="rect">
-            <a:avLst/>
-          </a:prstGeom>
-        </p:spPr>
-        <p:txBody>
-          <a:bodyPr anchor="ctr" bIns="0" lIns="0" rIns="0" tIns="0" wrap="none"/>
-          <a:p>
-            <a:r>
-              <a:rPr lang="lv-LV"/>
-              <a:t>Execution plan 2/2</a:t>
-            </a:r>
-            <a:endParaRPr/>
-          </a:p>
-        </p:txBody>
-      </p:sp>
-    </p:spTree>
-  </p:cSld>
-</p:sld>
-</file>
-
 <file path=ppt/slides/slide18.xml><?xml version="1.0" encoding="utf-8"?>
 <p:sld xmlns:a="http://schemas.openxmlformats.org/drawingml/2006/main" xmlns:p="http://schemas.openxmlformats.org/presentationml/2006/main" xmlns:r="http://schemas.openxmlformats.org/officeDocument/2006/relationships">
   <p:cSld>
@@ -4875,14 +4670,14 @@
       </p:grpSpPr>
       <p:sp>
         <p:nvSpPr>
-          <p:cNvPr id="135" name="TextShape 1"/>
-          <p:cNvSpPr txBox="1"/>
+          <p:cNvPr id="128" name="CustomShape 1"/>
+          <p:cNvSpPr/>
           <p:nvPr/>
         </p:nvSpPr>
         <p:spPr>
           <a:xfrm>
             <a:off x="457200" y="274680"/>
-            <a:ext cx="8229240" cy="1142640"/>
+            <a:ext cx="8228880" cy="1142280"/>
           </a:xfrm>
           <a:prstGeom prst="rect">
             <a:avLst/>
@@ -4891,14 +4686,37 @@
         <p:txBody>
           <a:bodyPr anchor="ctr" bIns="0" lIns="0" rIns="0" tIns="0" wrap="none"/>
           <a:p>
-            <a:r>
-              <a:rPr lang="lv-LV"/>
-              <a:t>Data mining workflow</a:t>
-            </a:r>
-            <a:endParaRPr/>
-          </a:p>
-        </p:txBody>
-      </p:sp>
+            <a:pPr algn="ctr"/>
+            <a:r>
+              <a:rPr lang="en-US" sz="3600"/>
+              <a:t>Execution Plan</a:t>
+            </a:r>
+            <a:endParaRPr/>
+          </a:p>
+        </p:txBody>
+      </p:sp>
+      <p:pic>
+        <p:nvPicPr>
+          <p:cNvPr descr="" id="129" name=""/>
+          <p:cNvPicPr/>
+          <p:nvPr/>
+        </p:nvPicPr>
+        <p:blipFill>
+          <a:blip r:embed="rId1"/>
+          <a:stretch>
+            <a:fillRect/>
+          </a:stretch>
+        </p:blipFill>
+        <p:spPr>
+          <a:xfrm>
+            <a:off x="1476720" y="1986840"/>
+            <a:ext cx="6231240" cy="2915280"/>
+          </a:xfrm>
+          <a:prstGeom prst="rect">
+            <a:avLst/>
+          </a:prstGeom>
+        </p:spPr>
+      </p:pic>
     </p:spTree>
   </p:cSld>
   <p:timing>
@@ -4908,6 +4726,185 @@
           <p:childTnLst>
             <p:seq>
               <p:cTn id="20" nodeType="mainSeq">
+                <p:childTnLst/>
+              </p:cTn>
+              <p:prevCondLst>
+                <p:cond delay="0" evt="onPrev">
+                  <p:tgtEl>
+                    <p:sldTgt/>
+                  </p:tgtEl>
+                </p:cond>
+              </p:prevCondLst>
+              <p:nextCondLst>
+                <p:cond delay="0" evt="onNext">
+                  <p:tgtEl>
+                    <p:sldTgt/>
+                  </p:tgtEl>
+                </p:cond>
+              </p:nextCondLst>
+            </p:seq>
+          </p:childTnLst>
+        </p:cTn>
+      </p:par>
+    </p:tnLst>
+  </p:timing>
+</p:sld>
+</file>
+
+<file path=ppt/slides/slide19.xml><?xml version="1.0" encoding="utf-8"?>
+<p:sld xmlns:a="http://schemas.openxmlformats.org/drawingml/2006/main" xmlns:p="http://schemas.openxmlformats.org/presentationml/2006/main" xmlns:r="http://schemas.openxmlformats.org/officeDocument/2006/relationships">
+  <p:cSld>
+    <p:spTree>
+      <p:nvGrpSpPr>
+        <p:cNvPr id="1" name=""/>
+        <p:cNvGrpSpPr/>
+        <p:nvPr/>
+      </p:nvGrpSpPr>
+      <p:grpSpPr>
+        <a:xfrm>
+          <a:off x="0" y="0"/>
+          <a:ext cx="0" cy="0"/>
+          <a:chOff x="0" y="0"/>
+          <a:chExt cx="0" cy="0"/>
+        </a:xfrm>
+      </p:grpSpPr>
+      <p:sp>
+        <p:nvSpPr>
+          <p:cNvPr id="130" name="CustomShape 1"/>
+          <p:cNvSpPr/>
+          <p:nvPr/>
+        </p:nvSpPr>
+        <p:spPr>
+          <a:xfrm>
+            <a:off x="457200" y="274680"/>
+            <a:ext cx="8228880" cy="1142280"/>
+          </a:xfrm>
+          <a:prstGeom prst="rect">
+            <a:avLst/>
+          </a:prstGeom>
+        </p:spPr>
+        <p:txBody>
+          <a:bodyPr anchor="ctr" bIns="45000" lIns="90000" rIns="90000" tIns="45000"/>
+          <a:p>
+            <a:pPr algn="ctr"/>
+            <a:r>
+              <a:rPr lang="en-US" sz="4400">
+                <a:solidFill>
+                  <a:srgbClr val="000000"/>
+                </a:solidFill>
+                <a:latin typeface="Calibri"/>
+              </a:rPr>
+              <a:t>Android Data Mining</a:t>
+            </a:r>
+            <a:endParaRPr/>
+          </a:p>
+        </p:txBody>
+      </p:sp>
+      <p:pic>
+        <p:nvPicPr>
+          <p:cNvPr descr="" id="131" name=""/>
+          <p:cNvPicPr/>
+          <p:nvPr/>
+        </p:nvPicPr>
+        <p:blipFill>
+          <a:blip r:embed="rId1"/>
+          <a:stretch>
+            <a:fillRect/>
+          </a:stretch>
+        </p:blipFill>
+        <p:spPr>
+          <a:xfrm>
+            <a:off x="477720" y="1475640"/>
+            <a:ext cx="4368600" cy="3694680"/>
+          </a:xfrm>
+          <a:prstGeom prst="rect">
+            <a:avLst/>
+          </a:prstGeom>
+        </p:spPr>
+      </p:pic>
+      <p:sp>
+        <p:nvSpPr>
+          <p:cNvPr id="132" name="TextShape 2"/>
+          <p:cNvSpPr txBox="1"/>
+          <p:nvPr/>
+        </p:nvSpPr>
+        <p:spPr>
+          <a:xfrm>
+            <a:off x="4846320" y="1475640"/>
+            <a:ext cx="4114800" cy="3736440"/>
+          </a:xfrm>
+          <a:prstGeom prst="rect">
+            <a:avLst/>
+          </a:prstGeom>
+        </p:spPr>
+        <p:txBody>
+          <a:bodyPr bIns="45000" lIns="90000" rIns="90000" tIns="45000" wrap="none"/>
+          <a:p>
+            <a:pPr algn="ctr"/>
+            <a:endParaRPr/>
+          </a:p>
+          <a:p>
+            <a:pPr algn="ctr"/>
+            <a:endParaRPr/>
+          </a:p>
+          <a:p>
+            <a:pPr algn="ctr"/>
+            <a:r>
+              <a:rPr lang="en-US" sz="2800">
+                <a:solidFill>
+                  <a:srgbClr val="000000"/>
+                </a:solidFill>
+                <a:latin typeface="Calibri"/>
+              </a:rPr>
+              <a:t>Git logs</a:t>
+            </a:r>
+            <a:endParaRPr/>
+          </a:p>
+          <a:p>
+            <a:pPr algn="ctr"/>
+            <a:endParaRPr/>
+          </a:p>
+          <a:p>
+            <a:pPr algn="ctr"/>
+            <a:r>
+              <a:rPr lang="en-US" sz="2800">
+                <a:solidFill>
+                  <a:srgbClr val="000000"/>
+                </a:solidFill>
+                <a:latin typeface="Calibri"/>
+              </a:rPr>
+              <a:t>Bugs</a:t>
+            </a:r>
+            <a:endParaRPr/>
+          </a:p>
+          <a:p>
+            <a:pPr algn="ctr"/>
+            <a:endParaRPr/>
+          </a:p>
+          <a:p>
+            <a:pPr algn="ctr"/>
+            <a:r>
+              <a:rPr lang="en-US" sz="2800">
+                <a:solidFill>
+                  <a:srgbClr val="000000"/>
+                </a:solidFill>
+                <a:latin typeface="Calibri"/>
+              </a:rPr>
+              <a:t>Bugs Comments</a:t>
+            </a:r>
+            <a:endParaRPr/>
+          </a:p>
+        </p:txBody>
+      </p:sp>
+    </p:spTree>
+  </p:cSld>
+  <p:timing>
+    <p:tnLst>
+      <p:par>
+        <p:cTn dur="indefinite" id="21" nodeType="tmRoot" restart="never">
+          <p:childTnLst>
+            <p:seq>
+              <p:cTn id="22" nodeType="mainSeq">
                 <p:childTnLst/>
               </p:cTn>
               <p:prevCondLst>
@@ -4952,25 +4949,25 @@
       </p:grpSpPr>
       <p:sp>
         <p:nvSpPr>
-          <p:cNvPr id="86" name="TextShape 1"/>
-          <p:cNvSpPr txBox="1"/>
+          <p:cNvPr id="80" name="CustomShape 1"/>
+          <p:cNvSpPr/>
           <p:nvPr/>
         </p:nvSpPr>
         <p:spPr>
           <a:xfrm>
             <a:off x="457200" y="274680"/>
-            <a:ext cx="8229240" cy="1142640"/>
-          </a:xfrm>
-          <a:prstGeom prst="rect">
-            <a:avLst/>
-          </a:prstGeom>
-        </p:spPr>
-        <p:txBody>
-          <a:bodyPr anchor="ctr"/>
+            <a:ext cx="8228880" cy="1142280"/>
+          </a:xfrm>
+          <a:prstGeom prst="rect">
+            <a:avLst/>
+          </a:prstGeom>
+        </p:spPr>
+        <p:txBody>
+          <a:bodyPr anchor="ctr" bIns="45000" lIns="90000" rIns="90000" tIns="45000"/>
           <a:p>
             <a:pPr algn="ctr"/>
             <a:r>
-              <a:rPr lang="lv-LV" sz="4400">
+              <a:rPr lang="en-US" sz="4400">
                 <a:solidFill>
                   <a:srgbClr val="000000"/>
                 </a:solidFill>
@@ -4984,24 +4981,24 @@
       </p:sp>
       <p:sp>
         <p:nvSpPr>
-          <p:cNvPr id="87" name="TextShape 2"/>
-          <p:cNvSpPr txBox="1"/>
+          <p:cNvPr id="81" name="CustomShape 2"/>
+          <p:cNvSpPr/>
           <p:nvPr/>
         </p:nvSpPr>
         <p:spPr>
           <a:xfrm>
             <a:off x="457200" y="1600200"/>
-            <a:ext cx="8229240" cy="4525560"/>
-          </a:xfrm>
-          <a:prstGeom prst="rect">
-            <a:avLst/>
-          </a:prstGeom>
-        </p:spPr>
-        <p:txBody>
-          <a:bodyPr/>
-          <a:p>
-            <a:r>
-              <a:rPr b="1" lang="lv-LV" sz="4400">
+            <a:ext cx="8228880" cy="4525200"/>
+          </a:xfrm>
+          <a:prstGeom prst="rect">
+            <a:avLst/>
+          </a:prstGeom>
+        </p:spPr>
+        <p:txBody>
+          <a:bodyPr bIns="45000" lIns="90000" rIns="90000" tIns="45000"/>
+          <a:p>
+            <a:r>
+              <a:rPr b="1" lang="en-US" sz="4400">
                 <a:solidFill>
                   <a:srgbClr val="000000"/>
                 </a:solidFill>
@@ -5013,7 +5010,7 @@
           </a:p>
           <a:p>
             <a:r>
-              <a:rPr b="1" lang="lv-LV" sz="3200">
+              <a:rPr b="1" lang="en-US" sz="3200">
                 <a:solidFill>
                   <a:srgbClr val="000000"/>
                 </a:solidFill>
@@ -5022,7 +5019,7 @@
               <a:t>     </a:t>
             </a:r>
             <a:r>
-              <a:rPr i="1" lang="lv-LV" sz="3200">
+              <a:rPr i="1" lang="en-US" sz="3200">
                 <a:solidFill>
                   <a:srgbClr val="000000"/>
                 </a:solidFill>
@@ -5039,7 +5036,7 @@
       </p:sp>
       <p:pic>
         <p:nvPicPr>
-          <p:cNvPr descr="" id="88" name="Picture 4"/>
+          <p:cNvPr descr="" id="82" name="Picture 4"/>
           <p:cNvPicPr/>
           <p:nvPr/>
         </p:nvPicPr>
@@ -5052,7 +5049,7 @@
         <p:spPr>
           <a:xfrm>
             <a:off x="5724000" y="1628640"/>
-            <a:ext cx="2768400" cy="4320000"/>
+            <a:ext cx="2768040" cy="4319640"/>
           </a:xfrm>
           <a:prstGeom prst="rect">
             <a:avLst/>
@@ -5061,14 +5058,14 @@
       </p:pic>
       <p:sp>
         <p:nvSpPr>
-          <p:cNvPr id="89" name="CustomShape 3"/>
+          <p:cNvPr id="83" name="CustomShape 3"/>
           <p:cNvSpPr/>
           <p:nvPr/>
         </p:nvSpPr>
         <p:spPr>
           <a:xfrm>
             <a:off x="432000" y="4077000"/>
-            <a:ext cx="2649600" cy="913320"/>
+            <a:ext cx="2649240" cy="912960"/>
           </a:xfrm>
           <a:prstGeom prst="rect">
             <a:avLst/>
@@ -5092,14 +5089,14 @@
       </p:sp>
       <p:sp>
         <p:nvSpPr>
-          <p:cNvPr id="90" name="CustomShape 4"/>
+          <p:cNvPr id="84" name="CustomShape 4"/>
           <p:cNvSpPr/>
           <p:nvPr/>
         </p:nvSpPr>
         <p:spPr>
           <a:xfrm>
             <a:off x="956160" y="5085360"/>
-            <a:ext cx="2518560" cy="913320"/>
+            <a:ext cx="2518200" cy="912960"/>
           </a:xfrm>
           <a:prstGeom prst="rect">
             <a:avLst/>
@@ -5121,17 +5118,17 @@
           </a:p>
         </p:txBody>
       </p:sp>
-      <p:cxnSp>
-        <p:nvCxnSpPr>
-          <p:cNvPr id="91" name="Line 5"/>
-          <p:cNvCxnSpPr/>
+      <p:sp>
+        <p:nvSpPr>
+          <p:cNvPr id="85" name="Line 5"/>
+          <p:cNvSpPr/>
           <p:nvPr/>
-        </p:nvCxnSpPr>
-        <p:spPr>
-          <xfrm>
+        </p:nvSpPr>
+        <p:spPr>
+          <a:xfrm>
             <a:off x="0" y="0"/>
-            <a:ext cx="360" cy="360"/>
-          </xfrm>
+            <a:ext cx="0" cy="0"/>
+          </a:xfrm>
           <a:prstGeom prst="line">
             <a:avLst/>
           </a:prstGeom>
@@ -5143,18 +5140,18 @@
             <a:tailEnd len="med" type="triangle" w="med"/>
           </a:ln>
         </p:spPr>
-      </p:cxnSp>
-      <p:cxnSp>
-        <p:nvCxnSpPr>
-          <p:cNvPr id="92" name="Line 6"/>
-          <p:cNvCxnSpPr/>
+      </p:sp>
+      <p:sp>
+        <p:nvSpPr>
+          <p:cNvPr id="86" name="Line 6"/>
+          <p:cNvSpPr/>
           <p:nvPr/>
-        </p:nvCxnSpPr>
-        <p:spPr>
-          <xfrm>
+        </p:nvSpPr>
+        <p:spPr>
+          <a:xfrm>
             <a:off x="0" y="0"/>
-            <a:ext cx="360" cy="360"/>
-          </xfrm>
+            <a:ext cx="0" cy="0"/>
+          </a:xfrm>
           <a:prstGeom prst="line">
             <a:avLst/>
           </a:prstGeom>
@@ -5166,10 +5163,10 @@
             <a:tailEnd len="med" type="triangle" w="med"/>
           </a:ln>
         </p:spPr>
-      </p:cxnSp>
+      </p:sp>
       <p:pic>
         <p:nvPicPr>
-          <p:cNvPr descr="" id="93" name="Picture 7"/>
+          <p:cNvPr descr="" id="87" name="Picture 7"/>
           <p:cNvPicPr/>
           <p:nvPr/>
         </p:nvPicPr>
@@ -5182,7 +5179,7 @@
         <p:spPr>
           <a:xfrm>
             <a:off x="3876480" y="4538880"/>
-            <a:ext cx="1215000" cy="1215000"/>
+            <a:ext cx="1214640" cy="1214640"/>
           </a:xfrm>
           <a:prstGeom prst="rect">
             <a:avLst/>
@@ -5225,7 +5222,7 @@
                                           </p:stCondLst>
                                         </p:cTn>
                                         <p:tgtEl>
-                                          <p:spTgt spid="89"/>
+                                          <p:spTgt spid="83"/>
                                         </p:tgtEl>
                                         <p:attrNameLst>
                                           <p:attrName>style.visibility</p:attrName>
@@ -5252,7 +5249,7 @@
                                           </p:stCondLst>
                                         </p:cTn>
                                         <p:tgtEl>
-                                          <p:spTgt spid="91"/>
+                                          <p:spTgt spid="85"/>
                                         </p:tgtEl>
                                         <p:attrNameLst>
                                           <p:attrName>style.visibility</p:attrName>
@@ -5297,7 +5294,7 @@
                                           </p:stCondLst>
                                         </p:cTn>
                                         <p:tgtEl>
-                                          <p:spTgt spid="90"/>
+                                          <p:spTgt spid="84"/>
                                         </p:tgtEl>
                                         <p:attrNameLst>
                                           <p:attrName>style.visibility</p:attrName>
@@ -5324,7 +5321,7 @@
                                           </p:stCondLst>
                                         </p:cTn>
                                         <p:tgtEl>
-                                          <p:spTgt spid="93"/>
+                                          <p:spTgt spid="87"/>
                                         </p:tgtEl>
                                         <p:attrNameLst>
                                           <p:attrName>style.visibility</p:attrName>
@@ -5351,7 +5348,7 @@
                                           </p:stCondLst>
                                         </p:cTn>
                                         <p:tgtEl>
-                                          <p:spTgt spid="92"/>
+                                          <p:spTgt spid="86"/>
                                         </p:tgtEl>
                                         <p:attrNameLst>
                                           <p:attrName>style.visibility</p:attrName>
@@ -5395,6 +5392,350 @@
 </p:sld>
 </file>
 
+<file path=ppt/slides/slide20.xml><?xml version="1.0" encoding="utf-8"?>
+<p:sld xmlns:a="http://schemas.openxmlformats.org/drawingml/2006/main" xmlns:p="http://schemas.openxmlformats.org/presentationml/2006/main" xmlns:r="http://schemas.openxmlformats.org/officeDocument/2006/relationships">
+  <p:cSld>
+    <p:spTree>
+      <p:nvGrpSpPr>
+        <p:cNvPr id="1" name=""/>
+        <p:cNvGrpSpPr/>
+        <p:nvPr/>
+      </p:nvGrpSpPr>
+      <p:grpSpPr>
+        <a:xfrm>
+          <a:off x="0" y="0"/>
+          <a:ext cx="0" cy="0"/>
+          <a:chOff x="0" y="0"/>
+          <a:chExt cx="0" cy="0"/>
+        </a:xfrm>
+      </p:grpSpPr>
+      <p:sp>
+        <p:nvSpPr>
+          <p:cNvPr id="133" name="CustomShape 1"/>
+          <p:cNvSpPr/>
+          <p:nvPr/>
+        </p:nvSpPr>
+        <p:spPr>
+          <a:xfrm>
+            <a:off x="457200" y="274680"/>
+            <a:ext cx="8228880" cy="1142280"/>
+          </a:xfrm>
+          <a:prstGeom prst="rect">
+            <a:avLst/>
+          </a:prstGeom>
+        </p:spPr>
+        <p:txBody>
+          <a:bodyPr anchor="ctr" bIns="0" lIns="0" rIns="0" tIns="0" wrap="none"/>
+          <a:p>
+            <a:pPr algn="ctr"/>
+            <a:r>
+              <a:rPr lang="en-US" sz="3600"/>
+              <a:t>Open Source Tools</a:t>
+            </a:r>
+            <a:endParaRPr/>
+          </a:p>
+        </p:txBody>
+      </p:sp>
+      <p:pic>
+        <p:nvPicPr>
+          <p:cNvPr descr="" id="134" name=""/>
+          <p:cNvPicPr/>
+          <p:nvPr/>
+        </p:nvPicPr>
+        <p:blipFill>
+          <a:blip r:embed="rId1"/>
+          <a:stretch>
+            <a:fillRect/>
+          </a:stretch>
+        </p:blipFill>
+        <p:spPr>
+          <a:xfrm>
+            <a:off x="641520" y="1645920"/>
+            <a:ext cx="3107520" cy="2070360"/>
+          </a:xfrm>
+          <a:prstGeom prst="rect">
+            <a:avLst/>
+          </a:prstGeom>
+        </p:spPr>
+      </p:pic>
+      <p:pic>
+        <p:nvPicPr>
+          <p:cNvPr descr="" id="135" name=""/>
+          <p:cNvPicPr/>
+          <p:nvPr/>
+        </p:nvPicPr>
+        <p:blipFill>
+          <a:blip r:embed="rId2"/>
+          <a:stretch>
+            <a:fillRect/>
+          </a:stretch>
+        </p:blipFill>
+        <p:spPr>
+          <a:xfrm>
+            <a:off x="5852160" y="2011680"/>
+            <a:ext cx="2468880" cy="1828800"/>
+          </a:xfrm>
+          <a:prstGeom prst="rect">
+            <a:avLst/>
+          </a:prstGeom>
+        </p:spPr>
+      </p:pic>
+    </p:spTree>
+  </p:cSld>
+  <p:timing>
+    <p:tnLst>
+      <p:par>
+        <p:cTn dur="indefinite" id="23" nodeType="tmRoot" restart="never">
+          <p:childTnLst>
+            <p:seq>
+              <p:cTn id="24" nodeType="mainSeq">
+                <p:childTnLst/>
+              </p:cTn>
+              <p:prevCondLst>
+                <p:cond delay="0" evt="onPrev">
+                  <p:tgtEl>
+                    <p:sldTgt/>
+                  </p:tgtEl>
+                </p:cond>
+              </p:prevCondLst>
+              <p:nextCondLst>
+                <p:cond delay="0" evt="onNext">
+                  <p:tgtEl>
+                    <p:sldTgt/>
+                  </p:tgtEl>
+                </p:cond>
+              </p:nextCondLst>
+            </p:seq>
+          </p:childTnLst>
+        </p:cTn>
+      </p:par>
+    </p:tnLst>
+  </p:timing>
+</p:sld>
+</file>
+
+<file path=ppt/slides/slide21.xml><?xml version="1.0" encoding="utf-8"?>
+<p:sld xmlns:a="http://schemas.openxmlformats.org/drawingml/2006/main" xmlns:p="http://schemas.openxmlformats.org/presentationml/2006/main" xmlns:r="http://schemas.openxmlformats.org/officeDocument/2006/relationships">
+  <p:cSld>
+    <p:spTree>
+      <p:nvGrpSpPr>
+        <p:cNvPr id="1" name=""/>
+        <p:cNvGrpSpPr/>
+        <p:nvPr/>
+      </p:nvGrpSpPr>
+      <p:grpSpPr>
+        <a:xfrm>
+          <a:off x="0" y="0"/>
+          <a:ext cx="0" cy="0"/>
+          <a:chOff x="0" y="0"/>
+          <a:chExt cx="0" cy="0"/>
+        </a:xfrm>
+      </p:grpSpPr>
+      <p:sp>
+        <p:nvSpPr>
+          <p:cNvPr id="136" name="CustomShape 1"/>
+          <p:cNvSpPr/>
+          <p:nvPr/>
+        </p:nvSpPr>
+        <p:spPr>
+          <a:xfrm>
+            <a:off x="457200" y="274680"/>
+            <a:ext cx="8228880" cy="1142280"/>
+          </a:xfrm>
+          <a:prstGeom prst="rect">
+            <a:avLst/>
+          </a:prstGeom>
+        </p:spPr>
+        <p:txBody>
+          <a:bodyPr anchor="ctr" bIns="0" lIns="0" rIns="0" tIns="0" wrap="none"/>
+          <a:p>
+            <a:pPr algn="ctr"/>
+            <a:r>
+              <a:rPr lang="en-US" sz="3600"/>
+              <a:t>Data mining work flow</a:t>
+            </a:r>
+            <a:endParaRPr/>
+          </a:p>
+        </p:txBody>
+      </p:sp>
+      <p:pic>
+        <p:nvPicPr>
+          <p:cNvPr descr="" id="137" name=""/>
+          <p:cNvPicPr/>
+          <p:nvPr/>
+        </p:nvPicPr>
+        <p:blipFill>
+          <a:blip r:embed="rId1"/>
+          <a:stretch>
+            <a:fillRect/>
+          </a:stretch>
+        </p:blipFill>
+        <p:spPr>
+          <a:xfrm>
+            <a:off x="720360" y="1151640"/>
+            <a:ext cx="7417800" cy="5523480"/>
+          </a:xfrm>
+          <a:prstGeom prst="rect">
+            <a:avLst/>
+          </a:prstGeom>
+        </p:spPr>
+      </p:pic>
+    </p:spTree>
+  </p:cSld>
+  <p:timing>
+    <p:tnLst>
+      <p:par>
+        <p:cTn dur="indefinite" id="25" nodeType="tmRoot" restart="never">
+          <p:childTnLst>
+            <p:seq>
+              <p:cTn id="26" nodeType="mainSeq">
+                <p:childTnLst/>
+              </p:cTn>
+              <p:prevCondLst>
+                <p:cond delay="0" evt="onPrev">
+                  <p:tgtEl>
+                    <p:sldTgt/>
+                  </p:tgtEl>
+                </p:cond>
+              </p:prevCondLst>
+              <p:nextCondLst>
+                <p:cond delay="0" evt="onNext">
+                  <p:tgtEl>
+                    <p:sldTgt/>
+                  </p:tgtEl>
+                </p:cond>
+              </p:nextCondLst>
+            </p:seq>
+          </p:childTnLst>
+        </p:cTn>
+      </p:par>
+    </p:tnLst>
+  </p:timing>
+</p:sld>
+</file>
+
+<file path=ppt/slides/slide22.xml><?xml version="1.0" encoding="utf-8"?>
+<p:sld xmlns:a="http://schemas.openxmlformats.org/drawingml/2006/main" xmlns:p="http://schemas.openxmlformats.org/presentationml/2006/main" xmlns:r="http://schemas.openxmlformats.org/officeDocument/2006/relationships">
+  <p:cSld>
+    <p:spTree>
+      <p:nvGrpSpPr>
+        <p:cNvPr id="1" name=""/>
+        <p:cNvGrpSpPr/>
+        <p:nvPr/>
+      </p:nvGrpSpPr>
+      <p:grpSpPr>
+        <a:xfrm>
+          <a:off x="0" y="0"/>
+          <a:ext cx="0" cy="0"/>
+          <a:chOff x="0" y="0"/>
+          <a:chExt cx="0" cy="0"/>
+        </a:xfrm>
+      </p:grpSpPr>
+      <p:sp>
+        <p:nvSpPr>
+          <p:cNvPr id="138" name="CustomShape 1"/>
+          <p:cNvSpPr/>
+          <p:nvPr/>
+        </p:nvSpPr>
+        <p:spPr>
+          <a:xfrm>
+            <a:off x="457200" y="274680"/>
+            <a:ext cx="8228880" cy="1142280"/>
+          </a:xfrm>
+          <a:prstGeom prst="rect">
+            <a:avLst/>
+          </a:prstGeom>
+        </p:spPr>
+        <p:txBody>
+          <a:bodyPr anchor="ctr" bIns="0" lIns="0" rIns="0" tIns="0" wrap="none"/>
+          <a:p>
+            <a:pPr algn="ctr"/>
+            <a:r>
+              <a:rPr lang="en-US" sz="3600"/>
+              <a:t>Interesting Bugs</a:t>
+            </a:r>
+            <a:endParaRPr/>
+          </a:p>
+        </p:txBody>
+      </p:sp>
+      <p:pic>
+        <p:nvPicPr>
+          <p:cNvPr descr="" id="139" name=""/>
+          <p:cNvPicPr/>
+          <p:nvPr/>
+        </p:nvPicPr>
+        <p:blipFill>
+          <a:blip r:embed="rId1"/>
+          <a:stretch>
+            <a:fillRect/>
+          </a:stretch>
+        </p:blipFill>
+        <p:spPr>
+          <a:xfrm>
+            <a:off x="225720" y="1126080"/>
+            <a:ext cx="4071960" cy="2714400"/>
+          </a:xfrm>
+          <a:prstGeom prst="rect">
+            <a:avLst/>
+          </a:prstGeom>
+        </p:spPr>
+      </p:pic>
+    </p:spTree>
+  </p:cSld>
+  <p:timing>
+    <p:tnLst>
+      <p:par>
+        <p:cTn dur="indefinite" id="27" nodeType="tmRoot" restart="never">
+          <p:childTnLst>
+            <p:seq>
+              <p:cTn id="28" nodeType="mainSeq">
+                <p:childTnLst/>
+              </p:cTn>
+              <p:prevCondLst>
+                <p:cond delay="0" evt="onPrev">
+                  <p:tgtEl>
+                    <p:sldTgt/>
+                  </p:tgtEl>
+                </p:cond>
+              </p:prevCondLst>
+              <p:nextCondLst>
+                <p:cond delay="0" evt="onNext">
+                  <p:tgtEl>
+                    <p:sldTgt/>
+                  </p:tgtEl>
+                </p:cond>
+              </p:nextCondLst>
+            </p:seq>
+          </p:childTnLst>
+        </p:cTn>
+      </p:par>
+    </p:tnLst>
+  </p:timing>
+</p:sld>
+</file>
+
+<file path=ppt/slides/slide23.xml><?xml version="1.0" encoding="utf-8"?>
+<p:sld xmlns:a="http://schemas.openxmlformats.org/drawingml/2006/main" xmlns:p="http://schemas.openxmlformats.org/presentationml/2006/main" xmlns:r="http://schemas.openxmlformats.org/officeDocument/2006/relationships">
+  <p:cSld>
+    <p:spTree>
+      <p:nvGrpSpPr>
+        <p:cNvPr id="1" name=""/>
+        <p:cNvGrpSpPr/>
+        <p:nvPr/>
+      </p:nvGrpSpPr>
+      <p:grpSpPr>
+        <a:xfrm>
+          <a:off x="0" y="0"/>
+          <a:ext cx="0" cy="0"/>
+          <a:chOff x="0" y="0"/>
+          <a:chExt cx="0" cy="0"/>
+        </a:xfrm>
+      </p:grpSpPr>
+    </p:spTree>
+  </p:cSld>
+</p:sld>
+</file>
+
 <file path=ppt/slides/slide3.xml><?xml version="1.0" encoding="utf-8"?>
 <p:sld xmlns:a="http://schemas.openxmlformats.org/drawingml/2006/main" xmlns:p="http://schemas.openxmlformats.org/presentationml/2006/main" xmlns:r="http://schemas.openxmlformats.org/officeDocument/2006/relationships">
   <p:cSld>
@@ -5414,25 +5755,25 @@
       </p:grpSpPr>
       <p:sp>
         <p:nvSpPr>
-          <p:cNvPr id="94" name="TextShape 1"/>
-          <p:cNvSpPr txBox="1"/>
+          <p:cNvPr id="88" name="CustomShape 1"/>
+          <p:cNvSpPr/>
           <p:nvPr/>
         </p:nvSpPr>
         <p:spPr>
           <a:xfrm>
             <a:off x="457200" y="274680"/>
-            <a:ext cx="8229240" cy="1142640"/>
-          </a:xfrm>
-          <a:prstGeom prst="rect">
-            <a:avLst/>
-          </a:prstGeom>
-        </p:spPr>
-        <p:txBody>
-          <a:bodyPr anchor="ctr"/>
+            <a:ext cx="8228880" cy="1142280"/>
+          </a:xfrm>
+          <a:prstGeom prst="rect">
+            <a:avLst/>
+          </a:prstGeom>
+        </p:spPr>
+        <p:txBody>
+          <a:bodyPr anchor="ctr" bIns="45000" lIns="90000" rIns="90000" tIns="45000"/>
           <a:p>
             <a:pPr algn="ctr"/>
             <a:r>
-              <a:rPr lang="lv-LV" sz="4400">
+              <a:rPr lang="en-US" sz="4400">
                 <a:solidFill>
                   <a:srgbClr val="000000"/>
                 </a:solidFill>
@@ -5446,7 +5787,7 @@
       </p:sp>
       <p:pic>
         <p:nvPicPr>
-          <p:cNvPr descr="" id="95" name="Picture 3"/>
+          <p:cNvPr descr="" id="89" name="Picture 3"/>
           <p:cNvPicPr/>
           <p:nvPr/>
         </p:nvPicPr>
@@ -5459,7 +5800,7 @@
         <p:spPr>
           <a:xfrm>
             <a:off x="827640" y="2523960"/>
-            <a:ext cx="1821960" cy="1680840"/>
+            <a:ext cx="1821600" cy="1680480"/>
           </a:xfrm>
           <a:prstGeom prst="rect">
             <a:avLst/>
@@ -5468,7 +5809,7 @@
       </p:pic>
       <p:pic>
         <p:nvPicPr>
-          <p:cNvPr descr="" id="96" name="Picture 6"/>
+          <p:cNvPr descr="" id="90" name="Picture 6"/>
           <p:cNvPicPr/>
           <p:nvPr/>
         </p:nvPicPr>
@@ -5481,7 +5822,7 @@
         <p:spPr>
           <a:xfrm>
             <a:off x="3276000" y="1697760"/>
-            <a:ext cx="1804680" cy="1856880"/>
+            <a:ext cx="1804320" cy="1856520"/>
           </a:xfrm>
           <a:prstGeom prst="rect">
             <a:avLst/>
@@ -5490,7 +5831,7 @@
       </p:pic>
       <p:pic>
         <p:nvPicPr>
-          <p:cNvPr descr="" id="97" name="Picture 8"/>
+          <p:cNvPr descr="" id="91" name="Picture 8"/>
           <p:cNvPicPr/>
           <p:nvPr/>
         </p:nvPicPr>
@@ -5503,7 +5844,7 @@
         <p:spPr>
           <a:xfrm>
             <a:off x="5652000" y="1697760"/>
-            <a:ext cx="2062440" cy="2062440"/>
+            <a:ext cx="2062080" cy="2062080"/>
           </a:xfrm>
           <a:prstGeom prst="rect">
             <a:avLst/>
@@ -5512,7 +5853,7 @@
       </p:pic>
       <p:pic>
         <p:nvPicPr>
-          <p:cNvPr descr="" id="98" name="Picture 10"/>
+          <p:cNvPr descr="" id="92" name="Picture 10"/>
           <p:cNvPicPr/>
           <p:nvPr/>
         </p:nvPicPr>
@@ -5525,7 +5866,7 @@
         <p:spPr>
           <a:xfrm>
             <a:off x="6184440" y="4561560"/>
-            <a:ext cx="1728000" cy="1728000"/>
+            <a:ext cx="1727640" cy="1727640"/>
           </a:xfrm>
           <a:prstGeom prst="rect">
             <a:avLst/>
@@ -5534,14 +5875,14 @@
       </p:pic>
       <p:sp>
         <p:nvSpPr>
-          <p:cNvPr id="99" name="CustomShape 2"/>
+          <p:cNvPr id="93" name="CustomShape 2"/>
           <p:cNvSpPr/>
           <p:nvPr/>
         </p:nvSpPr>
         <p:spPr>
           <a:xfrm>
             <a:off x="433440" y="5102640"/>
-            <a:ext cx="5071320" cy="639000"/>
+            <a:ext cx="5070960" cy="638640"/>
           </a:xfrm>
           <a:prstGeom prst="rect">
             <a:avLst/>
@@ -5587,25 +5928,25 @@
       </p:grpSpPr>
       <p:sp>
         <p:nvSpPr>
-          <p:cNvPr id="100" name="TextShape 1"/>
-          <p:cNvSpPr txBox="1"/>
+          <p:cNvPr id="94" name="CustomShape 1"/>
+          <p:cNvSpPr/>
           <p:nvPr/>
         </p:nvSpPr>
         <p:spPr>
           <a:xfrm>
             <a:off x="457200" y="274680"/>
-            <a:ext cx="8229240" cy="1142640"/>
-          </a:xfrm>
-          <a:prstGeom prst="rect">
-            <a:avLst/>
-          </a:prstGeom>
-        </p:spPr>
-        <p:txBody>
-          <a:bodyPr anchor="ctr"/>
+            <a:ext cx="8228880" cy="1142280"/>
+          </a:xfrm>
+          <a:prstGeom prst="rect">
+            <a:avLst/>
+          </a:prstGeom>
+        </p:spPr>
+        <p:txBody>
+          <a:bodyPr anchor="ctr" bIns="45000" lIns="90000" rIns="90000" tIns="45000"/>
           <a:p>
             <a:pPr algn="ctr"/>
             <a:r>
-              <a:rPr lang="lv-LV" sz="4400">
+              <a:rPr lang="en-US" sz="4400">
                 <a:solidFill>
                   <a:srgbClr val="000000"/>
                 </a:solidFill>
@@ -5619,28 +5960,28 @@
       </p:sp>
       <p:sp>
         <p:nvSpPr>
-          <p:cNvPr id="101" name="TextShape 2"/>
-          <p:cNvSpPr txBox="1"/>
+          <p:cNvPr id="95" name="CustomShape 2"/>
+          <p:cNvSpPr/>
           <p:nvPr/>
         </p:nvSpPr>
         <p:spPr>
           <a:xfrm>
             <a:off x="457200" y="1600200"/>
-            <a:ext cx="8229240" cy="4525560"/>
-          </a:xfrm>
-          <a:prstGeom prst="rect">
-            <a:avLst/>
-          </a:prstGeom>
-        </p:spPr>
-        <p:txBody>
-          <a:bodyPr/>
+            <a:ext cx="8228880" cy="4525200"/>
+          </a:xfrm>
+          <a:prstGeom prst="rect">
+            <a:avLst/>
+          </a:prstGeom>
+        </p:spPr>
+        <p:txBody>
+          <a:bodyPr bIns="45000" lIns="90000" rIns="90000" tIns="45000"/>
           <a:p>
             <a:pPr>
               <a:buFont typeface="Arial"/>
               <a:buChar char="•"/>
             </a:pPr>
             <a:r>
-              <a:rPr lang="lv-LV" sz="3200">
+              <a:rPr lang="en-US" sz="3200">
                 <a:solidFill>
                   <a:srgbClr val="000000"/>
                 </a:solidFill>
@@ -5656,7 +5997,7 @@
               <a:buChar char="•"/>
             </a:pPr>
             <a:r>
-              <a:rPr lang="lv-LV" sz="3200">
+              <a:rPr lang="en-US" sz="3200">
                 <a:solidFill>
                   <a:srgbClr val="000000"/>
                 </a:solidFill>
@@ -5670,7 +6011,7 @@
       </p:sp>
       <p:pic>
         <p:nvPicPr>
-          <p:cNvPr descr="" id="102" name="Picture 3"/>
+          <p:cNvPr descr="" id="96" name="Picture 3"/>
           <p:cNvPicPr/>
           <p:nvPr/>
         </p:nvPicPr>
@@ -5683,7 +6024,7 @@
         <p:spPr>
           <a:xfrm>
             <a:off x="4896720" y="2997000"/>
-            <a:ext cx="3419280" cy="2989080"/>
+            <a:ext cx="3418920" cy="2988720"/>
           </a:xfrm>
           <a:prstGeom prst="rect">
             <a:avLst/>
@@ -5714,25 +6055,25 @@
       </p:grpSpPr>
       <p:sp>
         <p:nvSpPr>
-          <p:cNvPr id="103" name="TextShape 1"/>
-          <p:cNvSpPr txBox="1"/>
+          <p:cNvPr id="97" name="CustomShape 1"/>
+          <p:cNvSpPr/>
           <p:nvPr/>
         </p:nvSpPr>
         <p:spPr>
           <a:xfrm>
             <a:off x="457200" y="274680"/>
-            <a:ext cx="8229240" cy="1142640"/>
-          </a:xfrm>
-          <a:prstGeom prst="rect">
-            <a:avLst/>
-          </a:prstGeom>
-        </p:spPr>
-        <p:txBody>
-          <a:bodyPr anchor="ctr"/>
+            <a:ext cx="8228880" cy="1142280"/>
+          </a:xfrm>
+          <a:prstGeom prst="rect">
+            <a:avLst/>
+          </a:prstGeom>
+        </p:spPr>
+        <p:txBody>
+          <a:bodyPr anchor="ctr" bIns="45000" lIns="90000" rIns="90000" tIns="45000"/>
           <a:p>
             <a:pPr algn="ctr"/>
             <a:r>
-              <a:rPr lang="lv-LV" sz="4400">
+              <a:rPr lang="en-US" sz="4400">
                 <a:solidFill>
                   <a:srgbClr val="000000"/>
                 </a:solidFill>
@@ -5746,28 +6087,28 @@
       </p:sp>
       <p:sp>
         <p:nvSpPr>
-          <p:cNvPr id="104" name="TextShape 2"/>
-          <p:cNvSpPr txBox="1"/>
+          <p:cNvPr id="98" name="CustomShape 2"/>
+          <p:cNvSpPr/>
           <p:nvPr/>
         </p:nvSpPr>
         <p:spPr>
           <a:xfrm>
             <a:off x="457200" y="1600200"/>
-            <a:ext cx="8229240" cy="4525560"/>
-          </a:xfrm>
-          <a:prstGeom prst="rect">
-            <a:avLst/>
-          </a:prstGeom>
-        </p:spPr>
-        <p:txBody>
-          <a:bodyPr/>
+            <a:ext cx="8228880" cy="4525200"/>
+          </a:xfrm>
+          <a:prstGeom prst="rect">
+            <a:avLst/>
+          </a:prstGeom>
+        </p:spPr>
+        <p:txBody>
+          <a:bodyPr bIns="45000" lIns="90000" rIns="90000" tIns="45000"/>
           <a:p>
             <a:pPr>
               <a:buFont typeface="Arial"/>
               <a:buChar char="•"/>
             </a:pPr>
             <a:r>
-              <a:rPr lang="lv-LV" sz="3200">
+              <a:rPr lang="en-US" sz="3200">
                 <a:solidFill>
                   <a:srgbClr val="000000"/>
                 </a:solidFill>
@@ -5783,7 +6124,7 @@
               <a:buChar char="•"/>
             </a:pPr>
             <a:r>
-              <a:rPr lang="lv-LV" sz="3200">
+              <a:rPr lang="en-US" sz="3200">
                 <a:solidFill>
                   <a:srgbClr val="000000"/>
                 </a:solidFill>
@@ -5799,7 +6140,7 @@
               <a:buChar char="•"/>
             </a:pPr>
             <a:r>
-              <a:rPr lang="lv-LV" sz="3200">
+              <a:rPr lang="en-US" sz="3200">
                 <a:solidFill>
                   <a:srgbClr val="000000"/>
                 </a:solidFill>
@@ -5813,7 +6154,7 @@
       </p:sp>
       <p:pic>
         <p:nvPicPr>
-          <p:cNvPr descr="" id="105" name="Picture 2"/>
+          <p:cNvPr descr="" id="99" name="Picture 2"/>
           <p:cNvPicPr/>
           <p:nvPr/>
         </p:nvPicPr>
@@ -5826,7 +6167,7 @@
         <p:spPr>
           <a:xfrm>
             <a:off x="5076000" y="3200760"/>
-            <a:ext cx="3621240" cy="3577320"/>
+            <a:ext cx="3620880" cy="3576960"/>
           </a:xfrm>
           <a:prstGeom prst="rect">
             <a:avLst/>
@@ -5857,25 +6198,25 @@
       </p:grpSpPr>
       <p:sp>
         <p:nvSpPr>
-          <p:cNvPr id="106" name="TextShape 1"/>
-          <p:cNvSpPr txBox="1"/>
+          <p:cNvPr id="100" name="CustomShape 1"/>
+          <p:cNvSpPr/>
           <p:nvPr/>
         </p:nvSpPr>
         <p:spPr>
           <a:xfrm>
             <a:off x="457200" y="274680"/>
-            <a:ext cx="8229240" cy="1142640"/>
-          </a:xfrm>
-          <a:prstGeom prst="rect">
-            <a:avLst/>
-          </a:prstGeom>
-        </p:spPr>
-        <p:txBody>
-          <a:bodyPr anchor="ctr"/>
+            <a:ext cx="8228880" cy="1142280"/>
+          </a:xfrm>
+          <a:prstGeom prst="rect">
+            <a:avLst/>
+          </a:prstGeom>
+        </p:spPr>
+        <p:txBody>
+          <a:bodyPr anchor="ctr" bIns="45000" lIns="90000" rIns="90000" tIns="45000"/>
           <a:p>
             <a:pPr algn="ctr"/>
             <a:r>
-              <a:rPr lang="lv-LV" sz="4400">
+              <a:rPr lang="en-US" sz="4400">
                 <a:solidFill>
                   <a:srgbClr val="000000"/>
                 </a:solidFill>
@@ -5889,7 +6230,7 @@
       </p:sp>
       <p:pic>
         <p:nvPicPr>
-          <p:cNvPr descr="" id="107" name="Picture 2"/>
+          <p:cNvPr descr="" id="101" name="Picture 2"/>
           <p:cNvPicPr/>
           <p:nvPr/>
         </p:nvPicPr>
@@ -5902,7 +6243,7 @@
         <p:spPr>
           <a:xfrm>
             <a:off x="6960240" y="4797000"/>
-            <a:ext cx="2160000" cy="1435680"/>
+            <a:ext cx="2159640" cy="1435320"/>
           </a:xfrm>
           <a:prstGeom prst="rect">
             <a:avLst/>
@@ -5933,31 +6274,31 @@
       </p:grpSpPr>
       <p:sp>
         <p:nvSpPr>
-          <p:cNvPr id="108" name="TextShape 1"/>
-          <p:cNvSpPr txBox="1"/>
+          <p:cNvPr id="102" name="CustomShape 1"/>
+          <p:cNvSpPr/>
           <p:nvPr/>
         </p:nvSpPr>
         <p:spPr>
           <a:xfrm>
             <a:off x="457200" y="274680"/>
-            <a:ext cx="8229240" cy="1142640"/>
-          </a:xfrm>
-          <a:prstGeom prst="rect">
-            <a:avLst/>
-          </a:prstGeom>
-        </p:spPr>
-        <p:txBody>
-          <a:bodyPr anchor="ctr"/>
+            <a:ext cx="8228880" cy="1142280"/>
+          </a:xfrm>
+          <a:prstGeom prst="rect">
+            <a:avLst/>
+          </a:prstGeom>
+        </p:spPr>
+        <p:txBody>
+          <a:bodyPr anchor="ctr" bIns="45000" lIns="90000" rIns="90000" tIns="45000"/>
           <a:p>
             <a:pPr algn="ctr"/>
             <a:r>
-              <a:rPr lang="lv-LV" sz="4400">
+              <a:rPr lang="en-US" sz="4400">
                 <a:solidFill>
                   <a:srgbClr val="000000"/>
                 </a:solidFill>
                 <a:latin typeface="Calibri"/>
               </a:rPr>
-              <a:t>Subscriptions: Fact</a:t>
+              <a:t>Subscriptions</a:t>
             </a:r>
             <a:endParaRPr/>
           </a:p>
@@ -5965,7 +6306,7 @@
       </p:sp>
       <p:pic>
         <p:nvPicPr>
-          <p:cNvPr descr="" id="109" name="Picture 3"/>
+          <p:cNvPr descr="" id="103" name="Picture 2"/>
           <p:cNvPicPr/>
           <p:nvPr/>
         </p:nvPicPr>
@@ -5977,8 +6318,8 @@
         </p:blipFill>
         <p:spPr>
           <a:xfrm>
-            <a:off x="566280" y="2438280"/>
-            <a:ext cx="8011440" cy="1981080"/>
+            <a:off x="6960240" y="4797000"/>
+            <a:ext cx="2159640" cy="1435320"/>
           </a:xfrm>
           <a:prstGeom prst="rect">
             <a:avLst/>
@@ -6009,128 +6350,58 @@
       </p:grpSpPr>
       <p:sp>
         <p:nvSpPr>
-          <p:cNvPr id="110" name="TextShape 1"/>
-          <p:cNvSpPr txBox="1"/>
+          <p:cNvPr id="104" name="CustomShape 1"/>
+          <p:cNvSpPr/>
           <p:nvPr/>
         </p:nvSpPr>
         <p:spPr>
           <a:xfrm>
             <a:off x="457200" y="274680"/>
-            <a:ext cx="8229240" cy="1142640"/>
-          </a:xfrm>
-          <a:prstGeom prst="rect">
-            <a:avLst/>
-          </a:prstGeom>
-        </p:spPr>
-        <p:txBody>
-          <a:bodyPr anchor="ctr"/>
+            <a:ext cx="8228880" cy="1142280"/>
+          </a:xfrm>
+          <a:prstGeom prst="rect">
+            <a:avLst/>
+          </a:prstGeom>
+        </p:spPr>
+        <p:txBody>
+          <a:bodyPr anchor="ctr" bIns="45000" lIns="90000" rIns="90000" tIns="45000"/>
           <a:p>
             <a:pPr algn="ctr"/>
             <a:r>
-              <a:rPr lang="lv-LV" sz="4400">
+              <a:rPr lang="en-US" sz="4400">
                 <a:solidFill>
                   <a:srgbClr val="000000"/>
                 </a:solidFill>
                 <a:latin typeface="Calibri"/>
               </a:rPr>
-              <a:t>Subscriptions: Business Queries</a:t>
-            </a:r>
-            <a:endParaRPr/>
-          </a:p>
-        </p:txBody>
-      </p:sp>
-      <p:sp>
-        <p:nvSpPr>
-          <p:cNvPr id="111" name="TextShape 2"/>
-          <p:cNvSpPr txBox="1"/>
+              <a:t>Subscriptions: Fact</a:t>
+            </a:r>
+            <a:endParaRPr/>
+          </a:p>
+        </p:txBody>
+      </p:sp>
+      <p:pic>
+        <p:nvPicPr>
+          <p:cNvPr descr="" id="105" name="Picture 3"/>
+          <p:cNvPicPr/>
           <p:nvPr/>
-        </p:nvSpPr>
-        <p:spPr>
-          <a:xfrm>
-            <a:off x="457200" y="1600200"/>
-            <a:ext cx="8229240" cy="4525560"/>
-          </a:xfrm>
-          <a:prstGeom prst="rect">
-            <a:avLst/>
-          </a:prstGeom>
-        </p:spPr>
-        <p:txBody>
-          <a:bodyPr/>
-          <a:p>
-            <a:pPr>
-              <a:buFont typeface="Arial"/>
-              <a:buChar char="•"/>
-            </a:pPr>
-            <a:r>
-              <a:rPr lang="lv-LV" sz="3200">
-                <a:solidFill>
-                  <a:srgbClr val="000000"/>
-                </a:solidFill>
-                <a:latin typeface="Calibri"/>
-              </a:rPr>
-              <a:t>Revenue from subscriptions by year and country</a:t>
-            </a:r>
-            <a:endParaRPr/>
-          </a:p>
-          <a:p>
-            <a:pPr>
-              <a:buFont typeface="Arial"/>
-              <a:buChar char="•"/>
-            </a:pPr>
-            <a:r>
-              <a:rPr lang="lv-LV" sz="3200">
-                <a:solidFill>
-                  <a:srgbClr val="000000"/>
-                </a:solidFill>
-                <a:latin typeface="Calibri"/>
-              </a:rPr>
-              <a:t>Top 10 least profitable cities taking into account subscription sales &amp; population</a:t>
-            </a:r>
-            <a:endParaRPr/>
-          </a:p>
-          <a:p>
-            <a:pPr>
-              <a:buFont typeface="Arial"/>
-              <a:buChar char="•"/>
-            </a:pPr>
-            <a:r>
-              <a:rPr lang="lv-LV" sz="3200">
-                <a:solidFill>
-                  <a:srgbClr val="000000"/>
-                </a:solidFill>
-                <a:latin typeface="Calibri"/>
-              </a:rPr>
-              <a:t>How much would we earn without applying discounts on subscriptions, by period type and by year?</a:t>
-            </a:r>
-            <a:endParaRPr/>
-          </a:p>
-          <a:p>
-            <a:pPr>
-              <a:buFont typeface="Arial"/>
-              <a:buChar char="•"/>
-            </a:pPr>
-            <a:r>
-              <a:rPr lang="lv-LV" sz="3200">
-                <a:solidFill>
-                  <a:srgbClr val="000000"/>
-                </a:solidFill>
-                <a:latin typeface="Calibri"/>
-              </a:rPr>
-              <a:t>Compare sales on various holidays in different countries</a:t>
-            </a:r>
-            <a:endParaRPr/>
-          </a:p>
-          <a:p>
-            <a:endParaRPr/>
-          </a:p>
-          <a:p>
-            <a:endParaRPr/>
-          </a:p>
-          <a:p>
-            <a:endParaRPr/>
-          </a:p>
-        </p:txBody>
-      </p:sp>
+        </p:nvPicPr>
+        <p:blipFill>
+          <a:blip r:embed="rId1"/>
+          <a:stretch>
+            <a:fillRect/>
+          </a:stretch>
+        </p:blipFill>
+        <p:spPr>
+          <a:xfrm>
+            <a:off x="566280" y="2438280"/>
+            <a:ext cx="8011080" cy="1980720"/>
+          </a:xfrm>
+          <a:prstGeom prst="rect">
+            <a:avLst/>
+          </a:prstGeom>
+        </p:spPr>
+      </p:pic>
     </p:spTree>
   </p:cSld>
 </p:sld>
@@ -6155,148 +6426,128 @@
       </p:grpSpPr>
       <p:sp>
         <p:nvSpPr>
-          <p:cNvPr id="112" name="TextShape 1"/>
-          <p:cNvSpPr txBox="1"/>
+          <p:cNvPr id="106" name="CustomShape 1"/>
+          <p:cNvSpPr/>
           <p:nvPr/>
         </p:nvSpPr>
         <p:spPr>
           <a:xfrm>
             <a:off x="457200" y="274680"/>
-            <a:ext cx="8229240" cy="1142640"/>
-          </a:xfrm>
-          <a:prstGeom prst="rect">
-            <a:avLst/>
-          </a:prstGeom>
-        </p:spPr>
-        <p:txBody>
-          <a:bodyPr anchor="ctr"/>
+            <a:ext cx="8228880" cy="1142280"/>
+          </a:xfrm>
+          <a:prstGeom prst="rect">
+            <a:avLst/>
+          </a:prstGeom>
+        </p:spPr>
+        <p:txBody>
+          <a:bodyPr anchor="ctr" bIns="45000" lIns="90000" rIns="90000" tIns="45000"/>
           <a:p>
             <a:pPr algn="ctr"/>
             <a:r>
-              <a:rPr lang="lv-LV" sz="4400">
+              <a:rPr lang="en-US" sz="4400">
                 <a:solidFill>
                   <a:srgbClr val="000000"/>
                 </a:solidFill>
                 <a:latin typeface="Calibri"/>
               </a:rPr>
-              <a:t>Advertising</a:t>
-            </a:r>
-            <a:endParaRPr/>
-          </a:p>
-        </p:txBody>
-      </p:sp>
-      <p:pic>
-        <p:nvPicPr>
-          <p:cNvPr descr="" id="113" name="Picture 2"/>
-          <p:cNvPicPr/>
+              <a:t>Subscriptions: Business Queries</a:t>
+            </a:r>
+            <a:endParaRPr/>
+          </a:p>
+        </p:txBody>
+      </p:sp>
+      <p:sp>
+        <p:nvSpPr>
+          <p:cNvPr id="107" name="CustomShape 2"/>
+          <p:cNvSpPr/>
           <p:nvPr/>
-        </p:nvPicPr>
-        <p:blipFill>
-          <a:blip r:embed="rId1"/>
-          <a:stretch>
-            <a:fillRect/>
-          </a:stretch>
-        </p:blipFill>
-        <p:spPr>
-          <a:xfrm>
-            <a:off x="5703120" y="1628640"/>
-            <a:ext cx="1800000" cy="1349640"/>
-          </a:xfrm>
-          <a:prstGeom prst="rect">
-            <a:avLst/>
-          </a:prstGeom>
-        </p:spPr>
-      </p:pic>
-      <p:pic>
-        <p:nvPicPr>
-          <p:cNvPr descr="" id="114" name="Picture 4"/>
-          <p:cNvPicPr/>
-          <p:nvPr/>
-        </p:nvPicPr>
-        <p:blipFill>
-          <a:blip r:embed="rId2"/>
-          <a:stretch>
-            <a:fillRect/>
-          </a:stretch>
-        </p:blipFill>
-        <p:spPr>
-          <a:xfrm>
-            <a:off x="4212000" y="3583800"/>
-            <a:ext cx="2112120" cy="1136880"/>
-          </a:xfrm>
-          <a:prstGeom prst="rect">
-            <a:avLst/>
-          </a:prstGeom>
-        </p:spPr>
-      </p:pic>
-      <p:pic>
-        <p:nvPicPr>
-          <p:cNvPr descr="" id="115" name="Picture 6"/>
-          <p:cNvPicPr/>
-          <p:nvPr/>
-        </p:nvPicPr>
-        <p:blipFill>
-          <a:blip r:embed="rId3"/>
-          <a:stretch>
-            <a:fillRect/>
-          </a:stretch>
-        </p:blipFill>
-        <p:spPr>
-          <a:xfrm>
-            <a:off x="6599880" y="3250080"/>
-            <a:ext cx="2482200" cy="1459800"/>
-          </a:xfrm>
-          <a:prstGeom prst="rect">
-            <a:avLst/>
-          </a:prstGeom>
-        </p:spPr>
-      </p:pic>
-      <p:cxnSp>
-        <p:nvCxnSpPr>
-          <p:cNvPr id="116" name="Line 2"/>
-          <p:cNvCxnSpPr/>
-          <p:nvPr/>
-        </p:nvCxnSpPr>
-        <p:spPr>
-          <xfrm>
-            <a:off x="0" y="0"/>
-            <a:ext cx="360" cy="360"/>
-          </xfrm>
-          <a:prstGeom prst="line">
-            <a:avLst/>
-          </a:prstGeom>
-          <a:ln w="9360">
-            <a:solidFill>
-              <a:srgbClr val="4a7ebb"/>
-            </a:solidFill>
-            <a:round/>
-            <a:tailEnd len="med" type="triangle" w="med"/>
-          </a:ln>
-        </p:spPr>
-      </p:cxnSp>
-      <p:cxnSp>
-        <p:nvCxnSpPr>
-          <p:cNvPr id="117" name="Line 3"/>
-          <p:cNvCxnSpPr/>
-          <p:nvPr/>
-        </p:nvCxnSpPr>
-        <p:spPr>
-          <xfrm>
-            <a:off x="0" y="0"/>
-            <a:ext cx="360" cy="360"/>
-          </xfrm>
-          <a:prstGeom prst="line">
-            <a:avLst/>
-          </a:prstGeom>
-          <a:ln w="9360">
-            <a:solidFill>
-              <a:srgbClr val="4a7ebb"/>
-            </a:solidFill>
-            <a:round/>
-            <a:tailEnd len="med" type="triangle" w="med"/>
-          </a:ln>
-        </p:spPr>
-      </p:cxnSp>
+        </p:nvSpPr>
+        <p:spPr>
+          <a:xfrm>
+            <a:off x="457200" y="1600200"/>
+            <a:ext cx="8228880" cy="4525200"/>
+          </a:xfrm>
+          <a:prstGeom prst="rect">
+            <a:avLst/>
+          </a:prstGeom>
+        </p:spPr>
+        <p:txBody>
+          <a:bodyPr bIns="45000" lIns="90000" rIns="90000" tIns="45000"/>
+          <a:p>
+            <a:pPr>
+              <a:buFont typeface="Arial"/>
+              <a:buChar char="•"/>
+            </a:pPr>
+            <a:r>
+              <a:rPr lang="en-US" sz="3200">
+                <a:solidFill>
+                  <a:srgbClr val="000000"/>
+                </a:solidFill>
+                <a:latin typeface="Calibri"/>
+              </a:rPr>
+              <a:t>Revenue from subscriptions by year and country</a:t>
+            </a:r>
+            <a:endParaRPr/>
+          </a:p>
+          <a:p>
+            <a:pPr>
+              <a:buFont typeface="Arial"/>
+              <a:buChar char="•"/>
+            </a:pPr>
+            <a:r>
+              <a:rPr lang="en-US" sz="3200">
+                <a:solidFill>
+                  <a:srgbClr val="000000"/>
+                </a:solidFill>
+                <a:latin typeface="Calibri"/>
+              </a:rPr>
+              <a:t>Top 10 least profitable cities taking into account subscription sales &amp; population</a:t>
+            </a:r>
+            <a:endParaRPr/>
+          </a:p>
+          <a:p>
+            <a:pPr>
+              <a:buFont typeface="Arial"/>
+              <a:buChar char="•"/>
+            </a:pPr>
+            <a:r>
+              <a:rPr lang="en-US" sz="3200">
+                <a:solidFill>
+                  <a:srgbClr val="000000"/>
+                </a:solidFill>
+                <a:latin typeface="Calibri"/>
+              </a:rPr>
+              <a:t>How much would we earn without applying discounts on subscriptions, by period type and by year?</a:t>
+            </a:r>
+            <a:endParaRPr/>
+          </a:p>
+          <a:p>
+            <a:pPr>
+              <a:buFont typeface="Arial"/>
+              <a:buChar char="•"/>
+            </a:pPr>
+            <a:r>
+              <a:rPr lang="en-US" sz="3200">
+                <a:solidFill>
+                  <a:srgbClr val="000000"/>
+                </a:solidFill>
+                <a:latin typeface="Calibri"/>
+              </a:rPr>
+              <a:t>Compare sales on various holidays in different countries</a:t>
+            </a:r>
+            <a:endParaRPr/>
+          </a:p>
+          <a:p>
+            <a:endParaRPr/>
+          </a:p>
+          <a:p>
+            <a:endParaRPr/>
+          </a:p>
+          <a:p>
+            <a:endParaRPr/>
+          </a:p>
+        </p:txBody>
+      </p:sp>
     </p:spTree>
   </p:cSld>
 </p:sld>

--- a/presentation/dwdm_op.pptx
+++ b/presentation/dwdm_op.pptx
@@ -32,6 +32,8 @@
     <p:sldId id="276" r:id="rId25"/>
     <p:sldId id="277" r:id="rId26"/>
     <p:sldId id="278" r:id="rId27"/>
+    <p:sldId id="279" r:id="rId28"/>
+    <p:sldId id="280" r:id="rId29"/>
   </p:sldIdLst>
   <p:sldSz cx="9144000" cy="6858000"/>
   <p:notesSz cx="6858000" cy="9144000"/>
@@ -199,7 +201,7 @@
           <a:bodyPr anchor="b" bIns="0" lIns="0" rIns="0" tIns="0" wrap="none"/>
           <a:p>
             <a:pPr algn="r"/>
-            <a:fld id="{A171C161-11E1-41B1-91D1-9171813171C1}" type="slidenum">
+            <a:fld id="{91F1D181-8141-41C1-8191-A16191A17161}" type="slidenum">
               <a:rPr lang="en-US"/>
               <a:t>&lt;number&gt;</a:t>
             </a:fld>
@@ -232,7 +234,7 @@
       </p:grpSpPr>
       <p:sp>
         <p:nvSpPr>
-          <p:cNvPr id="140" name="PlaceHolder 1"/>
+          <p:cNvPr id="150" name="PlaceHolder 1"/>
           <p:cNvSpPr>
             <a:spLocks noGrp="1"/>
           </p:cNvSpPr>
@@ -365,7 +367,7 @@
       </p:sp>
       <p:sp>
         <p:nvSpPr>
-          <p:cNvPr id="141" name="CustomShape 2"/>
+          <p:cNvPr id="151" name="CustomShape 2"/>
           <p:cNvSpPr/>
           <p:nvPr/>
         </p:nvSpPr>
@@ -381,7 +383,7 @@
         <p:txBody>
           <a:bodyPr bIns="45000" lIns="90000" rIns="90000" tIns="45000"/>
           <a:p>
-            <a:fld id="{11A1D151-D1B1-4191-B1C1-51F1E1C1E161}" type="slidenum">
+            <a:fld id="{A121C1B1-A161-4101-B131-A1E17111D131}" type="slidenum">
               <a:rPr lang="en-US">
                 <a:solidFill>
                   <a:srgbClr val="000000"/>
@@ -419,7 +421,7 @@
       </p:grpSpPr>
       <p:sp>
         <p:nvSpPr>
-          <p:cNvPr id="142" name="PlaceHolder 1"/>
+          <p:cNvPr id="152" name="PlaceHolder 1"/>
           <p:cNvSpPr>
             <a:spLocks noGrp="1"/>
           </p:cNvSpPr>
@@ -481,7 +483,7 @@
       </p:sp>
       <p:sp>
         <p:nvSpPr>
-          <p:cNvPr id="143" name="CustomShape 2"/>
+          <p:cNvPr id="153" name="CustomShape 2"/>
           <p:cNvSpPr/>
           <p:nvPr/>
         </p:nvSpPr>
@@ -497,7 +499,7 @@
         <p:txBody>
           <a:bodyPr bIns="45000" lIns="90000" rIns="90000" tIns="45000"/>
           <a:p>
-            <a:fld id="{E1413151-61A1-41E1-9131-D14181D1F1C1}" type="slidenum">
+            <a:fld id="{A1F1A111-D141-4131-A1D1-9191C1313171}" type="slidenum">
               <a:rPr lang="en-US">
                 <a:solidFill>
                   <a:srgbClr val="000000"/>
@@ -535,7 +537,7 @@
       </p:grpSpPr>
       <p:sp>
         <p:nvSpPr>
-          <p:cNvPr id="144" name="PlaceHolder 1"/>
+          <p:cNvPr id="154" name="PlaceHolder 1"/>
           <p:cNvSpPr>
             <a:spLocks noGrp="1"/>
           </p:cNvSpPr>
@@ -626,7 +628,7 @@
       </p:sp>
       <p:sp>
         <p:nvSpPr>
-          <p:cNvPr id="145" name="CustomShape 2"/>
+          <p:cNvPr id="155" name="CustomShape 2"/>
           <p:cNvSpPr/>
           <p:nvPr/>
         </p:nvSpPr>
@@ -642,7 +644,7 @@
         <p:txBody>
           <a:bodyPr bIns="45000" lIns="90000" rIns="90000" tIns="45000"/>
           <a:p>
-            <a:fld id="{71614111-C101-4191-B121-5171C1E17111}" type="slidenum">
+            <a:fld id="{71D14161-F101-4131-8181-817121A16101}" type="slidenum">
               <a:rPr lang="en-US">
                 <a:solidFill>
                   <a:srgbClr val="000000"/>
@@ -680,7 +682,7 @@
       </p:grpSpPr>
       <p:sp>
         <p:nvSpPr>
-          <p:cNvPr id="146" name="PlaceHolder 1"/>
+          <p:cNvPr id="156" name="PlaceHolder 1"/>
           <p:cNvSpPr>
             <a:spLocks noGrp="1"/>
           </p:cNvSpPr>
@@ -868,7 +870,7 @@
       </p:sp>
       <p:sp>
         <p:nvSpPr>
-          <p:cNvPr id="147" name="CustomShape 2"/>
+          <p:cNvPr id="157" name="CustomShape 2"/>
           <p:cNvSpPr/>
           <p:nvPr/>
         </p:nvSpPr>
@@ -884,7 +886,7 @@
         <p:txBody>
           <a:bodyPr bIns="45000" lIns="90000" rIns="90000" tIns="45000"/>
           <a:p>
-            <a:fld id="{71D17151-51F1-4181-91D1-31A121D17101}" type="slidenum">
+            <a:fld id="{71D12141-71C1-4181-8141-D151610161B1}" type="slidenum">
               <a:rPr lang="en-US">
                 <a:solidFill>
                   <a:srgbClr val="000000"/>
@@ -5680,6 +5682,129 @@
           </a:prstGeom>
         </p:spPr>
       </p:pic>
+      <p:sp>
+        <p:nvSpPr>
+          <p:cNvPr id="140" name="CustomShape 2"/>
+          <p:cNvSpPr/>
+          <p:nvPr/>
+        </p:nvSpPr>
+        <p:spPr>
+          <a:xfrm>
+            <a:off x="457200" y="275040"/>
+            <a:ext cx="8228880" cy="1142280"/>
+          </a:xfrm>
+          <a:prstGeom prst="rect">
+            <a:avLst/>
+          </a:prstGeom>
+        </p:spPr>
+        <p:txBody>
+          <a:bodyPr anchor="ctr" bIns="0" lIns="0" rIns="0" tIns="0" wrap="none"/>
+          <a:p>
+            <a:pPr algn="ctr"/>
+            <a:r>
+              <a:rPr lang="en-US" sz="3600"/>
+              <a:t>Interesting Bugs</a:t>
+            </a:r>
+            <a:endParaRPr/>
+          </a:p>
+        </p:txBody>
+      </p:sp>
+      <p:sp>
+        <p:nvSpPr>
+          <p:cNvPr id="141" name="CustomShape 3"/>
+          <p:cNvSpPr/>
+          <p:nvPr/>
+        </p:nvSpPr>
+        <p:spPr>
+          <a:xfrm>
+            <a:off x="457200" y="275040"/>
+            <a:ext cx="8228880" cy="1142280"/>
+          </a:xfrm>
+          <a:prstGeom prst="rect">
+            <a:avLst/>
+          </a:prstGeom>
+        </p:spPr>
+        <p:txBody>
+          <a:bodyPr anchor="ctr" bIns="0" lIns="0" rIns="0" tIns="0" wrap="none"/>
+          <a:p>
+            <a:pPr algn="ctr"/>
+            <a:r>
+              <a:rPr lang="en-US" sz="3600"/>
+              <a:t>Interesting Bugs</a:t>
+            </a:r>
+            <a:endParaRPr/>
+          </a:p>
+        </p:txBody>
+      </p:sp>
+      <p:sp>
+        <p:nvSpPr>
+          <p:cNvPr id="142" name="CustomShape 4"/>
+          <p:cNvSpPr/>
+          <p:nvPr/>
+        </p:nvSpPr>
+        <p:spPr>
+          <a:xfrm>
+            <a:off x="4663440" y="1509480"/>
+            <a:ext cx="4114080" cy="1599480"/>
+          </a:xfrm>
+          <a:prstGeom prst="rect">
+            <a:avLst/>
+          </a:prstGeom>
+        </p:spPr>
+        <p:txBody>
+          <a:bodyPr anchor="ctr" bIns="0" lIns="0" rIns="0" tIns="0" wrap="none"/>
+          <a:p>
+            <a:pPr algn="ctr"/>
+            <a:endParaRPr/>
+          </a:p>
+          <a:p>
+            <a:pPr algn="ctr"/>
+            <a:r>
+              <a:rPr lang="en-US" sz="3600"/>
+              <a:t>Description</a:t>
+            </a:r>
+            <a:endParaRPr/>
+          </a:p>
+          <a:p>
+            <a:pPr algn="ctr"/>
+            <a:r>
+              <a:rPr lang="en-US" sz="3600"/>
+              <a:t>Title</a:t>
+            </a:r>
+            <a:endParaRPr/>
+          </a:p>
+          <a:p>
+            <a:pPr algn="ctr"/>
+            <a:r>
+              <a:rPr lang="en-US" sz="3600"/>
+              <a:t>Component</a:t>
+            </a:r>
+            <a:endParaRPr/>
+          </a:p>
+        </p:txBody>
+      </p:sp>
+      <p:pic>
+        <p:nvPicPr>
+          <p:cNvPr descr="" id="143" name=""/>
+          <p:cNvPicPr/>
+          <p:nvPr/>
+        </p:nvPicPr>
+        <p:blipFill>
+          <a:blip r:embed="rId2"/>
+          <a:stretch>
+            <a:fillRect/>
+          </a:stretch>
+        </p:blipFill>
+        <p:spPr>
+          <a:xfrm>
+            <a:off x="0" y="4572000"/>
+            <a:ext cx="9143640" cy="1402560"/>
+          </a:xfrm>
+          <a:prstGeom prst="rect">
+            <a:avLst/>
+          </a:prstGeom>
+        </p:spPr>
+      </p:pic>
     </p:spTree>
   </p:cSld>
   <p:timing>
@@ -5715,6 +5840,250 @@
 </file>
 
 <file path=ppt/slides/slide23.xml><?xml version="1.0" encoding="utf-8"?>
+<p:sld xmlns:a="http://schemas.openxmlformats.org/drawingml/2006/main" xmlns:p="http://schemas.openxmlformats.org/presentationml/2006/main" xmlns:r="http://schemas.openxmlformats.org/officeDocument/2006/relationships">
+  <p:cSld>
+    <p:spTree>
+      <p:nvGrpSpPr>
+        <p:cNvPr id="1" name=""/>
+        <p:cNvGrpSpPr/>
+        <p:nvPr/>
+      </p:nvGrpSpPr>
+      <p:grpSpPr>
+        <a:xfrm>
+          <a:off x="0" y="0"/>
+          <a:ext cx="0" cy="0"/>
+          <a:chOff x="0" y="0"/>
+          <a:chExt cx="0" cy="0"/>
+        </a:xfrm>
+      </p:grpSpPr>
+      <p:sp>
+        <p:nvSpPr>
+          <p:cNvPr id="144" name="CustomShape 1"/>
+          <p:cNvSpPr/>
+          <p:nvPr/>
+        </p:nvSpPr>
+        <p:spPr>
+          <a:xfrm>
+            <a:off x="457200" y="274680"/>
+            <a:ext cx="8228880" cy="1142280"/>
+          </a:xfrm>
+          <a:prstGeom prst="rect">
+            <a:avLst/>
+          </a:prstGeom>
+        </p:spPr>
+        <p:txBody>
+          <a:bodyPr anchor="ctr" bIns="0" lIns="0" rIns="0" tIns="0" wrap="none"/>
+          <a:p>
+            <a:pPr algn="ctr"/>
+            <a:r>
+              <a:rPr lang="en-US" sz="3600"/>
+              <a:t>Open Source Tools</a:t>
+            </a:r>
+            <a:endParaRPr/>
+          </a:p>
+        </p:txBody>
+      </p:sp>
+      <p:pic>
+        <p:nvPicPr>
+          <p:cNvPr descr="" id="145" name=""/>
+          <p:cNvPicPr/>
+          <p:nvPr/>
+        </p:nvPicPr>
+        <p:blipFill>
+          <a:blip r:embed="rId1"/>
+          <a:stretch>
+            <a:fillRect/>
+          </a:stretch>
+        </p:blipFill>
+        <p:spPr>
+          <a:xfrm>
+            <a:off x="641520" y="1645920"/>
+            <a:ext cx="3107520" cy="2070360"/>
+          </a:xfrm>
+          <a:prstGeom prst="rect">
+            <a:avLst/>
+          </a:prstGeom>
+        </p:spPr>
+      </p:pic>
+      <p:pic>
+        <p:nvPicPr>
+          <p:cNvPr descr="" id="146" name=""/>
+          <p:cNvPicPr/>
+          <p:nvPr/>
+        </p:nvPicPr>
+        <p:blipFill>
+          <a:blip r:embed="rId2"/>
+          <a:stretch>
+            <a:fillRect/>
+          </a:stretch>
+        </p:blipFill>
+        <p:spPr>
+          <a:xfrm>
+            <a:off x="5852160" y="2011680"/>
+            <a:ext cx="2468880" cy="1828800"/>
+          </a:xfrm>
+          <a:prstGeom prst="rect">
+            <a:avLst/>
+          </a:prstGeom>
+        </p:spPr>
+      </p:pic>
+    </p:spTree>
+  </p:cSld>
+  <p:timing>
+    <p:tnLst>
+      <p:par>
+        <p:cTn dur="indefinite" id="29" nodeType="tmRoot" restart="never">
+          <p:childTnLst>
+            <p:seq>
+              <p:cTn id="30" nodeType="mainSeq">
+                <p:childTnLst/>
+              </p:cTn>
+              <p:prevCondLst>
+                <p:cond delay="0" evt="onPrev">
+                  <p:tgtEl>
+                    <p:sldTgt/>
+                  </p:tgtEl>
+                </p:cond>
+              </p:prevCondLst>
+              <p:nextCondLst>
+                <p:cond delay="0" evt="onNext">
+                  <p:tgtEl>
+                    <p:sldTgt/>
+                  </p:tgtEl>
+                </p:cond>
+              </p:nextCondLst>
+            </p:seq>
+          </p:childTnLst>
+        </p:cTn>
+      </p:par>
+    </p:tnLst>
+  </p:timing>
+</p:sld>
+</file>
+
+<file path=ppt/slides/slide24.xml><?xml version="1.0" encoding="utf-8"?>
+<p:sld xmlns:a="http://schemas.openxmlformats.org/drawingml/2006/main" xmlns:p="http://schemas.openxmlformats.org/presentationml/2006/main" xmlns:r="http://schemas.openxmlformats.org/officeDocument/2006/relationships">
+  <p:cSld>
+    <p:spTree>
+      <p:nvGrpSpPr>
+        <p:cNvPr id="1" name=""/>
+        <p:cNvGrpSpPr/>
+        <p:nvPr/>
+      </p:nvGrpSpPr>
+      <p:grpSpPr>
+        <a:xfrm>
+          <a:off x="0" y="0"/>
+          <a:ext cx="0" cy="0"/>
+          <a:chOff x="0" y="0"/>
+          <a:chExt cx="0" cy="0"/>
+        </a:xfrm>
+      </p:grpSpPr>
+      <p:sp>
+        <p:nvSpPr>
+          <p:cNvPr id="147" name="CustomShape 1"/>
+          <p:cNvSpPr/>
+          <p:nvPr/>
+        </p:nvSpPr>
+        <p:spPr>
+          <a:xfrm>
+            <a:off x="457200" y="274680"/>
+            <a:ext cx="8228880" cy="1142280"/>
+          </a:xfrm>
+          <a:prstGeom prst="rect">
+            <a:avLst/>
+          </a:prstGeom>
+        </p:spPr>
+        <p:txBody>
+          <a:bodyPr anchor="ctr" bIns="0" lIns="0" rIns="0" tIns="0" wrap="none"/>
+          <a:p>
+            <a:pPr algn="ctr"/>
+            <a:r>
+              <a:rPr lang="en-US" sz="3600"/>
+              <a:t>Open Source Tools</a:t>
+            </a:r>
+            <a:endParaRPr/>
+          </a:p>
+        </p:txBody>
+      </p:sp>
+      <p:pic>
+        <p:nvPicPr>
+          <p:cNvPr descr="" id="148" name=""/>
+          <p:cNvPicPr/>
+          <p:nvPr/>
+        </p:nvPicPr>
+        <p:blipFill>
+          <a:blip r:embed="rId1"/>
+          <a:stretch>
+            <a:fillRect/>
+          </a:stretch>
+        </p:blipFill>
+        <p:spPr>
+          <a:xfrm>
+            <a:off x="641520" y="1645920"/>
+            <a:ext cx="3107520" cy="2070360"/>
+          </a:xfrm>
+          <a:prstGeom prst="rect">
+            <a:avLst/>
+          </a:prstGeom>
+        </p:spPr>
+      </p:pic>
+      <p:pic>
+        <p:nvPicPr>
+          <p:cNvPr descr="" id="149" name=""/>
+          <p:cNvPicPr/>
+          <p:nvPr/>
+        </p:nvPicPr>
+        <p:blipFill>
+          <a:blip r:embed="rId2"/>
+          <a:stretch>
+            <a:fillRect/>
+          </a:stretch>
+        </p:blipFill>
+        <p:spPr>
+          <a:xfrm>
+            <a:off x="5852160" y="2011680"/>
+            <a:ext cx="2468880" cy="1828800"/>
+          </a:xfrm>
+          <a:prstGeom prst="rect">
+            <a:avLst/>
+          </a:prstGeom>
+        </p:spPr>
+      </p:pic>
+    </p:spTree>
+  </p:cSld>
+  <p:timing>
+    <p:tnLst>
+      <p:par>
+        <p:cTn dur="indefinite" id="31" nodeType="tmRoot" restart="never">
+          <p:childTnLst>
+            <p:seq>
+              <p:cTn id="32" nodeType="mainSeq">
+                <p:childTnLst/>
+              </p:cTn>
+              <p:prevCondLst>
+                <p:cond delay="0" evt="onPrev">
+                  <p:tgtEl>
+                    <p:sldTgt/>
+                  </p:tgtEl>
+                </p:cond>
+              </p:prevCondLst>
+              <p:nextCondLst>
+                <p:cond delay="0" evt="onNext">
+                  <p:tgtEl>
+                    <p:sldTgt/>
+                  </p:tgtEl>
+                </p:cond>
+              </p:nextCondLst>
+            </p:seq>
+          </p:childTnLst>
+        </p:cTn>
+      </p:par>
+    </p:tnLst>
+  </p:timing>
+</p:sld>
+</file>
+
+<file path=ppt/slides/slide25.xml><?xml version="1.0" encoding="utf-8"?>
 <p:sld xmlns:a="http://schemas.openxmlformats.org/drawingml/2006/main" xmlns:p="http://schemas.openxmlformats.org/presentationml/2006/main" xmlns:r="http://schemas.openxmlformats.org/officeDocument/2006/relationships">
   <p:cSld>
     <p:spTree>

--- a/presentation/dwdm_op.pptx
+++ b/presentation/dwdm_op.pptx
@@ -34,6 +34,11 @@
     <p:sldId id="278" r:id="rId27"/>
     <p:sldId id="279" r:id="rId28"/>
     <p:sldId id="280" r:id="rId29"/>
+    <p:sldId id="281" r:id="rId30"/>
+    <p:sldId id="282" r:id="rId31"/>
+    <p:sldId id="283" r:id="rId32"/>
+    <p:sldId id="284" r:id="rId33"/>
+    <p:sldId id="285" r:id="rId34"/>
   </p:sldIdLst>
   <p:sldSz cx="9144000" cy="6858000"/>
   <p:notesSz cx="6858000" cy="9144000"/>
@@ -201,7 +206,7 @@
           <a:bodyPr anchor="b" bIns="0" lIns="0" rIns="0" tIns="0" wrap="none"/>
           <a:p>
             <a:pPr algn="r"/>
-            <a:fld id="{91F1D181-8141-41C1-8191-A16191A17161}" type="slidenum">
+            <a:fld id="{B1510181-11B1-41F1-81B1-B1517141E1B1}" type="slidenum">
               <a:rPr lang="en-US"/>
               <a:t>&lt;number&gt;</a:t>
             </a:fld>
@@ -234,7 +239,7 @@
       </p:grpSpPr>
       <p:sp>
         <p:nvSpPr>
-          <p:cNvPr id="150" name="PlaceHolder 1"/>
+          <p:cNvPr id="162" name="PlaceHolder 1"/>
           <p:cNvSpPr>
             <a:spLocks noGrp="1"/>
           </p:cNvSpPr>
@@ -367,7 +372,7 @@
       </p:sp>
       <p:sp>
         <p:nvSpPr>
-          <p:cNvPr id="151" name="CustomShape 2"/>
+          <p:cNvPr id="163" name="CustomShape 2"/>
           <p:cNvSpPr/>
           <p:nvPr/>
         </p:nvSpPr>
@@ -383,7 +388,7 @@
         <p:txBody>
           <a:bodyPr bIns="45000" lIns="90000" rIns="90000" tIns="45000"/>
           <a:p>
-            <a:fld id="{A121C1B1-A161-4101-B131-A1E17111D131}" type="slidenum">
+            <a:fld id="{61514101-8171-4121-A1B1-A1D171B1D101}" type="slidenum">
               <a:rPr lang="en-US">
                 <a:solidFill>
                   <a:srgbClr val="000000"/>
@@ -421,7 +426,7 @@
       </p:grpSpPr>
       <p:sp>
         <p:nvSpPr>
-          <p:cNvPr id="152" name="PlaceHolder 1"/>
+          <p:cNvPr id="164" name="PlaceHolder 1"/>
           <p:cNvSpPr>
             <a:spLocks noGrp="1"/>
           </p:cNvSpPr>
@@ -483,7 +488,7 @@
       </p:sp>
       <p:sp>
         <p:nvSpPr>
-          <p:cNvPr id="153" name="CustomShape 2"/>
+          <p:cNvPr id="165" name="CustomShape 2"/>
           <p:cNvSpPr/>
           <p:nvPr/>
         </p:nvSpPr>
@@ -499,7 +504,7 @@
         <p:txBody>
           <a:bodyPr bIns="45000" lIns="90000" rIns="90000" tIns="45000"/>
           <a:p>
-            <a:fld id="{A1F1A111-D141-4131-A1D1-9191C1313171}" type="slidenum">
+            <a:fld id="{E1617191-21D1-41B1-81D1-21B1C1A11121}" type="slidenum">
               <a:rPr lang="en-US">
                 <a:solidFill>
                   <a:srgbClr val="000000"/>
@@ -537,7 +542,7 @@
       </p:grpSpPr>
       <p:sp>
         <p:nvSpPr>
-          <p:cNvPr id="154" name="PlaceHolder 1"/>
+          <p:cNvPr id="166" name="PlaceHolder 1"/>
           <p:cNvSpPr>
             <a:spLocks noGrp="1"/>
           </p:cNvSpPr>
@@ -628,7 +633,7 @@
       </p:sp>
       <p:sp>
         <p:nvSpPr>
-          <p:cNvPr id="155" name="CustomShape 2"/>
+          <p:cNvPr id="167" name="CustomShape 2"/>
           <p:cNvSpPr/>
           <p:nvPr/>
         </p:nvSpPr>
@@ -644,7 +649,7 @@
         <p:txBody>
           <a:bodyPr bIns="45000" lIns="90000" rIns="90000" tIns="45000"/>
           <a:p>
-            <a:fld id="{71D14161-F101-4131-8181-817121A16101}" type="slidenum">
+            <a:fld id="{1161C131-51B1-41E1-B131-D141014161B1}" type="slidenum">
               <a:rPr lang="en-US">
                 <a:solidFill>
                   <a:srgbClr val="000000"/>
@@ -682,7 +687,7 @@
       </p:grpSpPr>
       <p:sp>
         <p:nvSpPr>
-          <p:cNvPr id="156" name="PlaceHolder 1"/>
+          <p:cNvPr id="168" name="PlaceHolder 1"/>
           <p:cNvSpPr>
             <a:spLocks noGrp="1"/>
           </p:cNvSpPr>
@@ -870,7 +875,7 @@
       </p:sp>
       <p:sp>
         <p:nvSpPr>
-          <p:cNvPr id="157" name="CustomShape 2"/>
+          <p:cNvPr id="169" name="CustomShape 2"/>
           <p:cNvSpPr/>
           <p:nvPr/>
         </p:nvSpPr>
@@ -886,7 +891,7 @@
         <p:txBody>
           <a:bodyPr bIns="45000" lIns="90000" rIns="90000" tIns="45000"/>
           <a:p>
-            <a:fld id="{71D12141-71C1-4181-8141-D151610161B1}" type="slidenum">
+            <a:fld id="{8131A1A1-8141-4141-91B1-51E1E1412161}" type="slidenum">
               <a:rPr lang="en-US">
                 <a:solidFill>
                   <a:srgbClr val="000000"/>
@@ -5760,7 +5765,15 @@
           <a:p>
             <a:pPr algn="ctr"/>
             <a:r>
-              <a:rPr lang="en-US" sz="3600"/>
+              <a:rPr i="1" lang="en-US" sz="3600"/>
+              <a:t>Classification</a:t>
+            </a:r>
+            <a:endParaRPr/>
+          </a:p>
+          <a:p>
+            <a:pPr algn="ctr"/>
+            <a:r>
+              <a:rPr b="1" lang="en-US" sz="2800"/>
               <a:t>Description</a:t>
             </a:r>
             <a:endParaRPr/>
@@ -5768,7 +5781,7 @@
           <a:p>
             <a:pPr algn="ctr"/>
             <a:r>
-              <a:rPr lang="en-US" sz="3600"/>
+              <a:rPr b="1" lang="en-US" sz="2800"/>
               <a:t>Title</a:t>
             </a:r>
             <a:endParaRPr/>
@@ -5776,7 +5789,7 @@
           <a:p>
             <a:pPr algn="ctr"/>
             <a:r>
-              <a:rPr lang="en-US" sz="3600"/>
+              <a:rPr b="1" lang="en-US" sz="2800"/>
               <a:t>Component</a:t>
             </a:r>
             <a:endParaRPr/>
@@ -5897,30 +5910,8 @@
         </p:blipFill>
         <p:spPr>
           <a:xfrm>
-            <a:off x="641520" y="1645920"/>
-            <a:ext cx="3107520" cy="2070360"/>
-          </a:xfrm>
-          <a:prstGeom prst="rect">
-            <a:avLst/>
-          </a:prstGeom>
-        </p:spPr>
-      </p:pic>
-      <p:pic>
-        <p:nvPicPr>
-          <p:cNvPr descr="" id="146" name=""/>
-          <p:cNvPicPr/>
-          <p:nvPr/>
-        </p:nvPicPr>
-        <p:blipFill>
-          <a:blip r:embed="rId2"/>
-          <a:stretch>
-            <a:fillRect/>
-          </a:stretch>
-        </p:blipFill>
-        <p:spPr>
-          <a:xfrm>
-            <a:off x="5852160" y="2011680"/>
-            <a:ext cx="2468880" cy="1828800"/>
+            <a:off x="633240" y="201600"/>
+            <a:ext cx="7918200" cy="6485400"/>
           </a:xfrm>
           <a:prstGeom prst="rect">
             <a:avLst/>
@@ -5978,36 +5969,9 @@
           <a:chExt cx="0" cy="0"/>
         </a:xfrm>
       </p:grpSpPr>
-      <p:sp>
-        <p:nvSpPr>
-          <p:cNvPr id="147" name="CustomShape 1"/>
-          <p:cNvSpPr/>
-          <p:nvPr/>
-        </p:nvSpPr>
-        <p:spPr>
-          <a:xfrm>
-            <a:off x="457200" y="274680"/>
-            <a:ext cx="8228880" cy="1142280"/>
-          </a:xfrm>
-          <a:prstGeom prst="rect">
-            <a:avLst/>
-          </a:prstGeom>
-        </p:spPr>
-        <p:txBody>
-          <a:bodyPr anchor="ctr" bIns="0" lIns="0" rIns="0" tIns="0" wrap="none"/>
-          <a:p>
-            <a:pPr algn="ctr"/>
-            <a:r>
-              <a:rPr lang="en-US" sz="3600"/>
-              <a:t>Open Source Tools</a:t>
-            </a:r>
-            <a:endParaRPr/>
-          </a:p>
-        </p:txBody>
-      </p:sp>
       <p:pic>
         <p:nvPicPr>
-          <p:cNvPr descr="" id="148" name=""/>
+          <p:cNvPr descr="" id="146" name=""/>
           <p:cNvPicPr/>
           <p:nvPr/>
         </p:nvPicPr>
@@ -6019,14 +5983,139 @@
         </p:blipFill>
         <p:spPr>
           <a:xfrm>
-            <a:off x="641520" y="1645920"/>
-            <a:ext cx="3107520" cy="2070360"/>
+            <a:off x="633240" y="201600"/>
+            <a:ext cx="7918200" cy="6485400"/>
           </a:xfrm>
           <a:prstGeom prst="rect">
             <a:avLst/>
           </a:prstGeom>
         </p:spPr>
       </p:pic>
+    </p:spTree>
+  </p:cSld>
+</p:sld>
+</file>
+
+<file path=ppt/slides/slide25.xml><?xml version="1.0" encoding="utf-8"?>
+<p:sld xmlns:a="http://schemas.openxmlformats.org/drawingml/2006/main" xmlns:p="http://schemas.openxmlformats.org/presentationml/2006/main" xmlns:r="http://schemas.openxmlformats.org/officeDocument/2006/relationships">
+  <p:cSld>
+    <p:spTree>
+      <p:nvGrpSpPr>
+        <p:cNvPr id="1" name=""/>
+        <p:cNvGrpSpPr/>
+        <p:nvPr/>
+      </p:nvGrpSpPr>
+      <p:grpSpPr>
+        <a:xfrm>
+          <a:off x="0" y="0"/>
+          <a:ext cx="0" cy="0"/>
+          <a:chOff x="0" y="0"/>
+          <a:chExt cx="0" cy="0"/>
+        </a:xfrm>
+      </p:grpSpPr>
+      <p:pic>
+        <p:nvPicPr>
+          <p:cNvPr descr="" id="147" name=""/>
+          <p:cNvPicPr/>
+          <p:nvPr/>
+        </p:nvPicPr>
+        <p:blipFill>
+          <a:blip r:embed="rId1"/>
+          <a:stretch>
+            <a:fillRect/>
+          </a:stretch>
+        </p:blipFill>
+        <p:spPr>
+          <a:xfrm>
+            <a:off x="1319760" y="27360"/>
+            <a:ext cx="6545520" cy="6857640"/>
+          </a:xfrm>
+          <a:prstGeom prst="rect">
+            <a:avLst/>
+          </a:prstGeom>
+        </p:spPr>
+      </p:pic>
+    </p:spTree>
+  </p:cSld>
+</p:sld>
+</file>
+
+<file path=ppt/slides/slide26.xml><?xml version="1.0" encoding="utf-8"?>
+<p:sld xmlns:a="http://schemas.openxmlformats.org/drawingml/2006/main" xmlns:p="http://schemas.openxmlformats.org/presentationml/2006/main" xmlns:r="http://schemas.openxmlformats.org/officeDocument/2006/relationships">
+  <p:cSld>
+    <p:spTree>
+      <p:nvGrpSpPr>
+        <p:cNvPr id="1" name=""/>
+        <p:cNvGrpSpPr/>
+        <p:nvPr/>
+      </p:nvGrpSpPr>
+      <p:grpSpPr>
+        <a:xfrm>
+          <a:off x="0" y="0"/>
+          <a:ext cx="0" cy="0"/>
+          <a:chOff x="0" y="0"/>
+          <a:chExt cx="0" cy="0"/>
+        </a:xfrm>
+      </p:grpSpPr>
+      <p:sp>
+        <p:nvSpPr>
+          <p:cNvPr id="148" name="CustomShape 1"/>
+          <p:cNvSpPr/>
+          <p:nvPr/>
+        </p:nvSpPr>
+        <p:spPr>
+          <a:xfrm>
+            <a:off x="5670000" y="2423880"/>
+            <a:ext cx="3291120" cy="1142280"/>
+          </a:xfrm>
+          <a:prstGeom prst="rect">
+            <a:avLst/>
+          </a:prstGeom>
+        </p:spPr>
+        <p:txBody>
+          <a:bodyPr anchor="ctr" bIns="0" lIns="0" rIns="0" tIns="0" wrap="none"/>
+          <a:p>
+            <a:pPr algn="ctr"/>
+            <a:r>
+              <a:rPr lang="en-US" sz="3600"/>
+              <a:t>Bug duration</a:t>
+            </a:r>
+            <a:endParaRPr/>
+          </a:p>
+          <a:p>
+            <a:pPr algn="ctr"/>
+            <a:r>
+              <a:rPr lang="en-US" sz="3600"/>
+              <a:t>Nulls</a:t>
+            </a:r>
+            <a:endParaRPr/>
+          </a:p>
+          <a:p>
+            <a:pPr algn="ctr"/>
+            <a:r>
+              <a:rPr lang="en-US" sz="3600"/>
+              <a:t>172 +/- 100</a:t>
+            </a:r>
+            <a:endParaRPr/>
+          </a:p>
+          <a:p>
+            <a:pPr algn="ctr"/>
+            <a:endParaRPr/>
+          </a:p>
+          <a:p>
+            <a:pPr algn="ctr"/>
+            <a:r>
+              <a:rPr lang="en-US" sz="3600"/>
+              <a:t>Slow learning</a:t>
+            </a:r>
+            <a:endParaRPr/>
+          </a:p>
+          <a:p>
+            <a:pPr algn="ctr"/>
+            <a:endParaRPr/>
+          </a:p>
+        </p:txBody>
+      </p:sp>
       <p:pic>
         <p:nvPicPr>
           <p:cNvPr descr="" id="149" name=""/>
@@ -6034,21 +6123,48 @@
           <p:nvPr/>
         </p:nvPicPr>
         <p:blipFill>
-          <a:blip r:embed="rId2"/>
+          <a:blip r:embed="rId1"/>
           <a:stretch>
             <a:fillRect/>
           </a:stretch>
         </p:blipFill>
         <p:spPr>
           <a:xfrm>
-            <a:off x="5852160" y="2011680"/>
-            <a:ext cx="2468880" cy="1828800"/>
+            <a:off x="0" y="1097280"/>
+            <a:ext cx="5767560" cy="5763240"/>
           </a:xfrm>
           <a:prstGeom prst="rect">
             <a:avLst/>
           </a:prstGeom>
         </p:spPr>
       </p:pic>
+      <p:sp>
+        <p:nvSpPr>
+          <p:cNvPr id="150" name="CustomShape 2"/>
+          <p:cNvSpPr/>
+          <p:nvPr/>
+        </p:nvSpPr>
+        <p:spPr>
+          <a:xfrm>
+            <a:off x="457200" y="137880"/>
+            <a:ext cx="8228880" cy="1142280"/>
+          </a:xfrm>
+          <a:prstGeom prst="rect">
+            <a:avLst/>
+          </a:prstGeom>
+        </p:spPr>
+        <p:txBody>
+          <a:bodyPr anchor="ctr" bIns="0" lIns="0" rIns="0" tIns="0" wrap="none"/>
+          <a:p>
+            <a:pPr algn="ctr"/>
+            <a:r>
+              <a:rPr lang="en-US" sz="3600"/>
+              <a:t>Prediction</a:t>
+            </a:r>
+            <a:endParaRPr/>
+          </a:p>
+        </p:txBody>
+      </p:sp>
     </p:spTree>
   </p:cSld>
   <p:timing>
@@ -6083,7 +6199,7 @@
 </p:sld>
 </file>
 
-<file path=ppt/slides/slide25.xml><?xml version="1.0" encoding="utf-8"?>
+<file path=ppt/slides/slide27.xml><?xml version="1.0" encoding="utf-8"?>
 <p:sld xmlns:a="http://schemas.openxmlformats.org/drawingml/2006/main" xmlns:p="http://schemas.openxmlformats.org/presentationml/2006/main" xmlns:r="http://schemas.openxmlformats.org/officeDocument/2006/relationships">
   <p:cSld>
     <p:spTree>
@@ -6100,6 +6216,493 @@
           <a:chExt cx="0" cy="0"/>
         </a:xfrm>
       </p:grpSpPr>
+      <p:sp>
+        <p:nvSpPr>
+          <p:cNvPr id="151" name="CustomShape 1"/>
+          <p:cNvSpPr/>
+          <p:nvPr/>
+        </p:nvSpPr>
+        <p:spPr>
+          <a:xfrm>
+            <a:off x="5760720" y="4206240"/>
+            <a:ext cx="3200400" cy="91440"/>
+          </a:xfrm>
+          <a:prstGeom prst="rect">
+            <a:avLst/>
+          </a:prstGeom>
+        </p:spPr>
+        <p:txBody>
+          <a:bodyPr anchor="ctr" bIns="0" lIns="0" rIns="0" tIns="0" wrap="none"/>
+          <a:p>
+            <a:pPr algn="ctr"/>
+            <a:endParaRPr/>
+          </a:p>
+          <a:p>
+            <a:pPr algn="ctr"/>
+            <a:r>
+              <a:rPr lang="en-US" sz="3600"/>
+              <a:t>Nulls are easy</a:t>
+            </a:r>
+            <a:endParaRPr/>
+          </a:p>
+          <a:p>
+            <a:pPr algn="ctr"/>
+            <a:r>
+              <a:rPr b="1" lang="en-US" sz="3600"/>
+              <a:t>No Nulls</a:t>
+            </a:r>
+            <a:endParaRPr/>
+          </a:p>
+          <a:p>
+            <a:pPr algn="ctr"/>
+            <a:r>
+              <a:rPr b="1" lang="en-US" sz="3600"/>
+              <a:t>79,4 to 64,8 </a:t>
+            </a:r>
+            <a:endParaRPr/>
+          </a:p>
+          <a:p>
+            <a:pPr algn="ctr"/>
+            <a:endParaRPr/>
+          </a:p>
+          <a:p>
+            <a:pPr algn="ctr"/>
+            <a:endParaRPr/>
+          </a:p>
+          <a:p>
+            <a:pPr algn="ctr"/>
+            <a:endParaRPr/>
+          </a:p>
+          <a:p>
+            <a:pPr algn="ctr"/>
+            <a:endParaRPr/>
+          </a:p>
+          <a:p>
+            <a:pPr algn="ctr"/>
+            <a:endParaRPr/>
+          </a:p>
+        </p:txBody>
+      </p:sp>
+      <p:sp>
+        <p:nvSpPr>
+          <p:cNvPr id="152" name="CustomShape 2"/>
+          <p:cNvSpPr/>
+          <p:nvPr/>
+        </p:nvSpPr>
+        <p:spPr>
+          <a:xfrm>
+            <a:off x="457200" y="137880"/>
+            <a:ext cx="8228880" cy="1142280"/>
+          </a:xfrm>
+          <a:prstGeom prst="rect">
+            <a:avLst/>
+          </a:prstGeom>
+        </p:spPr>
+        <p:txBody>
+          <a:bodyPr anchor="ctr" bIns="0" lIns="0" rIns="0" tIns="0" wrap="none"/>
+          <a:p>
+            <a:pPr algn="ctr"/>
+            <a:r>
+              <a:rPr lang="en-US" sz="3600"/>
+              <a:t>Component classification with Weka</a:t>
+            </a:r>
+            <a:endParaRPr/>
+          </a:p>
+        </p:txBody>
+      </p:sp>
+      <p:pic>
+        <p:nvPicPr>
+          <p:cNvPr descr="" id="153" name=""/>
+          <p:cNvPicPr/>
+          <p:nvPr/>
+        </p:nvPicPr>
+        <p:blipFill>
+          <a:blip r:embed="rId1"/>
+          <a:stretch>
+            <a:fillRect/>
+          </a:stretch>
+        </p:blipFill>
+        <p:spPr>
+          <a:xfrm>
+            <a:off x="0" y="1463040"/>
+            <a:ext cx="5394960" cy="4663440"/>
+          </a:xfrm>
+          <a:prstGeom prst="rect">
+            <a:avLst/>
+          </a:prstGeom>
+        </p:spPr>
+      </p:pic>
+    </p:spTree>
+  </p:cSld>
+  <p:timing>
+    <p:tnLst>
+      <p:par>
+        <p:cTn dur="indefinite" id="33" nodeType="tmRoot" restart="never">
+          <p:childTnLst>
+            <p:seq>
+              <p:cTn id="34" nodeType="mainSeq">
+                <p:childTnLst/>
+              </p:cTn>
+              <p:prevCondLst>
+                <p:cond delay="0" evt="onPrev">
+                  <p:tgtEl>
+                    <p:sldTgt/>
+                  </p:tgtEl>
+                </p:cond>
+              </p:prevCondLst>
+              <p:nextCondLst>
+                <p:cond delay="0" evt="onNext">
+                  <p:tgtEl>
+                    <p:sldTgt/>
+                  </p:tgtEl>
+                </p:cond>
+              </p:nextCondLst>
+            </p:seq>
+          </p:childTnLst>
+        </p:cTn>
+      </p:par>
+    </p:tnLst>
+  </p:timing>
+</p:sld>
+</file>
+
+<file path=ppt/slides/slide28.xml><?xml version="1.0" encoding="utf-8"?>
+<p:sld xmlns:a="http://schemas.openxmlformats.org/drawingml/2006/main" xmlns:p="http://schemas.openxmlformats.org/presentationml/2006/main" xmlns:r="http://schemas.openxmlformats.org/officeDocument/2006/relationships">
+  <p:cSld>
+    <p:spTree>
+      <p:nvGrpSpPr>
+        <p:cNvPr id="1" name=""/>
+        <p:cNvGrpSpPr/>
+        <p:nvPr/>
+      </p:nvGrpSpPr>
+      <p:grpSpPr>
+        <a:xfrm>
+          <a:off x="0" y="0"/>
+          <a:ext cx="0" cy="0"/>
+          <a:chOff x="0" y="0"/>
+          <a:chExt cx="0" cy="0"/>
+        </a:xfrm>
+      </p:grpSpPr>
+      <p:sp>
+        <p:nvSpPr>
+          <p:cNvPr id="154" name="CustomShape 1"/>
+          <p:cNvSpPr/>
+          <p:nvPr/>
+        </p:nvSpPr>
+        <p:spPr>
+          <a:xfrm>
+            <a:off x="457200" y="274680"/>
+            <a:ext cx="8228880" cy="1142280"/>
+          </a:xfrm>
+          <a:prstGeom prst="rect">
+            <a:avLst/>
+          </a:prstGeom>
+        </p:spPr>
+        <p:txBody>
+          <a:bodyPr anchor="ctr" bIns="0" lIns="0" rIns="0" tIns="0" wrap="none"/>
+          <a:p>
+            <a:pPr algn="ctr"/>
+            <a:r>
+              <a:rPr lang="en-US" sz="3600"/>
+              <a:t>Developer classification in Weka</a:t>
+            </a:r>
+            <a:endParaRPr/>
+          </a:p>
+        </p:txBody>
+      </p:sp>
+      <p:pic>
+        <p:nvPicPr>
+          <p:cNvPr descr="" id="155" name=""/>
+          <p:cNvPicPr/>
+          <p:nvPr/>
+        </p:nvPicPr>
+        <p:blipFill>
+          <a:blip r:embed="rId1"/>
+          <a:stretch>
+            <a:fillRect/>
+          </a:stretch>
+        </p:blipFill>
+        <p:spPr>
+          <a:xfrm>
+            <a:off x="-6840" y="1188720"/>
+            <a:ext cx="6590520" cy="5758200"/>
+          </a:xfrm>
+          <a:prstGeom prst="rect">
+            <a:avLst/>
+          </a:prstGeom>
+        </p:spPr>
+      </p:pic>
+      <p:sp>
+        <p:nvSpPr>
+          <p:cNvPr id="156" name="CustomShape 2"/>
+          <p:cNvSpPr/>
+          <p:nvPr/>
+        </p:nvSpPr>
+        <p:spPr>
+          <a:xfrm>
+            <a:off x="6675120" y="3749040"/>
+            <a:ext cx="2468160" cy="776520"/>
+          </a:xfrm>
+          <a:prstGeom prst="rect">
+            <a:avLst/>
+          </a:prstGeom>
+        </p:spPr>
+        <p:txBody>
+          <a:bodyPr anchor="ctr" bIns="0" lIns="0" rIns="0" tIns="0" wrap="none"/>
+          <a:p>
+            <a:pPr algn="ctr"/>
+            <a:r>
+              <a:rPr lang="en-US" sz="3600"/>
+              <a:t>77,9 to 55%</a:t>
+            </a:r>
+            <a:endParaRPr/>
+          </a:p>
+          <a:p>
+            <a:pPr algn="ctr"/>
+            <a:endParaRPr/>
+          </a:p>
+          <a:p>
+            <a:pPr algn="ctr"/>
+            <a:r>
+              <a:rPr lang="en-US" sz="3600"/>
+              <a:t>With </a:t>
+            </a:r>
+            <a:endParaRPr/>
+          </a:p>
+          <a:p>
+            <a:pPr algn="ctr"/>
+            <a:r>
+              <a:rPr lang="en-US" sz="3600"/>
+              <a:t>vs</a:t>
+            </a:r>
+            <a:endParaRPr/>
+          </a:p>
+          <a:p>
+            <a:pPr algn="ctr"/>
+            <a:r>
+              <a:rPr lang="en-US" sz="3600"/>
+              <a:t>Without </a:t>
+            </a:r>
+            <a:endParaRPr/>
+          </a:p>
+          <a:p>
+            <a:pPr algn="ctr"/>
+            <a:r>
+              <a:rPr lang="en-US" sz="3600"/>
+              <a:t>Null</a:t>
+            </a:r>
+            <a:endParaRPr/>
+          </a:p>
+        </p:txBody>
+      </p:sp>
+      <p:sp>
+        <p:nvSpPr>
+          <p:cNvPr id="157" name="CustomShape 3"/>
+          <p:cNvSpPr/>
+          <p:nvPr/>
+        </p:nvSpPr>
+        <p:spPr>
+          <a:xfrm>
+            <a:off x="7964640" y="4592880"/>
+            <a:ext cx="5211360" cy="1142280"/>
+          </a:xfrm>
+          <a:prstGeom prst="rect">
+            <a:avLst/>
+          </a:prstGeom>
+        </p:spPr>
+        <p:txBody>
+          <a:bodyPr anchor="ctr" bIns="0" lIns="0" rIns="0" tIns="0" wrap="none"/>
+          <a:p>
+            <a:pPr algn="ctr"/>
+            <a:r>
+              <a:rPr lang="en-US" sz="3600"/>
+              <a:t>77,9 to 55</a:t>
+            </a:r>
+            <a:endParaRPr/>
+          </a:p>
+        </p:txBody>
+      </p:sp>
+    </p:spTree>
+  </p:cSld>
+  <p:timing>
+    <p:tnLst>
+      <p:par>
+        <p:cTn dur="indefinite" id="35" nodeType="tmRoot" restart="never">
+          <p:childTnLst>
+            <p:seq>
+              <p:cTn id="36" nodeType="mainSeq">
+                <p:childTnLst/>
+              </p:cTn>
+              <p:prevCondLst>
+                <p:cond delay="0" evt="onPrev">
+                  <p:tgtEl>
+                    <p:sldTgt/>
+                  </p:tgtEl>
+                </p:cond>
+              </p:prevCondLst>
+              <p:nextCondLst>
+                <p:cond delay="0" evt="onNext">
+                  <p:tgtEl>
+                    <p:sldTgt/>
+                  </p:tgtEl>
+                </p:cond>
+              </p:nextCondLst>
+            </p:seq>
+          </p:childTnLst>
+        </p:cTn>
+      </p:par>
+    </p:tnLst>
+  </p:timing>
+</p:sld>
+</file>
+
+<file path=ppt/slides/slide29.xml><?xml version="1.0" encoding="utf-8"?>
+<p:sld xmlns:a="http://schemas.openxmlformats.org/drawingml/2006/main" xmlns:p="http://schemas.openxmlformats.org/presentationml/2006/main" xmlns:r="http://schemas.openxmlformats.org/officeDocument/2006/relationships">
+  <p:cSld>
+    <p:spTree>
+      <p:nvGrpSpPr>
+        <p:cNvPr id="1" name=""/>
+        <p:cNvGrpSpPr/>
+        <p:nvPr/>
+      </p:nvGrpSpPr>
+      <p:grpSpPr>
+        <a:xfrm>
+          <a:off x="0" y="0"/>
+          <a:ext cx="0" cy="0"/>
+          <a:chOff x="0" y="0"/>
+          <a:chExt cx="0" cy="0"/>
+        </a:xfrm>
+      </p:grpSpPr>
+      <p:sp>
+        <p:nvSpPr>
+          <p:cNvPr id="158" name="TextShape 1"/>
+          <p:cNvSpPr txBox="1"/>
+          <p:nvPr/>
+        </p:nvSpPr>
+        <p:spPr>
+          <a:xfrm>
+            <a:off x="457200" y="273600"/>
+            <a:ext cx="8229240" cy="1144800"/>
+          </a:xfrm>
+          <a:prstGeom prst="rect">
+            <a:avLst/>
+          </a:prstGeom>
+        </p:spPr>
+        <p:txBody>
+          <a:bodyPr anchor="ctr" bIns="0" lIns="0" rIns="0" tIns="0" wrap="none"/>
+          <a:p>
+            <a:pPr algn="ctr"/>
+            <a:r>
+              <a:rPr lang="en-US"/>
+              <a:t>Summary - Brainstorming</a:t>
+            </a:r>
+            <a:endParaRPr/>
+          </a:p>
+        </p:txBody>
+      </p:sp>
+      <p:sp>
+        <p:nvSpPr>
+          <p:cNvPr id="159" name="TextShape 2"/>
+          <p:cNvSpPr txBox="1"/>
+          <p:nvPr/>
+        </p:nvSpPr>
+        <p:spPr>
+          <a:xfrm>
+            <a:off x="457200" y="1604520"/>
+            <a:ext cx="8229240" cy="4525920"/>
+          </a:xfrm>
+          <a:prstGeom prst="rect">
+            <a:avLst/>
+          </a:prstGeom>
+        </p:spPr>
+        <p:txBody>
+          <a:bodyPr bIns="0" lIns="0" rIns="0" tIns="0" wrap="none"/>
+          <a:p>
+            <a:pPr>
+              <a:buSzPct val="45000"/>
+              <a:buFont typeface="StarSymbol"/>
+              <a:buChar char=""/>
+            </a:pPr>
+            <a:r>
+              <a:rPr lang="en-US"/>
+              <a:t>Time consuming</a:t>
+            </a:r>
+            <a:endParaRPr/>
+          </a:p>
+          <a:p>
+            <a:pPr>
+              <a:buSzPct val="45000"/>
+              <a:buFont typeface="StarSymbol"/>
+              <a:buChar char=""/>
+            </a:pPr>
+            <a:r>
+              <a:rPr lang="en-US"/>
+              <a:t>Command Line vs GUI</a:t>
+            </a:r>
+            <a:endParaRPr/>
+          </a:p>
+          <a:p>
+            <a:pPr>
+              <a:buSzPct val="45000"/>
+              <a:buFont typeface="StarSymbol"/>
+              <a:buChar char=""/>
+            </a:pPr>
+            <a:r>
+              <a:rPr lang="en-US"/>
+              <a:t>Open Source</a:t>
+            </a:r>
+            <a:endParaRPr/>
+          </a:p>
+          <a:p>
+            <a:pPr>
+              <a:buSzPct val="45000"/>
+              <a:buFont typeface="StarSymbol"/>
+              <a:buChar char=""/>
+            </a:pPr>
+            <a:r>
+              <a:rPr lang="en-US"/>
+              <a:t>Learning Time</a:t>
+            </a:r>
+            <a:endParaRPr/>
+          </a:p>
+          <a:p>
+            <a:pPr>
+              <a:buSzPct val="45000"/>
+              <a:buFont typeface="StarSymbol"/>
+              <a:buChar char=""/>
+            </a:pPr>
+            <a:r>
+              <a:rPr lang="en-US"/>
+              <a:t>Text mining</a:t>
+            </a:r>
+            <a:endParaRPr/>
+          </a:p>
+          <a:p>
+            <a:pPr>
+              <a:buSzPct val="45000"/>
+              <a:buFont typeface="StarSymbol"/>
+              <a:buChar char=""/>
+            </a:pPr>
+            <a:r>
+              <a:rPr lang="en-US"/>
+              <a:t>Data statistics &amp; Data understanding</a:t>
+            </a:r>
+            <a:endParaRPr/>
+          </a:p>
+          <a:p>
+            <a:pPr>
+              <a:buSzPct val="45000"/>
+              <a:buFont typeface="StarSymbol"/>
+              <a:buChar char=""/>
+            </a:pPr>
+            <a:r>
+              <a:rPr lang="en-US"/>
+              <a:t>Data presentation</a:t>
+            </a:r>
+            <a:endParaRPr/>
+          </a:p>
+        </p:txBody>
+      </p:sp>
     </p:spTree>
   </p:cSld>
 </p:sld>
@@ -6273,6 +6876,77 @@
           </a:p>
         </p:txBody>
       </p:sp>
+    </p:spTree>
+  </p:cSld>
+</p:sld>
+</file>
+
+<file path=ppt/slides/slide30.xml><?xml version="1.0" encoding="utf-8"?>
+<p:sld xmlns:a="http://schemas.openxmlformats.org/drawingml/2006/main" xmlns:p="http://schemas.openxmlformats.org/presentationml/2006/main" xmlns:r="http://schemas.openxmlformats.org/officeDocument/2006/relationships">
+  <p:cSld>
+    <p:spTree>
+      <p:nvGrpSpPr>
+        <p:cNvPr id="1" name=""/>
+        <p:cNvGrpSpPr/>
+        <p:nvPr/>
+      </p:nvGrpSpPr>
+      <p:grpSpPr>
+        <a:xfrm>
+          <a:off x="0" y="0"/>
+          <a:ext cx="0" cy="0"/>
+          <a:chOff x="0" y="0"/>
+          <a:chExt cx="0" cy="0"/>
+        </a:xfrm>
+      </p:grpSpPr>
+      <p:sp>
+        <p:nvSpPr>
+          <p:cNvPr id="160" name="TextShape 1"/>
+          <p:cNvSpPr txBox="1"/>
+          <p:nvPr/>
+        </p:nvSpPr>
+        <p:spPr>
+          <a:xfrm>
+            <a:off x="457200" y="273600"/>
+            <a:ext cx="8229240" cy="1144800"/>
+          </a:xfrm>
+          <a:prstGeom prst="rect">
+            <a:avLst/>
+          </a:prstGeom>
+        </p:spPr>
+        <p:txBody>
+          <a:bodyPr anchor="ctr" bIns="0" lIns="0" rIns="0" tIns="0" wrap="none"/>
+          <a:p>
+            <a:pPr algn="ctr"/>
+            <a:r>
+              <a:rPr lang="en-US"/>
+              <a:t>Questions?</a:t>
+            </a:r>
+            <a:endParaRPr/>
+          </a:p>
+        </p:txBody>
+      </p:sp>
+      <p:pic>
+        <p:nvPicPr>
+          <p:cNvPr descr="" id="161" name=""/>
+          <p:cNvPicPr/>
+          <p:nvPr/>
+        </p:nvPicPr>
+        <p:blipFill>
+          <a:blip r:embed="rId1"/>
+          <a:stretch>
+            <a:fillRect/>
+          </a:stretch>
+        </p:blipFill>
+        <p:spPr>
+          <a:xfrm>
+            <a:off x="2833560" y="1253160"/>
+            <a:ext cx="3517560" cy="4406400"/>
+          </a:xfrm>
+          <a:prstGeom prst="rect">
+            <a:avLst/>
+          </a:prstGeom>
+        </p:spPr>
+      </p:pic>
     </p:spTree>
   </p:cSld>
 </p:sld>
